--- a/Perguntas_e_Respostas/Matemática/Aritmetica/Adicao/lista_001_exe_adicao/lista_001_exe_adicao.pptx
+++ b/Perguntas_e_Respostas/Matemática/Aritmetica/Adicao/lista_001_exe_adicao/lista_001_exe_adicao.pptx
@@ -5,7 +5,7 @@
     <p:sldMasterId id="2147483924" r:id="rId1"/>
   </p:sldMasterIdLst>
   <p:notesMasterIdLst>
-    <p:notesMasterId r:id="rId25"/>
+    <p:notesMasterId r:id="rId33"/>
   </p:notesMasterIdLst>
   <p:sldIdLst>
     <p:sldId id="293" r:id="rId2"/>
@@ -31,6 +31,14 @@
     <p:sldId id="313" r:id="rId22"/>
     <p:sldId id="314" r:id="rId23"/>
     <p:sldId id="315" r:id="rId24"/>
+    <p:sldId id="316" r:id="rId25"/>
+    <p:sldId id="317" r:id="rId26"/>
+    <p:sldId id="318" r:id="rId27"/>
+    <p:sldId id="319" r:id="rId28"/>
+    <p:sldId id="320" r:id="rId29"/>
+    <p:sldId id="321" r:id="rId30"/>
+    <p:sldId id="322" r:id="rId31"/>
+    <p:sldId id="323" r:id="rId32"/>
   </p:sldIdLst>
   <p:sldSz cx="6480175" cy="3600450"/>
   <p:notesSz cx="6858000" cy="9144000"/>
@@ -160,6 +168,14 @@
             <p14:sldId id="313"/>
             <p14:sldId id="314"/>
             <p14:sldId id="315"/>
+            <p14:sldId id="316"/>
+            <p14:sldId id="317"/>
+            <p14:sldId id="318"/>
+            <p14:sldId id="319"/>
+            <p14:sldId id="320"/>
+            <p14:sldId id="321"/>
+            <p14:sldId id="322"/>
+            <p14:sldId id="323"/>
           </p14:sldIdLst>
         </p14:section>
       </p14:sectionLst>
@@ -277,7 +293,7 @@
           <a:p>
             <a:fld id="{8E16BBD4-8911-4A0F-AA6A-6D6D8349903B}" type="datetimeFigureOut">
               <a:rPr lang="pt-BR" smtClean="0"/>
-              <a:t>10/11/2019</a:t>
+              <a:t>12/11/2019</a:t>
             </a:fld>
             <a:endParaRPr lang="pt-BR"/>
           </a:p>
@@ -2002,6 +2018,552 @@
 </p:notes>
 </file>
 
+<file path=ppt/notesSlides/notesSlide24.xml><?xml version="1.0" encoding="utf-8"?>
+<p:notes xmlns:a="http://schemas.openxmlformats.org/drawingml/2006/main" xmlns:r="http://schemas.openxmlformats.org/officeDocument/2006/relationships" xmlns:p="http://schemas.openxmlformats.org/presentationml/2006/main">
+  <p:cSld>
+    <p:spTree>
+      <p:nvGrpSpPr>
+        <p:cNvPr id="1" name=""/>
+        <p:cNvGrpSpPr/>
+        <p:nvPr/>
+      </p:nvGrpSpPr>
+      <p:grpSpPr>
+        <a:xfrm>
+          <a:off x="0" y="0"/>
+          <a:ext cx="0" cy="0"/>
+          <a:chOff x="0" y="0"/>
+          <a:chExt cx="0" cy="0"/>
+        </a:xfrm>
+      </p:grpSpPr>
+      <p:sp>
+        <p:nvSpPr>
+          <p:cNvPr id="2" name="Espaço Reservado para Imagem de Slide 1"/>
+          <p:cNvSpPr>
+            <a:spLocks noGrp="1" noRot="1" noChangeAspect="1"/>
+          </p:cNvSpPr>
+          <p:nvPr>
+            <p:ph type="sldImg"/>
+          </p:nvPr>
+        </p:nvSpPr>
+        <p:spPr>
+          <a:xfrm>
+            <a:off x="344488" y="685800"/>
+            <a:ext cx="6169025" cy="3429000"/>
+          </a:xfrm>
+        </p:spPr>
+      </p:sp>
+      <p:sp>
+        <p:nvSpPr>
+          <p:cNvPr id="3" name="Espaço Reservado para Anotações 2"/>
+          <p:cNvSpPr>
+            <a:spLocks noGrp="1"/>
+          </p:cNvSpPr>
+          <p:nvPr>
+            <p:ph type="body" idx="1"/>
+          </p:nvPr>
+        </p:nvSpPr>
+        <p:spPr/>
+        <p:txBody>
+          <a:bodyPr>
+            <a:normAutofit/>
+          </a:bodyPr>
+          <a:lstStyle/>
+          <a:p>
+            <a:endParaRPr lang="pt-BR"/>
+          </a:p>
+        </p:txBody>
+      </p:sp>
+      <p:sp>
+        <p:nvSpPr>
+          <p:cNvPr id="4" name="Espaço Reservado para Número de Slide 3"/>
+          <p:cNvSpPr>
+            <a:spLocks noGrp="1"/>
+          </p:cNvSpPr>
+          <p:nvPr>
+            <p:ph type="sldNum" sz="quarter" idx="10"/>
+          </p:nvPr>
+        </p:nvSpPr>
+        <p:spPr/>
+        <p:txBody>
+          <a:bodyPr/>
+          <a:lstStyle/>
+          <a:p>
+            <a:fld id="{AA3BDF02-B96A-49DA-B87B-E5BEC32AF444}" type="slidenum">
+              <a:rPr lang="pt-BR" smtClean="0"/>
+              <a:t>24</a:t>
+            </a:fld>
+            <a:endParaRPr lang="pt-BR"/>
+          </a:p>
+        </p:txBody>
+      </p:sp>
+    </p:spTree>
+    <p:extLst>
+      <p:ext uri="{BB962C8B-B14F-4D97-AF65-F5344CB8AC3E}">
+        <p14:creationId xmlns:p14="http://schemas.microsoft.com/office/powerpoint/2010/main" val="3897064791"/>
+      </p:ext>
+    </p:extLst>
+  </p:cSld>
+  <p:clrMapOvr>
+    <a:masterClrMapping/>
+  </p:clrMapOvr>
+</p:notes>
+</file>
+
+<file path=ppt/notesSlides/notesSlide25.xml><?xml version="1.0" encoding="utf-8"?>
+<p:notes xmlns:a="http://schemas.openxmlformats.org/drawingml/2006/main" xmlns:r="http://schemas.openxmlformats.org/officeDocument/2006/relationships" xmlns:p="http://schemas.openxmlformats.org/presentationml/2006/main">
+  <p:cSld>
+    <p:spTree>
+      <p:nvGrpSpPr>
+        <p:cNvPr id="1" name=""/>
+        <p:cNvGrpSpPr/>
+        <p:nvPr/>
+      </p:nvGrpSpPr>
+      <p:grpSpPr>
+        <a:xfrm>
+          <a:off x="0" y="0"/>
+          <a:ext cx="0" cy="0"/>
+          <a:chOff x="0" y="0"/>
+          <a:chExt cx="0" cy="0"/>
+        </a:xfrm>
+      </p:grpSpPr>
+      <p:sp>
+        <p:nvSpPr>
+          <p:cNvPr id="2" name="Espaço Reservado para Imagem de Slide 1"/>
+          <p:cNvSpPr>
+            <a:spLocks noGrp="1" noRot="1" noChangeAspect="1"/>
+          </p:cNvSpPr>
+          <p:nvPr>
+            <p:ph type="sldImg"/>
+          </p:nvPr>
+        </p:nvSpPr>
+        <p:spPr>
+          <a:xfrm>
+            <a:off x="344488" y="685800"/>
+            <a:ext cx="6169025" cy="3429000"/>
+          </a:xfrm>
+        </p:spPr>
+      </p:sp>
+      <p:sp>
+        <p:nvSpPr>
+          <p:cNvPr id="3" name="Espaço Reservado para Anotações 2"/>
+          <p:cNvSpPr>
+            <a:spLocks noGrp="1"/>
+          </p:cNvSpPr>
+          <p:nvPr>
+            <p:ph type="body" idx="1"/>
+          </p:nvPr>
+        </p:nvSpPr>
+        <p:spPr/>
+        <p:txBody>
+          <a:bodyPr>
+            <a:normAutofit/>
+          </a:bodyPr>
+          <a:lstStyle/>
+          <a:p>
+            <a:endParaRPr lang="pt-BR"/>
+          </a:p>
+        </p:txBody>
+      </p:sp>
+      <p:sp>
+        <p:nvSpPr>
+          <p:cNvPr id="4" name="Espaço Reservado para Número de Slide 3"/>
+          <p:cNvSpPr>
+            <a:spLocks noGrp="1"/>
+          </p:cNvSpPr>
+          <p:nvPr>
+            <p:ph type="sldNum" sz="quarter" idx="10"/>
+          </p:nvPr>
+        </p:nvSpPr>
+        <p:spPr/>
+        <p:txBody>
+          <a:bodyPr/>
+          <a:lstStyle/>
+          <a:p>
+            <a:fld id="{AA3BDF02-B96A-49DA-B87B-E5BEC32AF444}" type="slidenum">
+              <a:rPr lang="pt-BR" smtClean="0"/>
+              <a:t>25</a:t>
+            </a:fld>
+            <a:endParaRPr lang="pt-BR"/>
+          </a:p>
+        </p:txBody>
+      </p:sp>
+    </p:spTree>
+    <p:extLst>
+      <p:ext uri="{BB962C8B-B14F-4D97-AF65-F5344CB8AC3E}">
+        <p14:creationId xmlns:p14="http://schemas.microsoft.com/office/powerpoint/2010/main" val="2512269229"/>
+      </p:ext>
+    </p:extLst>
+  </p:cSld>
+  <p:clrMapOvr>
+    <a:masterClrMapping/>
+  </p:clrMapOvr>
+</p:notes>
+</file>
+
+<file path=ppt/notesSlides/notesSlide26.xml><?xml version="1.0" encoding="utf-8"?>
+<p:notes xmlns:a="http://schemas.openxmlformats.org/drawingml/2006/main" xmlns:r="http://schemas.openxmlformats.org/officeDocument/2006/relationships" xmlns:p="http://schemas.openxmlformats.org/presentationml/2006/main">
+  <p:cSld>
+    <p:spTree>
+      <p:nvGrpSpPr>
+        <p:cNvPr id="1" name=""/>
+        <p:cNvGrpSpPr/>
+        <p:nvPr/>
+      </p:nvGrpSpPr>
+      <p:grpSpPr>
+        <a:xfrm>
+          <a:off x="0" y="0"/>
+          <a:ext cx="0" cy="0"/>
+          <a:chOff x="0" y="0"/>
+          <a:chExt cx="0" cy="0"/>
+        </a:xfrm>
+      </p:grpSpPr>
+      <p:sp>
+        <p:nvSpPr>
+          <p:cNvPr id="2" name="Espaço Reservado para Imagem de Slide 1"/>
+          <p:cNvSpPr>
+            <a:spLocks noGrp="1" noRot="1" noChangeAspect="1"/>
+          </p:cNvSpPr>
+          <p:nvPr>
+            <p:ph type="sldImg"/>
+          </p:nvPr>
+        </p:nvSpPr>
+        <p:spPr>
+          <a:xfrm>
+            <a:off x="344488" y="685800"/>
+            <a:ext cx="6169025" cy="3429000"/>
+          </a:xfrm>
+        </p:spPr>
+      </p:sp>
+      <p:sp>
+        <p:nvSpPr>
+          <p:cNvPr id="3" name="Espaço Reservado para Anotações 2"/>
+          <p:cNvSpPr>
+            <a:spLocks noGrp="1"/>
+          </p:cNvSpPr>
+          <p:nvPr>
+            <p:ph type="body" idx="1"/>
+          </p:nvPr>
+        </p:nvSpPr>
+        <p:spPr/>
+        <p:txBody>
+          <a:bodyPr>
+            <a:normAutofit/>
+          </a:bodyPr>
+          <a:lstStyle/>
+          <a:p>
+            <a:endParaRPr lang="pt-BR"/>
+          </a:p>
+        </p:txBody>
+      </p:sp>
+      <p:sp>
+        <p:nvSpPr>
+          <p:cNvPr id="4" name="Espaço Reservado para Número de Slide 3"/>
+          <p:cNvSpPr>
+            <a:spLocks noGrp="1"/>
+          </p:cNvSpPr>
+          <p:nvPr>
+            <p:ph type="sldNum" sz="quarter" idx="10"/>
+          </p:nvPr>
+        </p:nvSpPr>
+        <p:spPr/>
+        <p:txBody>
+          <a:bodyPr/>
+          <a:lstStyle/>
+          <a:p>
+            <a:fld id="{AA3BDF02-B96A-49DA-B87B-E5BEC32AF444}" type="slidenum">
+              <a:rPr lang="pt-BR" smtClean="0"/>
+              <a:t>26</a:t>
+            </a:fld>
+            <a:endParaRPr lang="pt-BR"/>
+          </a:p>
+        </p:txBody>
+      </p:sp>
+    </p:spTree>
+    <p:extLst>
+      <p:ext uri="{BB962C8B-B14F-4D97-AF65-F5344CB8AC3E}">
+        <p14:creationId xmlns:p14="http://schemas.microsoft.com/office/powerpoint/2010/main" val="3138673011"/>
+      </p:ext>
+    </p:extLst>
+  </p:cSld>
+  <p:clrMapOvr>
+    <a:masterClrMapping/>
+  </p:clrMapOvr>
+</p:notes>
+</file>
+
+<file path=ppt/notesSlides/notesSlide27.xml><?xml version="1.0" encoding="utf-8"?>
+<p:notes xmlns:a="http://schemas.openxmlformats.org/drawingml/2006/main" xmlns:r="http://schemas.openxmlformats.org/officeDocument/2006/relationships" xmlns:p="http://schemas.openxmlformats.org/presentationml/2006/main">
+  <p:cSld>
+    <p:spTree>
+      <p:nvGrpSpPr>
+        <p:cNvPr id="1" name=""/>
+        <p:cNvGrpSpPr/>
+        <p:nvPr/>
+      </p:nvGrpSpPr>
+      <p:grpSpPr>
+        <a:xfrm>
+          <a:off x="0" y="0"/>
+          <a:ext cx="0" cy="0"/>
+          <a:chOff x="0" y="0"/>
+          <a:chExt cx="0" cy="0"/>
+        </a:xfrm>
+      </p:grpSpPr>
+      <p:sp>
+        <p:nvSpPr>
+          <p:cNvPr id="2" name="Espaço Reservado para Imagem de Slide 1"/>
+          <p:cNvSpPr>
+            <a:spLocks noGrp="1" noRot="1" noChangeAspect="1"/>
+          </p:cNvSpPr>
+          <p:nvPr>
+            <p:ph type="sldImg"/>
+          </p:nvPr>
+        </p:nvSpPr>
+        <p:spPr>
+          <a:xfrm>
+            <a:off x="344488" y="685800"/>
+            <a:ext cx="6169025" cy="3429000"/>
+          </a:xfrm>
+        </p:spPr>
+      </p:sp>
+      <p:sp>
+        <p:nvSpPr>
+          <p:cNvPr id="3" name="Espaço Reservado para Anotações 2"/>
+          <p:cNvSpPr>
+            <a:spLocks noGrp="1"/>
+          </p:cNvSpPr>
+          <p:nvPr>
+            <p:ph type="body" idx="1"/>
+          </p:nvPr>
+        </p:nvSpPr>
+        <p:spPr/>
+        <p:txBody>
+          <a:bodyPr>
+            <a:normAutofit/>
+          </a:bodyPr>
+          <a:lstStyle/>
+          <a:p>
+            <a:endParaRPr lang="pt-BR"/>
+          </a:p>
+        </p:txBody>
+      </p:sp>
+      <p:sp>
+        <p:nvSpPr>
+          <p:cNvPr id="4" name="Espaço Reservado para Número de Slide 3"/>
+          <p:cNvSpPr>
+            <a:spLocks noGrp="1"/>
+          </p:cNvSpPr>
+          <p:nvPr>
+            <p:ph type="sldNum" sz="quarter" idx="10"/>
+          </p:nvPr>
+        </p:nvSpPr>
+        <p:spPr/>
+        <p:txBody>
+          <a:bodyPr/>
+          <a:lstStyle/>
+          <a:p>
+            <a:fld id="{AA3BDF02-B96A-49DA-B87B-E5BEC32AF444}" type="slidenum">
+              <a:rPr lang="pt-BR" smtClean="0"/>
+              <a:t>27</a:t>
+            </a:fld>
+            <a:endParaRPr lang="pt-BR"/>
+          </a:p>
+        </p:txBody>
+      </p:sp>
+    </p:spTree>
+    <p:extLst>
+      <p:ext uri="{BB962C8B-B14F-4D97-AF65-F5344CB8AC3E}">
+        <p14:creationId xmlns:p14="http://schemas.microsoft.com/office/powerpoint/2010/main" val="2571273729"/>
+      </p:ext>
+    </p:extLst>
+  </p:cSld>
+  <p:clrMapOvr>
+    <a:masterClrMapping/>
+  </p:clrMapOvr>
+</p:notes>
+</file>
+
+<file path=ppt/notesSlides/notesSlide28.xml><?xml version="1.0" encoding="utf-8"?>
+<p:notes xmlns:a="http://schemas.openxmlformats.org/drawingml/2006/main" xmlns:r="http://schemas.openxmlformats.org/officeDocument/2006/relationships" xmlns:p="http://schemas.openxmlformats.org/presentationml/2006/main">
+  <p:cSld>
+    <p:spTree>
+      <p:nvGrpSpPr>
+        <p:cNvPr id="1" name=""/>
+        <p:cNvGrpSpPr/>
+        <p:nvPr/>
+      </p:nvGrpSpPr>
+      <p:grpSpPr>
+        <a:xfrm>
+          <a:off x="0" y="0"/>
+          <a:ext cx="0" cy="0"/>
+          <a:chOff x="0" y="0"/>
+          <a:chExt cx="0" cy="0"/>
+        </a:xfrm>
+      </p:grpSpPr>
+      <p:sp>
+        <p:nvSpPr>
+          <p:cNvPr id="2" name="Espaço Reservado para Imagem de Slide 1"/>
+          <p:cNvSpPr>
+            <a:spLocks noGrp="1" noRot="1" noChangeAspect="1"/>
+          </p:cNvSpPr>
+          <p:nvPr>
+            <p:ph type="sldImg"/>
+          </p:nvPr>
+        </p:nvSpPr>
+        <p:spPr>
+          <a:xfrm>
+            <a:off x="344488" y="685800"/>
+            <a:ext cx="6169025" cy="3429000"/>
+          </a:xfrm>
+        </p:spPr>
+      </p:sp>
+      <p:sp>
+        <p:nvSpPr>
+          <p:cNvPr id="3" name="Espaço Reservado para Anotações 2"/>
+          <p:cNvSpPr>
+            <a:spLocks noGrp="1"/>
+          </p:cNvSpPr>
+          <p:nvPr>
+            <p:ph type="body" idx="1"/>
+          </p:nvPr>
+        </p:nvSpPr>
+        <p:spPr/>
+        <p:txBody>
+          <a:bodyPr>
+            <a:normAutofit/>
+          </a:bodyPr>
+          <a:lstStyle/>
+          <a:p>
+            <a:endParaRPr lang="pt-BR"/>
+          </a:p>
+        </p:txBody>
+      </p:sp>
+      <p:sp>
+        <p:nvSpPr>
+          <p:cNvPr id="4" name="Espaço Reservado para Número de Slide 3"/>
+          <p:cNvSpPr>
+            <a:spLocks noGrp="1"/>
+          </p:cNvSpPr>
+          <p:nvPr>
+            <p:ph type="sldNum" sz="quarter" idx="10"/>
+          </p:nvPr>
+        </p:nvSpPr>
+        <p:spPr/>
+        <p:txBody>
+          <a:bodyPr/>
+          <a:lstStyle/>
+          <a:p>
+            <a:fld id="{AA3BDF02-B96A-49DA-B87B-E5BEC32AF444}" type="slidenum">
+              <a:rPr lang="pt-BR" smtClean="0"/>
+              <a:t>28</a:t>
+            </a:fld>
+            <a:endParaRPr lang="pt-BR"/>
+          </a:p>
+        </p:txBody>
+      </p:sp>
+    </p:spTree>
+    <p:extLst>
+      <p:ext uri="{BB962C8B-B14F-4D97-AF65-F5344CB8AC3E}">
+        <p14:creationId xmlns:p14="http://schemas.microsoft.com/office/powerpoint/2010/main" val="2403399590"/>
+      </p:ext>
+    </p:extLst>
+  </p:cSld>
+  <p:clrMapOvr>
+    <a:masterClrMapping/>
+  </p:clrMapOvr>
+</p:notes>
+</file>
+
+<file path=ppt/notesSlides/notesSlide29.xml><?xml version="1.0" encoding="utf-8"?>
+<p:notes xmlns:a="http://schemas.openxmlformats.org/drawingml/2006/main" xmlns:r="http://schemas.openxmlformats.org/officeDocument/2006/relationships" xmlns:p="http://schemas.openxmlformats.org/presentationml/2006/main">
+  <p:cSld>
+    <p:spTree>
+      <p:nvGrpSpPr>
+        <p:cNvPr id="1" name=""/>
+        <p:cNvGrpSpPr/>
+        <p:nvPr/>
+      </p:nvGrpSpPr>
+      <p:grpSpPr>
+        <a:xfrm>
+          <a:off x="0" y="0"/>
+          <a:ext cx="0" cy="0"/>
+          <a:chOff x="0" y="0"/>
+          <a:chExt cx="0" cy="0"/>
+        </a:xfrm>
+      </p:grpSpPr>
+      <p:sp>
+        <p:nvSpPr>
+          <p:cNvPr id="2" name="Espaço Reservado para Imagem de Slide 1"/>
+          <p:cNvSpPr>
+            <a:spLocks noGrp="1" noRot="1" noChangeAspect="1"/>
+          </p:cNvSpPr>
+          <p:nvPr>
+            <p:ph type="sldImg"/>
+          </p:nvPr>
+        </p:nvSpPr>
+        <p:spPr>
+          <a:xfrm>
+            <a:off x="344488" y="685800"/>
+            <a:ext cx="6169025" cy="3429000"/>
+          </a:xfrm>
+        </p:spPr>
+      </p:sp>
+      <p:sp>
+        <p:nvSpPr>
+          <p:cNvPr id="3" name="Espaço Reservado para Anotações 2"/>
+          <p:cNvSpPr>
+            <a:spLocks noGrp="1"/>
+          </p:cNvSpPr>
+          <p:nvPr>
+            <p:ph type="body" idx="1"/>
+          </p:nvPr>
+        </p:nvSpPr>
+        <p:spPr/>
+        <p:txBody>
+          <a:bodyPr>
+            <a:normAutofit/>
+          </a:bodyPr>
+          <a:lstStyle/>
+          <a:p>
+            <a:endParaRPr lang="pt-BR"/>
+          </a:p>
+        </p:txBody>
+      </p:sp>
+      <p:sp>
+        <p:nvSpPr>
+          <p:cNvPr id="4" name="Espaço Reservado para Número de Slide 3"/>
+          <p:cNvSpPr>
+            <a:spLocks noGrp="1"/>
+          </p:cNvSpPr>
+          <p:nvPr>
+            <p:ph type="sldNum" sz="quarter" idx="10"/>
+          </p:nvPr>
+        </p:nvSpPr>
+        <p:spPr/>
+        <p:txBody>
+          <a:bodyPr/>
+          <a:lstStyle/>
+          <a:p>
+            <a:fld id="{AA3BDF02-B96A-49DA-B87B-E5BEC32AF444}" type="slidenum">
+              <a:rPr lang="pt-BR" smtClean="0"/>
+              <a:t>29</a:t>
+            </a:fld>
+            <a:endParaRPr lang="pt-BR"/>
+          </a:p>
+        </p:txBody>
+      </p:sp>
+    </p:spTree>
+    <p:extLst>
+      <p:ext uri="{BB962C8B-B14F-4D97-AF65-F5344CB8AC3E}">
+        <p14:creationId xmlns:p14="http://schemas.microsoft.com/office/powerpoint/2010/main" val="1892383005"/>
+      </p:ext>
+    </p:extLst>
+  </p:cSld>
+  <p:clrMapOvr>
+    <a:masterClrMapping/>
+  </p:clrMapOvr>
+</p:notes>
+</file>
+
 <file path=ppt/notesSlides/notesSlide3.xml><?xml version="1.0" encoding="utf-8"?>
 <p:notes xmlns:a="http://schemas.openxmlformats.org/drawingml/2006/main" xmlns:r="http://schemas.openxmlformats.org/officeDocument/2006/relationships" xmlns:p="http://schemas.openxmlformats.org/presentationml/2006/main">
   <p:cSld>
@@ -2084,6 +2646,188 @@
     <p:extLst>
       <p:ext uri="{BB962C8B-B14F-4D97-AF65-F5344CB8AC3E}">
         <p14:creationId xmlns:p14="http://schemas.microsoft.com/office/powerpoint/2010/main" val="479456350"/>
+      </p:ext>
+    </p:extLst>
+  </p:cSld>
+  <p:clrMapOvr>
+    <a:masterClrMapping/>
+  </p:clrMapOvr>
+</p:notes>
+</file>
+
+<file path=ppt/notesSlides/notesSlide30.xml><?xml version="1.0" encoding="utf-8"?>
+<p:notes xmlns:a="http://schemas.openxmlformats.org/drawingml/2006/main" xmlns:r="http://schemas.openxmlformats.org/officeDocument/2006/relationships" xmlns:p="http://schemas.openxmlformats.org/presentationml/2006/main">
+  <p:cSld>
+    <p:spTree>
+      <p:nvGrpSpPr>
+        <p:cNvPr id="1" name=""/>
+        <p:cNvGrpSpPr/>
+        <p:nvPr/>
+      </p:nvGrpSpPr>
+      <p:grpSpPr>
+        <a:xfrm>
+          <a:off x="0" y="0"/>
+          <a:ext cx="0" cy="0"/>
+          <a:chOff x="0" y="0"/>
+          <a:chExt cx="0" cy="0"/>
+        </a:xfrm>
+      </p:grpSpPr>
+      <p:sp>
+        <p:nvSpPr>
+          <p:cNvPr id="2" name="Espaço Reservado para Imagem de Slide 1"/>
+          <p:cNvSpPr>
+            <a:spLocks noGrp="1" noRot="1" noChangeAspect="1"/>
+          </p:cNvSpPr>
+          <p:nvPr>
+            <p:ph type="sldImg"/>
+          </p:nvPr>
+        </p:nvSpPr>
+        <p:spPr>
+          <a:xfrm>
+            <a:off x="344488" y="685800"/>
+            <a:ext cx="6169025" cy="3429000"/>
+          </a:xfrm>
+        </p:spPr>
+      </p:sp>
+      <p:sp>
+        <p:nvSpPr>
+          <p:cNvPr id="3" name="Espaço Reservado para Anotações 2"/>
+          <p:cNvSpPr>
+            <a:spLocks noGrp="1"/>
+          </p:cNvSpPr>
+          <p:nvPr>
+            <p:ph type="body" idx="1"/>
+          </p:nvPr>
+        </p:nvSpPr>
+        <p:spPr/>
+        <p:txBody>
+          <a:bodyPr>
+            <a:normAutofit/>
+          </a:bodyPr>
+          <a:lstStyle/>
+          <a:p>
+            <a:endParaRPr lang="pt-BR"/>
+          </a:p>
+        </p:txBody>
+      </p:sp>
+      <p:sp>
+        <p:nvSpPr>
+          <p:cNvPr id="4" name="Espaço Reservado para Número de Slide 3"/>
+          <p:cNvSpPr>
+            <a:spLocks noGrp="1"/>
+          </p:cNvSpPr>
+          <p:nvPr>
+            <p:ph type="sldNum" sz="quarter" idx="10"/>
+          </p:nvPr>
+        </p:nvSpPr>
+        <p:spPr/>
+        <p:txBody>
+          <a:bodyPr/>
+          <a:lstStyle/>
+          <a:p>
+            <a:fld id="{AA3BDF02-B96A-49DA-B87B-E5BEC32AF444}" type="slidenum">
+              <a:rPr lang="pt-BR" smtClean="0"/>
+              <a:t>30</a:t>
+            </a:fld>
+            <a:endParaRPr lang="pt-BR"/>
+          </a:p>
+        </p:txBody>
+      </p:sp>
+    </p:spTree>
+    <p:extLst>
+      <p:ext uri="{BB962C8B-B14F-4D97-AF65-F5344CB8AC3E}">
+        <p14:creationId xmlns:p14="http://schemas.microsoft.com/office/powerpoint/2010/main" val="3746446981"/>
+      </p:ext>
+    </p:extLst>
+  </p:cSld>
+  <p:clrMapOvr>
+    <a:masterClrMapping/>
+  </p:clrMapOvr>
+</p:notes>
+</file>
+
+<file path=ppt/notesSlides/notesSlide31.xml><?xml version="1.0" encoding="utf-8"?>
+<p:notes xmlns:a="http://schemas.openxmlformats.org/drawingml/2006/main" xmlns:r="http://schemas.openxmlformats.org/officeDocument/2006/relationships" xmlns:p="http://schemas.openxmlformats.org/presentationml/2006/main">
+  <p:cSld>
+    <p:spTree>
+      <p:nvGrpSpPr>
+        <p:cNvPr id="1" name=""/>
+        <p:cNvGrpSpPr/>
+        <p:nvPr/>
+      </p:nvGrpSpPr>
+      <p:grpSpPr>
+        <a:xfrm>
+          <a:off x="0" y="0"/>
+          <a:ext cx="0" cy="0"/>
+          <a:chOff x="0" y="0"/>
+          <a:chExt cx="0" cy="0"/>
+        </a:xfrm>
+      </p:grpSpPr>
+      <p:sp>
+        <p:nvSpPr>
+          <p:cNvPr id="2" name="Espaço Reservado para Imagem de Slide 1"/>
+          <p:cNvSpPr>
+            <a:spLocks noGrp="1" noRot="1" noChangeAspect="1"/>
+          </p:cNvSpPr>
+          <p:nvPr>
+            <p:ph type="sldImg"/>
+          </p:nvPr>
+        </p:nvSpPr>
+        <p:spPr>
+          <a:xfrm>
+            <a:off x="344488" y="685800"/>
+            <a:ext cx="6169025" cy="3429000"/>
+          </a:xfrm>
+        </p:spPr>
+      </p:sp>
+      <p:sp>
+        <p:nvSpPr>
+          <p:cNvPr id="3" name="Espaço Reservado para Anotações 2"/>
+          <p:cNvSpPr>
+            <a:spLocks noGrp="1"/>
+          </p:cNvSpPr>
+          <p:nvPr>
+            <p:ph type="body" idx="1"/>
+          </p:nvPr>
+        </p:nvSpPr>
+        <p:spPr/>
+        <p:txBody>
+          <a:bodyPr>
+            <a:normAutofit/>
+          </a:bodyPr>
+          <a:lstStyle/>
+          <a:p>
+            <a:endParaRPr lang="pt-BR"/>
+          </a:p>
+        </p:txBody>
+      </p:sp>
+      <p:sp>
+        <p:nvSpPr>
+          <p:cNvPr id="4" name="Espaço Reservado para Número de Slide 3"/>
+          <p:cNvSpPr>
+            <a:spLocks noGrp="1"/>
+          </p:cNvSpPr>
+          <p:nvPr>
+            <p:ph type="sldNum" sz="quarter" idx="10"/>
+          </p:nvPr>
+        </p:nvSpPr>
+        <p:spPr/>
+        <p:txBody>
+          <a:bodyPr/>
+          <a:lstStyle/>
+          <a:p>
+            <a:fld id="{AA3BDF02-B96A-49DA-B87B-E5BEC32AF444}" type="slidenum">
+              <a:rPr lang="pt-BR" smtClean="0"/>
+              <a:t>31</a:t>
+            </a:fld>
+            <a:endParaRPr lang="pt-BR"/>
+          </a:p>
+        </p:txBody>
+      </p:sp>
+    </p:spTree>
+    <p:extLst>
+      <p:ext uri="{BB962C8B-B14F-4D97-AF65-F5344CB8AC3E}">
+        <p14:creationId xmlns:p14="http://schemas.microsoft.com/office/powerpoint/2010/main" val="2624043946"/>
       </p:ext>
     </p:extLst>
   </p:cSld>
@@ -2771,7 +3515,7 @@
             <a:fld id="{F8BDB6AA-63F8-4F31-8EA3-CB6FE8D9515C}" type="datetimeFigureOut">
               <a:rPr lang="pt-BR" smtClean="0"/>
               <a:pPr/>
-              <a:t>10/11/2019</a:t>
+              <a:t>12/11/2019</a:t>
             </a:fld>
             <a:endParaRPr lang="pt-BR"/>
           </a:p>
@@ -2950,7 +3694,7 @@
             <a:fld id="{F8BDB6AA-63F8-4F31-8EA3-CB6FE8D9515C}" type="datetimeFigureOut">
               <a:rPr lang="pt-BR" smtClean="0"/>
               <a:pPr/>
-              <a:t>10/11/2019</a:t>
+              <a:t>12/11/2019</a:t>
             </a:fld>
             <a:endParaRPr lang="pt-BR"/>
           </a:p>
@@ -3139,7 +3883,7 @@
             <a:fld id="{F8BDB6AA-63F8-4F31-8EA3-CB6FE8D9515C}" type="datetimeFigureOut">
               <a:rPr lang="pt-BR" smtClean="0"/>
               <a:pPr/>
-              <a:t>10/11/2019</a:t>
+              <a:t>12/11/2019</a:t>
             </a:fld>
             <a:endParaRPr lang="pt-BR"/>
           </a:p>
@@ -3318,7 +4062,7 @@
             <a:fld id="{F8BDB6AA-63F8-4F31-8EA3-CB6FE8D9515C}" type="datetimeFigureOut">
               <a:rPr lang="pt-BR" smtClean="0"/>
               <a:pPr/>
-              <a:t>10/11/2019</a:t>
+              <a:t>12/11/2019</a:t>
             </a:fld>
             <a:endParaRPr lang="pt-BR"/>
           </a:p>
@@ -3573,7 +4317,7 @@
             <a:fld id="{F8BDB6AA-63F8-4F31-8EA3-CB6FE8D9515C}" type="datetimeFigureOut">
               <a:rPr lang="pt-BR" smtClean="0"/>
               <a:pPr/>
-              <a:t>10/11/2019</a:t>
+              <a:t>12/11/2019</a:t>
             </a:fld>
             <a:endParaRPr lang="pt-BR"/>
           </a:p>
@@ -3814,7 +4558,7 @@
             <a:fld id="{F8BDB6AA-63F8-4F31-8EA3-CB6FE8D9515C}" type="datetimeFigureOut">
               <a:rPr lang="pt-BR" smtClean="0"/>
               <a:pPr/>
-              <a:t>10/11/2019</a:t>
+              <a:t>12/11/2019</a:t>
             </a:fld>
             <a:endParaRPr lang="pt-BR"/>
           </a:p>
@@ -4190,7 +4934,7 @@
             <a:fld id="{F8BDB6AA-63F8-4F31-8EA3-CB6FE8D9515C}" type="datetimeFigureOut">
               <a:rPr lang="pt-BR" smtClean="0"/>
               <a:pPr/>
-              <a:t>10/11/2019</a:t>
+              <a:t>12/11/2019</a:t>
             </a:fld>
             <a:endParaRPr lang="pt-BR"/>
           </a:p>
@@ -4317,7 +5061,7 @@
             <a:fld id="{F8BDB6AA-63F8-4F31-8EA3-CB6FE8D9515C}" type="datetimeFigureOut">
               <a:rPr lang="pt-BR" smtClean="0"/>
               <a:pPr/>
-              <a:t>10/11/2019</a:t>
+              <a:t>12/11/2019</a:t>
             </a:fld>
             <a:endParaRPr lang="pt-BR"/>
           </a:p>
@@ -4421,7 +5165,7 @@
             <a:fld id="{F8BDB6AA-63F8-4F31-8EA3-CB6FE8D9515C}" type="datetimeFigureOut">
               <a:rPr lang="pt-BR" smtClean="0"/>
               <a:pPr/>
-              <a:t>10/11/2019</a:t>
+              <a:t>12/11/2019</a:t>
             </a:fld>
             <a:endParaRPr lang="pt-BR"/>
           </a:p>
@@ -4707,7 +5451,7 @@
             <a:fld id="{F8BDB6AA-63F8-4F31-8EA3-CB6FE8D9515C}" type="datetimeFigureOut">
               <a:rPr lang="pt-BR" smtClean="0"/>
               <a:pPr/>
-              <a:t>10/11/2019</a:t>
+              <a:t>12/11/2019</a:t>
             </a:fld>
             <a:endParaRPr lang="pt-BR"/>
           </a:p>
@@ -4973,7 +5717,7 @@
             <a:fld id="{F8BDB6AA-63F8-4F31-8EA3-CB6FE8D9515C}" type="datetimeFigureOut">
               <a:rPr lang="pt-BR" smtClean="0"/>
               <a:pPr/>
-              <a:t>10/11/2019</a:t>
+              <a:t>12/11/2019</a:t>
             </a:fld>
             <a:endParaRPr lang="pt-BR"/>
           </a:p>
@@ -5195,7 +5939,7 @@
             <a:fld id="{F8BDB6AA-63F8-4F31-8EA3-CB6FE8D9515C}" type="datetimeFigureOut">
               <a:rPr lang="pt-BR" smtClean="0"/>
               <a:pPr/>
-              <a:t>10/11/2019</a:t>
+              <a:t>12/11/2019</a:t>
             </a:fld>
             <a:endParaRPr lang="pt-BR"/>
           </a:p>
@@ -5627,7 +6371,7 @@
           <p:cNvPr id="2" name="Rectangle 1">
             <a:extLst>
               <a:ext uri="{FF2B5EF4-FFF2-40B4-BE49-F238E27FC236}">
-                <a16:creationId xmlns:a16="http://schemas.microsoft.com/office/drawing/2014/main" xmlns="" id="{4F38584F-66B2-464F-9BA7-6F9A856D602F}"/>
+                <a16:creationId xmlns="" xmlns:a16="http://schemas.microsoft.com/office/drawing/2014/main" id="{4F38584F-66B2-464F-9BA7-6F9A856D602F}"/>
               </a:ext>
             </a:extLst>
           </p:cNvPr>
@@ -5773,7 +6517,7 @@
           <p:cNvPr id="2" name="Rectangle 1">
             <a:extLst>
               <a:ext uri="{FF2B5EF4-FFF2-40B4-BE49-F238E27FC236}">
-                <a16:creationId xmlns:a16="http://schemas.microsoft.com/office/drawing/2014/main" xmlns="" id="{4F38584F-66B2-464F-9BA7-6F9A856D602F}"/>
+                <a16:creationId xmlns="" xmlns:a16="http://schemas.microsoft.com/office/drawing/2014/main" id="{4F38584F-66B2-464F-9BA7-6F9A856D602F}"/>
               </a:ext>
             </a:extLst>
           </p:cNvPr>
@@ -5833,7 +6577,7 @@
           <p:cNvPr id="15" name="Rectangle 14">
             <a:extLst>
               <a:ext uri="{FF2B5EF4-FFF2-40B4-BE49-F238E27FC236}">
-                <a16:creationId xmlns:a16="http://schemas.microsoft.com/office/drawing/2014/main" xmlns="" id="{88C45C25-BF1B-4018-8A33-8F627F02D4A4}"/>
+                <a16:creationId xmlns="" xmlns:a16="http://schemas.microsoft.com/office/drawing/2014/main" id="{88C45C25-BF1B-4018-8A33-8F627F02D4A4}"/>
               </a:ext>
             </a:extLst>
           </p:cNvPr>
@@ -5925,7 +6669,7 @@
           <p:cNvPr id="9" name="Rectangle 14">
             <a:extLst>
               <a:ext uri="{FF2B5EF4-FFF2-40B4-BE49-F238E27FC236}">
-                <a16:creationId xmlns:a16="http://schemas.microsoft.com/office/drawing/2014/main" xmlns="" id="{88C45C25-BF1B-4018-8A33-8F627F02D4A4}"/>
+                <a16:creationId xmlns="" xmlns:a16="http://schemas.microsoft.com/office/drawing/2014/main" id="{88C45C25-BF1B-4018-8A33-8F627F02D4A4}"/>
               </a:ext>
             </a:extLst>
           </p:cNvPr>
@@ -6017,7 +6761,7 @@
           <p:cNvPr id="10" name="Rectangle 14">
             <a:extLst>
               <a:ext uri="{FF2B5EF4-FFF2-40B4-BE49-F238E27FC236}">
-                <a16:creationId xmlns:a16="http://schemas.microsoft.com/office/drawing/2014/main" xmlns="" id="{88C45C25-BF1B-4018-8A33-8F627F02D4A4}"/>
+                <a16:creationId xmlns="" xmlns:a16="http://schemas.microsoft.com/office/drawing/2014/main" id="{88C45C25-BF1B-4018-8A33-8F627F02D4A4}"/>
               </a:ext>
             </a:extLst>
           </p:cNvPr>
@@ -6109,7 +6853,7 @@
           <p:cNvPr id="11" name="Rectangle 14">
             <a:extLst>
               <a:ext uri="{FF2B5EF4-FFF2-40B4-BE49-F238E27FC236}">
-                <a16:creationId xmlns:a16="http://schemas.microsoft.com/office/drawing/2014/main" xmlns="" id="{88C45C25-BF1B-4018-8A33-8F627F02D4A4}"/>
+                <a16:creationId xmlns="" xmlns:a16="http://schemas.microsoft.com/office/drawing/2014/main" id="{88C45C25-BF1B-4018-8A33-8F627F02D4A4}"/>
               </a:ext>
             </a:extLst>
           </p:cNvPr>
@@ -6201,7 +6945,7 @@
           <p:cNvPr id="8" name="Table 12">
             <a:extLst>
               <a:ext uri="{FF2B5EF4-FFF2-40B4-BE49-F238E27FC236}">
-                <a16:creationId xmlns:a16="http://schemas.microsoft.com/office/drawing/2014/main" xmlns="" id="{9B0F7DF4-72A9-4AA6-A24C-EB98E6574144}"/>
+                <a16:creationId xmlns="" xmlns:a16="http://schemas.microsoft.com/office/drawing/2014/main" id="{9B0F7DF4-72A9-4AA6-A24C-EB98E6574144}"/>
               </a:ext>
             </a:extLst>
           </p:cNvPr>
@@ -6230,28 +6974,28 @@
                 <a:gridCol w="834080">
                   <a:extLst>
                     <a:ext uri="{9D8B030D-6E8A-4147-A177-3AD203B41FA5}">
-                      <a16:colId xmlns:a16="http://schemas.microsoft.com/office/drawing/2014/main" xmlns="" val="2514592082"/>
+                      <a16:colId xmlns="" xmlns:a16="http://schemas.microsoft.com/office/drawing/2014/main" val="2514592082"/>
                     </a:ext>
                   </a:extLst>
                 </a:gridCol>
                 <a:gridCol w="834080">
                   <a:extLst>
                     <a:ext uri="{9D8B030D-6E8A-4147-A177-3AD203B41FA5}">
-                      <a16:colId xmlns:a16="http://schemas.microsoft.com/office/drawing/2014/main" xmlns="" val="1972351707"/>
+                      <a16:colId xmlns="" xmlns:a16="http://schemas.microsoft.com/office/drawing/2014/main" val="1972351707"/>
                     </a:ext>
                   </a:extLst>
                 </a:gridCol>
                 <a:gridCol w="834080">
                   <a:extLst>
                     <a:ext uri="{9D8B030D-6E8A-4147-A177-3AD203B41FA5}">
-                      <a16:colId xmlns:a16="http://schemas.microsoft.com/office/drawing/2014/main" xmlns="" val="130078612"/>
+                      <a16:colId xmlns="" xmlns:a16="http://schemas.microsoft.com/office/drawing/2014/main" val="130078612"/>
                     </a:ext>
                   </a:extLst>
                 </a:gridCol>
                 <a:gridCol w="834080">
                   <a:extLst>
                     <a:ext uri="{9D8B030D-6E8A-4147-A177-3AD203B41FA5}">
-                      <a16:colId xmlns:a16="http://schemas.microsoft.com/office/drawing/2014/main" xmlns="" val="3594532491"/>
+                      <a16:colId xmlns="" xmlns:a16="http://schemas.microsoft.com/office/drawing/2014/main" val="3594532491"/>
                     </a:ext>
                   </a:extLst>
                 </a:gridCol>
@@ -6421,7 +7165,7 @@
                 </a:tc>
                 <a:extLst>
                   <a:ext uri="{0D108BD9-81ED-4DB2-BD59-A6C34878D82A}">
-                    <a16:rowId xmlns:a16="http://schemas.microsoft.com/office/drawing/2014/main" xmlns="" val="1648878484"/>
+                    <a16:rowId xmlns="" xmlns:a16="http://schemas.microsoft.com/office/drawing/2014/main" val="1648878484"/>
                   </a:ext>
                 </a:extLst>
               </a:tr>
@@ -6598,7 +7342,7 @@
                 </a:tc>
                 <a:extLst>
                   <a:ext uri="{0D108BD9-81ED-4DB2-BD59-A6C34878D82A}">
-                    <a16:rowId xmlns:a16="http://schemas.microsoft.com/office/drawing/2014/main" xmlns="" val="3110016024"/>
+                    <a16:rowId xmlns="" xmlns:a16="http://schemas.microsoft.com/office/drawing/2014/main" val="3110016024"/>
                   </a:ext>
                 </a:extLst>
               </a:tr>
@@ -6791,7 +7535,7 @@
                 </a:tc>
                 <a:extLst>
                   <a:ext uri="{0D108BD9-81ED-4DB2-BD59-A6C34878D82A}">
-                    <a16:rowId xmlns:a16="http://schemas.microsoft.com/office/drawing/2014/main" xmlns="" val="2530068117"/>
+                    <a16:rowId xmlns="" xmlns:a16="http://schemas.microsoft.com/office/drawing/2014/main" val="2530068117"/>
                   </a:ext>
                 </a:extLst>
               </a:tr>
@@ -6981,7 +7725,7 @@
                 </a:tc>
                 <a:extLst>
                   <a:ext uri="{0D108BD9-81ED-4DB2-BD59-A6C34878D82A}">
-                    <a16:rowId xmlns:a16="http://schemas.microsoft.com/office/drawing/2014/main" xmlns="" val="1712611614"/>
+                    <a16:rowId xmlns="" xmlns:a16="http://schemas.microsoft.com/office/drawing/2014/main" val="1712611614"/>
                   </a:ext>
                 </a:extLst>
               </a:tr>
@@ -7081,7 +7825,7 @@
           <p:cNvPr id="2" name="Rectangle 1">
             <a:extLst>
               <a:ext uri="{FF2B5EF4-FFF2-40B4-BE49-F238E27FC236}">
-                <a16:creationId xmlns:a16="http://schemas.microsoft.com/office/drawing/2014/main" xmlns="" id="{4F38584F-66B2-464F-9BA7-6F9A856D602F}"/>
+                <a16:creationId xmlns="" xmlns:a16="http://schemas.microsoft.com/office/drawing/2014/main" id="{4F38584F-66B2-464F-9BA7-6F9A856D602F}"/>
               </a:ext>
             </a:extLst>
           </p:cNvPr>
@@ -7141,7 +7885,7 @@
           <p:cNvPr id="15" name="Rectangle 14">
             <a:extLst>
               <a:ext uri="{FF2B5EF4-FFF2-40B4-BE49-F238E27FC236}">
-                <a16:creationId xmlns:a16="http://schemas.microsoft.com/office/drawing/2014/main" xmlns="" id="{88C45C25-BF1B-4018-8A33-8F627F02D4A4}"/>
+                <a16:creationId xmlns="" xmlns:a16="http://schemas.microsoft.com/office/drawing/2014/main" id="{88C45C25-BF1B-4018-8A33-8F627F02D4A4}"/>
               </a:ext>
             </a:extLst>
           </p:cNvPr>
@@ -7178,23 +7922,7 @@
                   </a:outerShdw>
                 </a:effectLst>
               </a:rPr>
-              <a:t>A</a:t>
-            </a:r>
-            <a:r>
-              <a:rPr lang="pt-BR" sz="2400" b="1" dirty="0">
-                <a:ln w="0"/>
-                <a:solidFill>
-                  <a:srgbClr val="FFFF00"/>
-                </a:solidFill>
-                <a:effectLst>
-                  <a:outerShdw blurRad="38100" dist="19050" dir="2700000" algn="tl" rotWithShape="0">
-                    <a:schemeClr val="dk1">
-                      <a:alpha val="40000"/>
-                    </a:schemeClr>
-                  </a:outerShdw>
-                </a:effectLst>
-              </a:rPr>
-              <a:t>)</a:t>
+              <a:t>A)</a:t>
             </a:r>
             <a:endParaRPr lang="en-US" sz="2400" dirty="0">
               <a:ln w="0"/>
@@ -7217,7 +7945,7 @@
           <p:cNvPr id="9" name="Rectangle 14">
             <a:extLst>
               <a:ext uri="{FF2B5EF4-FFF2-40B4-BE49-F238E27FC236}">
-                <a16:creationId xmlns:a16="http://schemas.microsoft.com/office/drawing/2014/main" xmlns="" id="{88C45C25-BF1B-4018-8A33-8F627F02D4A4}"/>
+                <a16:creationId xmlns="" xmlns:a16="http://schemas.microsoft.com/office/drawing/2014/main" id="{88C45C25-BF1B-4018-8A33-8F627F02D4A4}"/>
               </a:ext>
             </a:extLst>
           </p:cNvPr>
@@ -7309,7 +8037,7 @@
           <p:cNvPr id="10" name="Rectangle 14">
             <a:extLst>
               <a:ext uri="{FF2B5EF4-FFF2-40B4-BE49-F238E27FC236}">
-                <a16:creationId xmlns:a16="http://schemas.microsoft.com/office/drawing/2014/main" xmlns="" id="{88C45C25-BF1B-4018-8A33-8F627F02D4A4}"/>
+                <a16:creationId xmlns="" xmlns:a16="http://schemas.microsoft.com/office/drawing/2014/main" id="{88C45C25-BF1B-4018-8A33-8F627F02D4A4}"/>
               </a:ext>
             </a:extLst>
           </p:cNvPr>
@@ -7369,7 +8097,7 @@
           <p:cNvPr id="11" name="Rectangle 14">
             <a:extLst>
               <a:ext uri="{FF2B5EF4-FFF2-40B4-BE49-F238E27FC236}">
-                <a16:creationId xmlns:a16="http://schemas.microsoft.com/office/drawing/2014/main" xmlns="" id="{88C45C25-BF1B-4018-8A33-8F627F02D4A4}"/>
+                <a16:creationId xmlns="" xmlns:a16="http://schemas.microsoft.com/office/drawing/2014/main" id="{88C45C25-BF1B-4018-8A33-8F627F02D4A4}"/>
               </a:ext>
             </a:extLst>
           </p:cNvPr>
@@ -7429,7 +8157,7 @@
           <p:cNvPr id="8" name="Table 12">
             <a:extLst>
               <a:ext uri="{FF2B5EF4-FFF2-40B4-BE49-F238E27FC236}">
-                <a16:creationId xmlns:a16="http://schemas.microsoft.com/office/drawing/2014/main" xmlns="" id="{9B0F7DF4-72A9-4AA6-A24C-EB98E6574144}"/>
+                <a16:creationId xmlns="" xmlns:a16="http://schemas.microsoft.com/office/drawing/2014/main" id="{9B0F7DF4-72A9-4AA6-A24C-EB98E6574144}"/>
               </a:ext>
             </a:extLst>
           </p:cNvPr>
@@ -7458,28 +8186,28 @@
                 <a:gridCol w="834080">
                   <a:extLst>
                     <a:ext uri="{9D8B030D-6E8A-4147-A177-3AD203B41FA5}">
-                      <a16:colId xmlns:a16="http://schemas.microsoft.com/office/drawing/2014/main" xmlns="" val="2514592082"/>
+                      <a16:colId xmlns="" xmlns:a16="http://schemas.microsoft.com/office/drawing/2014/main" val="2514592082"/>
                     </a:ext>
                   </a:extLst>
                 </a:gridCol>
                 <a:gridCol w="834080">
                   <a:extLst>
                     <a:ext uri="{9D8B030D-6E8A-4147-A177-3AD203B41FA5}">
-                      <a16:colId xmlns:a16="http://schemas.microsoft.com/office/drawing/2014/main" xmlns="" val="1972351707"/>
+                      <a16:colId xmlns="" xmlns:a16="http://schemas.microsoft.com/office/drawing/2014/main" val="1972351707"/>
                     </a:ext>
                   </a:extLst>
                 </a:gridCol>
                 <a:gridCol w="834080">
                   <a:extLst>
                     <a:ext uri="{9D8B030D-6E8A-4147-A177-3AD203B41FA5}">
-                      <a16:colId xmlns:a16="http://schemas.microsoft.com/office/drawing/2014/main" xmlns="" val="130078612"/>
+                      <a16:colId xmlns="" xmlns:a16="http://schemas.microsoft.com/office/drawing/2014/main" val="130078612"/>
                     </a:ext>
                   </a:extLst>
                 </a:gridCol>
                 <a:gridCol w="834080">
                   <a:extLst>
                     <a:ext uri="{9D8B030D-6E8A-4147-A177-3AD203B41FA5}">
-                      <a16:colId xmlns:a16="http://schemas.microsoft.com/office/drawing/2014/main" xmlns="" val="3594532491"/>
+                      <a16:colId xmlns="" xmlns:a16="http://schemas.microsoft.com/office/drawing/2014/main" val="3594532491"/>
                     </a:ext>
                   </a:extLst>
                 </a:gridCol>
@@ -7649,7 +8377,7 @@
                 </a:tc>
                 <a:extLst>
                   <a:ext uri="{0D108BD9-81ED-4DB2-BD59-A6C34878D82A}">
-                    <a16:rowId xmlns:a16="http://schemas.microsoft.com/office/drawing/2014/main" xmlns="" val="1648878484"/>
+                    <a16:rowId xmlns="" xmlns:a16="http://schemas.microsoft.com/office/drawing/2014/main" val="1648878484"/>
                   </a:ext>
                 </a:extLst>
               </a:tr>
@@ -7826,7 +8554,7 @@
                 </a:tc>
                 <a:extLst>
                   <a:ext uri="{0D108BD9-81ED-4DB2-BD59-A6C34878D82A}">
-                    <a16:rowId xmlns:a16="http://schemas.microsoft.com/office/drawing/2014/main" xmlns="" val="3110016024"/>
+                    <a16:rowId xmlns="" xmlns:a16="http://schemas.microsoft.com/office/drawing/2014/main" val="3110016024"/>
                   </a:ext>
                 </a:extLst>
               </a:tr>
@@ -8019,7 +8747,7 @@
                 </a:tc>
                 <a:extLst>
                   <a:ext uri="{0D108BD9-81ED-4DB2-BD59-A6C34878D82A}">
-                    <a16:rowId xmlns:a16="http://schemas.microsoft.com/office/drawing/2014/main" xmlns="" val="2530068117"/>
+                    <a16:rowId xmlns="" xmlns:a16="http://schemas.microsoft.com/office/drawing/2014/main" val="2530068117"/>
                   </a:ext>
                 </a:extLst>
               </a:tr>
@@ -8238,7 +8966,7 @@
                 </a:tc>
                 <a:extLst>
                   <a:ext uri="{0D108BD9-81ED-4DB2-BD59-A6C34878D82A}">
-                    <a16:rowId xmlns:a16="http://schemas.microsoft.com/office/drawing/2014/main" xmlns="" val="1712611614"/>
+                    <a16:rowId xmlns="" xmlns:a16="http://schemas.microsoft.com/office/drawing/2014/main" val="1712611614"/>
                   </a:ext>
                 </a:extLst>
               </a:tr>
@@ -8338,7 +9066,7 @@
           <p:cNvPr id="2" name="Rectangle 1">
             <a:extLst>
               <a:ext uri="{FF2B5EF4-FFF2-40B4-BE49-F238E27FC236}">
-                <a16:creationId xmlns:a16="http://schemas.microsoft.com/office/drawing/2014/main" xmlns="" id="{4F38584F-66B2-464F-9BA7-6F9A856D602F}"/>
+                <a16:creationId xmlns="" xmlns:a16="http://schemas.microsoft.com/office/drawing/2014/main" id="{4F38584F-66B2-464F-9BA7-6F9A856D602F}"/>
               </a:ext>
             </a:extLst>
           </p:cNvPr>
@@ -8398,7 +9126,7 @@
           <p:cNvPr id="15" name="Rectangle 14">
             <a:extLst>
               <a:ext uri="{FF2B5EF4-FFF2-40B4-BE49-F238E27FC236}">
-                <a16:creationId xmlns:a16="http://schemas.microsoft.com/office/drawing/2014/main" xmlns="" id="{88C45C25-BF1B-4018-8A33-8F627F02D4A4}"/>
+                <a16:creationId xmlns="" xmlns:a16="http://schemas.microsoft.com/office/drawing/2014/main" id="{88C45C25-BF1B-4018-8A33-8F627F02D4A4}"/>
               </a:ext>
             </a:extLst>
           </p:cNvPr>
@@ -8490,7 +9218,7 @@
           <p:cNvPr id="9" name="Rectangle 14">
             <a:extLst>
               <a:ext uri="{FF2B5EF4-FFF2-40B4-BE49-F238E27FC236}">
-                <a16:creationId xmlns:a16="http://schemas.microsoft.com/office/drawing/2014/main" xmlns="" id="{88C45C25-BF1B-4018-8A33-8F627F02D4A4}"/>
+                <a16:creationId xmlns="" xmlns:a16="http://schemas.microsoft.com/office/drawing/2014/main" id="{88C45C25-BF1B-4018-8A33-8F627F02D4A4}"/>
               </a:ext>
             </a:extLst>
           </p:cNvPr>
@@ -8582,7 +9310,7 @@
           <p:cNvPr id="10" name="Rectangle 14">
             <a:extLst>
               <a:ext uri="{FF2B5EF4-FFF2-40B4-BE49-F238E27FC236}">
-                <a16:creationId xmlns:a16="http://schemas.microsoft.com/office/drawing/2014/main" xmlns="" id="{88C45C25-BF1B-4018-8A33-8F627F02D4A4}"/>
+                <a16:creationId xmlns="" xmlns:a16="http://schemas.microsoft.com/office/drawing/2014/main" id="{88C45C25-BF1B-4018-8A33-8F627F02D4A4}"/>
               </a:ext>
             </a:extLst>
           </p:cNvPr>
@@ -8674,7 +9402,7 @@
           <p:cNvPr id="11" name="Rectangle 14">
             <a:extLst>
               <a:ext uri="{FF2B5EF4-FFF2-40B4-BE49-F238E27FC236}">
-                <a16:creationId xmlns:a16="http://schemas.microsoft.com/office/drawing/2014/main" xmlns="" id="{88C45C25-BF1B-4018-8A33-8F627F02D4A4}"/>
+                <a16:creationId xmlns="" xmlns:a16="http://schemas.microsoft.com/office/drawing/2014/main" id="{88C45C25-BF1B-4018-8A33-8F627F02D4A4}"/>
               </a:ext>
             </a:extLst>
           </p:cNvPr>
@@ -8766,7 +9494,7 @@
           <p:cNvPr id="8" name="Table 12">
             <a:extLst>
               <a:ext uri="{FF2B5EF4-FFF2-40B4-BE49-F238E27FC236}">
-                <a16:creationId xmlns:a16="http://schemas.microsoft.com/office/drawing/2014/main" xmlns="" id="{9B0F7DF4-72A9-4AA6-A24C-EB98E6574144}"/>
+                <a16:creationId xmlns="" xmlns:a16="http://schemas.microsoft.com/office/drawing/2014/main" id="{9B0F7DF4-72A9-4AA6-A24C-EB98E6574144}"/>
               </a:ext>
             </a:extLst>
           </p:cNvPr>
@@ -8795,28 +9523,28 @@
                 <a:gridCol w="834080">
                   <a:extLst>
                     <a:ext uri="{9D8B030D-6E8A-4147-A177-3AD203B41FA5}">
-                      <a16:colId xmlns:a16="http://schemas.microsoft.com/office/drawing/2014/main" xmlns="" val="2514592082"/>
+                      <a16:colId xmlns="" xmlns:a16="http://schemas.microsoft.com/office/drawing/2014/main" val="2514592082"/>
                     </a:ext>
                   </a:extLst>
                 </a:gridCol>
                 <a:gridCol w="834080">
                   <a:extLst>
                     <a:ext uri="{9D8B030D-6E8A-4147-A177-3AD203B41FA5}">
-                      <a16:colId xmlns:a16="http://schemas.microsoft.com/office/drawing/2014/main" xmlns="" val="1972351707"/>
+                      <a16:colId xmlns="" xmlns:a16="http://schemas.microsoft.com/office/drawing/2014/main" val="1972351707"/>
                     </a:ext>
                   </a:extLst>
                 </a:gridCol>
                 <a:gridCol w="834080">
                   <a:extLst>
                     <a:ext uri="{9D8B030D-6E8A-4147-A177-3AD203B41FA5}">
-                      <a16:colId xmlns:a16="http://schemas.microsoft.com/office/drawing/2014/main" xmlns="" val="130078612"/>
+                      <a16:colId xmlns="" xmlns:a16="http://schemas.microsoft.com/office/drawing/2014/main" val="130078612"/>
                     </a:ext>
                   </a:extLst>
                 </a:gridCol>
                 <a:gridCol w="834080">
                   <a:extLst>
                     <a:ext uri="{9D8B030D-6E8A-4147-A177-3AD203B41FA5}">
-                      <a16:colId xmlns:a16="http://schemas.microsoft.com/office/drawing/2014/main" xmlns="" val="3594532491"/>
+                      <a16:colId xmlns="" xmlns:a16="http://schemas.microsoft.com/office/drawing/2014/main" val="3594532491"/>
                     </a:ext>
                   </a:extLst>
                 </a:gridCol>
@@ -8986,7 +9714,7 @@
                 </a:tc>
                 <a:extLst>
                   <a:ext uri="{0D108BD9-81ED-4DB2-BD59-A6C34878D82A}">
-                    <a16:rowId xmlns:a16="http://schemas.microsoft.com/office/drawing/2014/main" xmlns="" val="1648878484"/>
+                    <a16:rowId xmlns="" xmlns:a16="http://schemas.microsoft.com/office/drawing/2014/main" val="1648878484"/>
                   </a:ext>
                 </a:extLst>
               </a:tr>
@@ -9173,7 +9901,7 @@
                 </a:tc>
                 <a:extLst>
                   <a:ext uri="{0D108BD9-81ED-4DB2-BD59-A6C34878D82A}">
-                    <a16:rowId xmlns:a16="http://schemas.microsoft.com/office/drawing/2014/main" xmlns="" val="3110016024"/>
+                    <a16:rowId xmlns="" xmlns:a16="http://schemas.microsoft.com/office/drawing/2014/main" val="3110016024"/>
                   </a:ext>
                 </a:extLst>
               </a:tr>
@@ -9376,7 +10104,7 @@
                 </a:tc>
                 <a:extLst>
                   <a:ext uri="{0D108BD9-81ED-4DB2-BD59-A6C34878D82A}">
-                    <a16:rowId xmlns:a16="http://schemas.microsoft.com/office/drawing/2014/main" xmlns="" val="2530068117"/>
+                    <a16:rowId xmlns="" xmlns:a16="http://schemas.microsoft.com/office/drawing/2014/main" val="2530068117"/>
                   </a:ext>
                 </a:extLst>
               </a:tr>
@@ -9566,7 +10294,7 @@
                 </a:tc>
                 <a:extLst>
                   <a:ext uri="{0D108BD9-81ED-4DB2-BD59-A6C34878D82A}">
-                    <a16:rowId xmlns:a16="http://schemas.microsoft.com/office/drawing/2014/main" xmlns="" val="1712611614"/>
+                    <a16:rowId xmlns="" xmlns:a16="http://schemas.microsoft.com/office/drawing/2014/main" val="1712611614"/>
                   </a:ext>
                 </a:extLst>
               </a:tr>
@@ -9666,7 +10394,7 @@
           <p:cNvPr id="2" name="Rectangle 1">
             <a:extLst>
               <a:ext uri="{FF2B5EF4-FFF2-40B4-BE49-F238E27FC236}">
-                <a16:creationId xmlns:a16="http://schemas.microsoft.com/office/drawing/2014/main" xmlns="" id="{4F38584F-66B2-464F-9BA7-6F9A856D602F}"/>
+                <a16:creationId xmlns="" xmlns:a16="http://schemas.microsoft.com/office/drawing/2014/main" id="{4F38584F-66B2-464F-9BA7-6F9A856D602F}"/>
               </a:ext>
             </a:extLst>
           </p:cNvPr>
@@ -9726,7 +10454,7 @@
           <p:cNvPr id="15" name="Rectangle 14">
             <a:extLst>
               <a:ext uri="{FF2B5EF4-FFF2-40B4-BE49-F238E27FC236}">
-                <a16:creationId xmlns:a16="http://schemas.microsoft.com/office/drawing/2014/main" xmlns="" id="{88C45C25-BF1B-4018-8A33-8F627F02D4A4}"/>
+                <a16:creationId xmlns="" xmlns:a16="http://schemas.microsoft.com/office/drawing/2014/main" id="{88C45C25-BF1B-4018-8A33-8F627F02D4A4}"/>
               </a:ext>
             </a:extLst>
           </p:cNvPr>
@@ -9763,23 +10491,7 @@
                   </a:outerShdw>
                 </a:effectLst>
               </a:rPr>
-              <a:t>A</a:t>
-            </a:r>
-            <a:r>
-              <a:rPr lang="pt-BR" sz="2400" b="1" dirty="0">
-                <a:ln w="0"/>
-                <a:solidFill>
-                  <a:srgbClr val="FFFF00"/>
-                </a:solidFill>
-                <a:effectLst>
-                  <a:outerShdw blurRad="38100" dist="19050" dir="2700000" algn="tl" rotWithShape="0">
-                    <a:schemeClr val="dk1">
-                      <a:alpha val="40000"/>
-                    </a:schemeClr>
-                  </a:outerShdw>
-                </a:effectLst>
-              </a:rPr>
-              <a:t>)</a:t>
+              <a:t>A)</a:t>
             </a:r>
             <a:endParaRPr lang="en-US" sz="2400" dirty="0">
               <a:ln w="0"/>
@@ -9802,7 +10514,7 @@
           <p:cNvPr id="9" name="Rectangle 14">
             <a:extLst>
               <a:ext uri="{FF2B5EF4-FFF2-40B4-BE49-F238E27FC236}">
-                <a16:creationId xmlns:a16="http://schemas.microsoft.com/office/drawing/2014/main" xmlns="" id="{88C45C25-BF1B-4018-8A33-8F627F02D4A4}"/>
+                <a16:creationId xmlns="" xmlns:a16="http://schemas.microsoft.com/office/drawing/2014/main" id="{88C45C25-BF1B-4018-8A33-8F627F02D4A4}"/>
               </a:ext>
             </a:extLst>
           </p:cNvPr>
@@ -9862,7 +10574,7 @@
           <p:cNvPr id="10" name="Rectangle 14">
             <a:extLst>
               <a:ext uri="{FF2B5EF4-FFF2-40B4-BE49-F238E27FC236}">
-                <a16:creationId xmlns:a16="http://schemas.microsoft.com/office/drawing/2014/main" xmlns="" id="{88C45C25-BF1B-4018-8A33-8F627F02D4A4}"/>
+                <a16:creationId xmlns="" xmlns:a16="http://schemas.microsoft.com/office/drawing/2014/main" id="{88C45C25-BF1B-4018-8A33-8F627F02D4A4}"/>
               </a:ext>
             </a:extLst>
           </p:cNvPr>
@@ -9954,7 +10666,7 @@
           <p:cNvPr id="11" name="Rectangle 14">
             <a:extLst>
               <a:ext uri="{FF2B5EF4-FFF2-40B4-BE49-F238E27FC236}">
-                <a16:creationId xmlns:a16="http://schemas.microsoft.com/office/drawing/2014/main" xmlns="" id="{88C45C25-BF1B-4018-8A33-8F627F02D4A4}"/>
+                <a16:creationId xmlns="" xmlns:a16="http://schemas.microsoft.com/office/drawing/2014/main" id="{88C45C25-BF1B-4018-8A33-8F627F02D4A4}"/>
               </a:ext>
             </a:extLst>
           </p:cNvPr>
@@ -10014,7 +10726,7 @@
           <p:cNvPr id="8" name="Table 12">
             <a:extLst>
               <a:ext uri="{FF2B5EF4-FFF2-40B4-BE49-F238E27FC236}">
-                <a16:creationId xmlns:a16="http://schemas.microsoft.com/office/drawing/2014/main" xmlns="" id="{9B0F7DF4-72A9-4AA6-A24C-EB98E6574144}"/>
+                <a16:creationId xmlns="" xmlns:a16="http://schemas.microsoft.com/office/drawing/2014/main" id="{9B0F7DF4-72A9-4AA6-A24C-EB98E6574144}"/>
               </a:ext>
             </a:extLst>
           </p:cNvPr>
@@ -10043,28 +10755,28 @@
                 <a:gridCol w="834080">
                   <a:extLst>
                     <a:ext uri="{9D8B030D-6E8A-4147-A177-3AD203B41FA5}">
-                      <a16:colId xmlns:a16="http://schemas.microsoft.com/office/drawing/2014/main" xmlns="" val="2514592082"/>
+                      <a16:colId xmlns="" xmlns:a16="http://schemas.microsoft.com/office/drawing/2014/main" val="2514592082"/>
                     </a:ext>
                   </a:extLst>
                 </a:gridCol>
                 <a:gridCol w="834080">
                   <a:extLst>
                     <a:ext uri="{9D8B030D-6E8A-4147-A177-3AD203B41FA5}">
-                      <a16:colId xmlns:a16="http://schemas.microsoft.com/office/drawing/2014/main" xmlns="" val="1972351707"/>
+                      <a16:colId xmlns="" xmlns:a16="http://schemas.microsoft.com/office/drawing/2014/main" val="1972351707"/>
                     </a:ext>
                   </a:extLst>
                 </a:gridCol>
                 <a:gridCol w="834080">
                   <a:extLst>
                     <a:ext uri="{9D8B030D-6E8A-4147-A177-3AD203B41FA5}">
-                      <a16:colId xmlns:a16="http://schemas.microsoft.com/office/drawing/2014/main" xmlns="" val="130078612"/>
+                      <a16:colId xmlns="" xmlns:a16="http://schemas.microsoft.com/office/drawing/2014/main" val="130078612"/>
                     </a:ext>
                   </a:extLst>
                 </a:gridCol>
                 <a:gridCol w="834080">
                   <a:extLst>
                     <a:ext uri="{9D8B030D-6E8A-4147-A177-3AD203B41FA5}">
-                      <a16:colId xmlns:a16="http://schemas.microsoft.com/office/drawing/2014/main" xmlns="" val="3594532491"/>
+                      <a16:colId xmlns="" xmlns:a16="http://schemas.microsoft.com/office/drawing/2014/main" val="3594532491"/>
                     </a:ext>
                   </a:extLst>
                 </a:gridCol>
@@ -10234,7 +10946,7 @@
                 </a:tc>
                 <a:extLst>
                   <a:ext uri="{0D108BD9-81ED-4DB2-BD59-A6C34878D82A}">
-                    <a16:rowId xmlns:a16="http://schemas.microsoft.com/office/drawing/2014/main" xmlns="" val="1648878484"/>
+                    <a16:rowId xmlns="" xmlns:a16="http://schemas.microsoft.com/office/drawing/2014/main" val="1648878484"/>
                   </a:ext>
                 </a:extLst>
               </a:tr>
@@ -10421,7 +11133,7 @@
                 </a:tc>
                 <a:extLst>
                   <a:ext uri="{0D108BD9-81ED-4DB2-BD59-A6C34878D82A}">
-                    <a16:rowId xmlns:a16="http://schemas.microsoft.com/office/drawing/2014/main" xmlns="" val="3110016024"/>
+                    <a16:rowId xmlns="" xmlns:a16="http://schemas.microsoft.com/office/drawing/2014/main" val="3110016024"/>
                   </a:ext>
                 </a:extLst>
               </a:tr>
@@ -10624,7 +11336,7 @@
                 </a:tc>
                 <a:extLst>
                   <a:ext uri="{0D108BD9-81ED-4DB2-BD59-A6C34878D82A}">
-                    <a16:rowId xmlns:a16="http://schemas.microsoft.com/office/drawing/2014/main" xmlns="" val="2530068117"/>
+                    <a16:rowId xmlns="" xmlns:a16="http://schemas.microsoft.com/office/drawing/2014/main" val="2530068117"/>
                   </a:ext>
                 </a:extLst>
               </a:tr>
@@ -10835,7 +11547,7 @@
                 </a:tc>
                 <a:extLst>
                   <a:ext uri="{0D108BD9-81ED-4DB2-BD59-A6C34878D82A}">
-                    <a16:rowId xmlns:a16="http://schemas.microsoft.com/office/drawing/2014/main" xmlns="" val="1712611614"/>
+                    <a16:rowId xmlns="" xmlns:a16="http://schemas.microsoft.com/office/drawing/2014/main" val="1712611614"/>
                   </a:ext>
                 </a:extLst>
               </a:tr>
@@ -10935,7 +11647,7 @@
           <p:cNvPr id="2" name="Rectangle 1">
             <a:extLst>
               <a:ext uri="{FF2B5EF4-FFF2-40B4-BE49-F238E27FC236}">
-                <a16:creationId xmlns:a16="http://schemas.microsoft.com/office/drawing/2014/main" xmlns="" id="{4F38584F-66B2-464F-9BA7-6F9A856D602F}"/>
+                <a16:creationId xmlns="" xmlns:a16="http://schemas.microsoft.com/office/drawing/2014/main" id="{4F38584F-66B2-464F-9BA7-6F9A856D602F}"/>
               </a:ext>
             </a:extLst>
           </p:cNvPr>
@@ -10995,7 +11707,7 @@
           <p:cNvPr id="15" name="Rectangle 14">
             <a:extLst>
               <a:ext uri="{FF2B5EF4-FFF2-40B4-BE49-F238E27FC236}">
-                <a16:creationId xmlns:a16="http://schemas.microsoft.com/office/drawing/2014/main" xmlns="" id="{88C45C25-BF1B-4018-8A33-8F627F02D4A4}"/>
+                <a16:creationId xmlns="" xmlns:a16="http://schemas.microsoft.com/office/drawing/2014/main" id="{88C45C25-BF1B-4018-8A33-8F627F02D4A4}"/>
               </a:ext>
             </a:extLst>
           </p:cNvPr>
@@ -11087,7 +11799,7 @@
           <p:cNvPr id="9" name="Rectangle 14">
             <a:extLst>
               <a:ext uri="{FF2B5EF4-FFF2-40B4-BE49-F238E27FC236}">
-                <a16:creationId xmlns:a16="http://schemas.microsoft.com/office/drawing/2014/main" xmlns="" id="{88C45C25-BF1B-4018-8A33-8F627F02D4A4}"/>
+                <a16:creationId xmlns="" xmlns:a16="http://schemas.microsoft.com/office/drawing/2014/main" id="{88C45C25-BF1B-4018-8A33-8F627F02D4A4}"/>
               </a:ext>
             </a:extLst>
           </p:cNvPr>
@@ -11179,7 +11891,7 @@
           <p:cNvPr id="10" name="Rectangle 14">
             <a:extLst>
               <a:ext uri="{FF2B5EF4-FFF2-40B4-BE49-F238E27FC236}">
-                <a16:creationId xmlns:a16="http://schemas.microsoft.com/office/drawing/2014/main" xmlns="" id="{88C45C25-BF1B-4018-8A33-8F627F02D4A4}"/>
+                <a16:creationId xmlns="" xmlns:a16="http://schemas.microsoft.com/office/drawing/2014/main" id="{88C45C25-BF1B-4018-8A33-8F627F02D4A4}"/>
               </a:ext>
             </a:extLst>
           </p:cNvPr>
@@ -11271,7 +11983,7 @@
           <p:cNvPr id="11" name="Rectangle 14">
             <a:extLst>
               <a:ext uri="{FF2B5EF4-FFF2-40B4-BE49-F238E27FC236}">
-                <a16:creationId xmlns:a16="http://schemas.microsoft.com/office/drawing/2014/main" xmlns="" id="{88C45C25-BF1B-4018-8A33-8F627F02D4A4}"/>
+                <a16:creationId xmlns="" xmlns:a16="http://schemas.microsoft.com/office/drawing/2014/main" id="{88C45C25-BF1B-4018-8A33-8F627F02D4A4}"/>
               </a:ext>
             </a:extLst>
           </p:cNvPr>
@@ -11363,7 +12075,7 @@
           <p:cNvPr id="8" name="Table 12">
             <a:extLst>
               <a:ext uri="{FF2B5EF4-FFF2-40B4-BE49-F238E27FC236}">
-                <a16:creationId xmlns:a16="http://schemas.microsoft.com/office/drawing/2014/main" xmlns="" id="{9B0F7DF4-72A9-4AA6-A24C-EB98E6574144}"/>
+                <a16:creationId xmlns="" xmlns:a16="http://schemas.microsoft.com/office/drawing/2014/main" id="{9B0F7DF4-72A9-4AA6-A24C-EB98E6574144}"/>
               </a:ext>
             </a:extLst>
           </p:cNvPr>
@@ -11392,28 +12104,28 @@
                 <a:gridCol w="834080">
                   <a:extLst>
                     <a:ext uri="{9D8B030D-6E8A-4147-A177-3AD203B41FA5}">
-                      <a16:colId xmlns:a16="http://schemas.microsoft.com/office/drawing/2014/main" xmlns="" val="2514592082"/>
+                      <a16:colId xmlns="" xmlns:a16="http://schemas.microsoft.com/office/drawing/2014/main" val="2514592082"/>
                     </a:ext>
                   </a:extLst>
                 </a:gridCol>
                 <a:gridCol w="834080">
                   <a:extLst>
                     <a:ext uri="{9D8B030D-6E8A-4147-A177-3AD203B41FA5}">
-                      <a16:colId xmlns:a16="http://schemas.microsoft.com/office/drawing/2014/main" xmlns="" val="1972351707"/>
+                      <a16:colId xmlns="" xmlns:a16="http://schemas.microsoft.com/office/drawing/2014/main" val="1972351707"/>
                     </a:ext>
                   </a:extLst>
                 </a:gridCol>
                 <a:gridCol w="834080">
                   <a:extLst>
                     <a:ext uri="{9D8B030D-6E8A-4147-A177-3AD203B41FA5}">
-                      <a16:colId xmlns:a16="http://schemas.microsoft.com/office/drawing/2014/main" xmlns="" val="130078612"/>
+                      <a16:colId xmlns="" xmlns:a16="http://schemas.microsoft.com/office/drawing/2014/main" val="130078612"/>
                     </a:ext>
                   </a:extLst>
                 </a:gridCol>
                 <a:gridCol w="834080">
                   <a:extLst>
                     <a:ext uri="{9D8B030D-6E8A-4147-A177-3AD203B41FA5}">
-                      <a16:colId xmlns:a16="http://schemas.microsoft.com/office/drawing/2014/main" xmlns="" val="3594532491"/>
+                      <a16:colId xmlns="" xmlns:a16="http://schemas.microsoft.com/office/drawing/2014/main" val="3594532491"/>
                     </a:ext>
                   </a:extLst>
                 </a:gridCol>
@@ -11583,7 +12295,7 @@
                 </a:tc>
                 <a:extLst>
                   <a:ext uri="{0D108BD9-81ED-4DB2-BD59-A6C34878D82A}">
-                    <a16:rowId xmlns:a16="http://schemas.microsoft.com/office/drawing/2014/main" xmlns="" val="1648878484"/>
+                    <a16:rowId xmlns="" xmlns:a16="http://schemas.microsoft.com/office/drawing/2014/main" val="1648878484"/>
                   </a:ext>
                 </a:extLst>
               </a:tr>
@@ -11770,7 +12482,7 @@
                 </a:tc>
                 <a:extLst>
                   <a:ext uri="{0D108BD9-81ED-4DB2-BD59-A6C34878D82A}">
-                    <a16:rowId xmlns:a16="http://schemas.microsoft.com/office/drawing/2014/main" xmlns="" val="3110016024"/>
+                    <a16:rowId xmlns="" xmlns:a16="http://schemas.microsoft.com/office/drawing/2014/main" val="3110016024"/>
                   </a:ext>
                 </a:extLst>
               </a:tr>
@@ -11973,7 +12685,7 @@
                 </a:tc>
                 <a:extLst>
                   <a:ext uri="{0D108BD9-81ED-4DB2-BD59-A6C34878D82A}">
-                    <a16:rowId xmlns:a16="http://schemas.microsoft.com/office/drawing/2014/main" xmlns="" val="2530068117"/>
+                    <a16:rowId xmlns="" xmlns:a16="http://schemas.microsoft.com/office/drawing/2014/main" val="2530068117"/>
                   </a:ext>
                 </a:extLst>
               </a:tr>
@@ -12163,7 +12875,7 @@
                 </a:tc>
                 <a:extLst>
                   <a:ext uri="{0D108BD9-81ED-4DB2-BD59-A6C34878D82A}">
-                    <a16:rowId xmlns:a16="http://schemas.microsoft.com/office/drawing/2014/main" xmlns="" val="1712611614"/>
+                    <a16:rowId xmlns="" xmlns:a16="http://schemas.microsoft.com/office/drawing/2014/main" val="1712611614"/>
                   </a:ext>
                 </a:extLst>
               </a:tr>
@@ -12263,7 +12975,7 @@
           <p:cNvPr id="2" name="Rectangle 1">
             <a:extLst>
               <a:ext uri="{FF2B5EF4-FFF2-40B4-BE49-F238E27FC236}">
-                <a16:creationId xmlns:a16="http://schemas.microsoft.com/office/drawing/2014/main" xmlns="" id="{4F38584F-66B2-464F-9BA7-6F9A856D602F}"/>
+                <a16:creationId xmlns="" xmlns:a16="http://schemas.microsoft.com/office/drawing/2014/main" id="{4F38584F-66B2-464F-9BA7-6F9A856D602F}"/>
               </a:ext>
             </a:extLst>
           </p:cNvPr>
@@ -12323,7 +13035,7 @@
           <p:cNvPr id="15" name="Rectangle 14">
             <a:extLst>
               <a:ext uri="{FF2B5EF4-FFF2-40B4-BE49-F238E27FC236}">
-                <a16:creationId xmlns:a16="http://schemas.microsoft.com/office/drawing/2014/main" xmlns="" id="{88C45C25-BF1B-4018-8A33-8F627F02D4A4}"/>
+                <a16:creationId xmlns="" xmlns:a16="http://schemas.microsoft.com/office/drawing/2014/main" id="{88C45C25-BF1B-4018-8A33-8F627F02D4A4}"/>
               </a:ext>
             </a:extLst>
           </p:cNvPr>
@@ -12360,23 +13072,7 @@
                   </a:outerShdw>
                 </a:effectLst>
               </a:rPr>
-              <a:t>A</a:t>
-            </a:r>
-            <a:r>
-              <a:rPr lang="pt-BR" sz="2400" b="1" dirty="0">
-                <a:ln w="0"/>
-                <a:solidFill>
-                  <a:srgbClr val="FFFF00"/>
-                </a:solidFill>
-                <a:effectLst>
-                  <a:outerShdw blurRad="38100" dist="19050" dir="2700000" algn="tl" rotWithShape="0">
-                    <a:schemeClr val="dk1">
-                      <a:alpha val="40000"/>
-                    </a:schemeClr>
-                  </a:outerShdw>
-                </a:effectLst>
-              </a:rPr>
-              <a:t>)</a:t>
+              <a:t>A)</a:t>
             </a:r>
             <a:endParaRPr lang="en-US" sz="2400" dirty="0">
               <a:ln w="0"/>
@@ -12399,7 +13095,7 @@
           <p:cNvPr id="9" name="Rectangle 14">
             <a:extLst>
               <a:ext uri="{FF2B5EF4-FFF2-40B4-BE49-F238E27FC236}">
-                <a16:creationId xmlns:a16="http://schemas.microsoft.com/office/drawing/2014/main" xmlns="" id="{88C45C25-BF1B-4018-8A33-8F627F02D4A4}"/>
+                <a16:creationId xmlns="" xmlns:a16="http://schemas.microsoft.com/office/drawing/2014/main" id="{88C45C25-BF1B-4018-8A33-8F627F02D4A4}"/>
               </a:ext>
             </a:extLst>
           </p:cNvPr>
@@ -12459,7 +13155,7 @@
           <p:cNvPr id="10" name="Rectangle 14">
             <a:extLst>
               <a:ext uri="{FF2B5EF4-FFF2-40B4-BE49-F238E27FC236}">
-                <a16:creationId xmlns:a16="http://schemas.microsoft.com/office/drawing/2014/main" xmlns="" id="{88C45C25-BF1B-4018-8A33-8F627F02D4A4}"/>
+                <a16:creationId xmlns="" xmlns:a16="http://schemas.microsoft.com/office/drawing/2014/main" id="{88C45C25-BF1B-4018-8A33-8F627F02D4A4}"/>
               </a:ext>
             </a:extLst>
           </p:cNvPr>
@@ -12519,7 +13215,7 @@
           <p:cNvPr id="11" name="Rectangle 14">
             <a:extLst>
               <a:ext uri="{FF2B5EF4-FFF2-40B4-BE49-F238E27FC236}">
-                <a16:creationId xmlns:a16="http://schemas.microsoft.com/office/drawing/2014/main" xmlns="" id="{88C45C25-BF1B-4018-8A33-8F627F02D4A4}"/>
+                <a16:creationId xmlns="" xmlns:a16="http://schemas.microsoft.com/office/drawing/2014/main" id="{88C45C25-BF1B-4018-8A33-8F627F02D4A4}"/>
               </a:ext>
             </a:extLst>
           </p:cNvPr>
@@ -12611,7 +13307,7 @@
           <p:cNvPr id="8" name="Table 12">
             <a:extLst>
               <a:ext uri="{FF2B5EF4-FFF2-40B4-BE49-F238E27FC236}">
-                <a16:creationId xmlns:a16="http://schemas.microsoft.com/office/drawing/2014/main" xmlns="" id="{9B0F7DF4-72A9-4AA6-A24C-EB98E6574144}"/>
+                <a16:creationId xmlns="" xmlns:a16="http://schemas.microsoft.com/office/drawing/2014/main" id="{9B0F7DF4-72A9-4AA6-A24C-EB98E6574144}"/>
               </a:ext>
             </a:extLst>
           </p:cNvPr>
@@ -12640,28 +13336,28 @@
                 <a:gridCol w="834080">
                   <a:extLst>
                     <a:ext uri="{9D8B030D-6E8A-4147-A177-3AD203B41FA5}">
-                      <a16:colId xmlns:a16="http://schemas.microsoft.com/office/drawing/2014/main" xmlns="" val="2514592082"/>
+                      <a16:colId xmlns="" xmlns:a16="http://schemas.microsoft.com/office/drawing/2014/main" val="2514592082"/>
                     </a:ext>
                   </a:extLst>
                 </a:gridCol>
                 <a:gridCol w="834080">
                   <a:extLst>
                     <a:ext uri="{9D8B030D-6E8A-4147-A177-3AD203B41FA5}">
-                      <a16:colId xmlns:a16="http://schemas.microsoft.com/office/drawing/2014/main" xmlns="" val="1972351707"/>
+                      <a16:colId xmlns="" xmlns:a16="http://schemas.microsoft.com/office/drawing/2014/main" val="1972351707"/>
                     </a:ext>
                   </a:extLst>
                 </a:gridCol>
                 <a:gridCol w="834080">
                   <a:extLst>
                     <a:ext uri="{9D8B030D-6E8A-4147-A177-3AD203B41FA5}">
-                      <a16:colId xmlns:a16="http://schemas.microsoft.com/office/drawing/2014/main" xmlns="" val="130078612"/>
+                      <a16:colId xmlns="" xmlns:a16="http://schemas.microsoft.com/office/drawing/2014/main" val="130078612"/>
                     </a:ext>
                   </a:extLst>
                 </a:gridCol>
                 <a:gridCol w="834080">
                   <a:extLst>
                     <a:ext uri="{9D8B030D-6E8A-4147-A177-3AD203B41FA5}">
-                      <a16:colId xmlns:a16="http://schemas.microsoft.com/office/drawing/2014/main" xmlns="" val="3594532491"/>
+                      <a16:colId xmlns="" xmlns:a16="http://schemas.microsoft.com/office/drawing/2014/main" val="3594532491"/>
                     </a:ext>
                   </a:extLst>
                 </a:gridCol>
@@ -12831,7 +13527,7 @@
                 </a:tc>
                 <a:extLst>
                   <a:ext uri="{0D108BD9-81ED-4DB2-BD59-A6C34878D82A}">
-                    <a16:rowId xmlns:a16="http://schemas.microsoft.com/office/drawing/2014/main" xmlns="" val="1648878484"/>
+                    <a16:rowId xmlns="" xmlns:a16="http://schemas.microsoft.com/office/drawing/2014/main" val="1648878484"/>
                   </a:ext>
                 </a:extLst>
               </a:tr>
@@ -13018,7 +13714,7 @@
                 </a:tc>
                 <a:extLst>
                   <a:ext uri="{0D108BD9-81ED-4DB2-BD59-A6C34878D82A}">
-                    <a16:rowId xmlns:a16="http://schemas.microsoft.com/office/drawing/2014/main" xmlns="" val="3110016024"/>
+                    <a16:rowId xmlns="" xmlns:a16="http://schemas.microsoft.com/office/drawing/2014/main" val="3110016024"/>
                   </a:ext>
                 </a:extLst>
               </a:tr>
@@ -13221,7 +13917,7 @@
                 </a:tc>
                 <a:extLst>
                   <a:ext uri="{0D108BD9-81ED-4DB2-BD59-A6C34878D82A}">
-                    <a16:rowId xmlns:a16="http://schemas.microsoft.com/office/drawing/2014/main" xmlns="" val="2530068117"/>
+                    <a16:rowId xmlns="" xmlns:a16="http://schemas.microsoft.com/office/drawing/2014/main" val="2530068117"/>
                   </a:ext>
                 </a:extLst>
               </a:tr>
@@ -13432,7 +14128,7 @@
                 </a:tc>
                 <a:extLst>
                   <a:ext uri="{0D108BD9-81ED-4DB2-BD59-A6C34878D82A}">
-                    <a16:rowId xmlns:a16="http://schemas.microsoft.com/office/drawing/2014/main" xmlns="" val="1712611614"/>
+                    <a16:rowId xmlns="" xmlns:a16="http://schemas.microsoft.com/office/drawing/2014/main" val="1712611614"/>
                   </a:ext>
                 </a:extLst>
               </a:tr>
@@ -13532,7 +14228,7 @@
           <p:cNvPr id="2" name="Rectangle 1">
             <a:extLst>
               <a:ext uri="{FF2B5EF4-FFF2-40B4-BE49-F238E27FC236}">
-                <a16:creationId xmlns:a16="http://schemas.microsoft.com/office/drawing/2014/main" xmlns="" id="{4F38584F-66B2-464F-9BA7-6F9A856D602F}"/>
+                <a16:creationId xmlns="" xmlns:a16="http://schemas.microsoft.com/office/drawing/2014/main" id="{4F38584F-66B2-464F-9BA7-6F9A856D602F}"/>
               </a:ext>
             </a:extLst>
           </p:cNvPr>
@@ -13592,7 +14288,7 @@
           <p:cNvPr id="15" name="Rectangle 14">
             <a:extLst>
               <a:ext uri="{FF2B5EF4-FFF2-40B4-BE49-F238E27FC236}">
-                <a16:creationId xmlns:a16="http://schemas.microsoft.com/office/drawing/2014/main" xmlns="" id="{88C45C25-BF1B-4018-8A33-8F627F02D4A4}"/>
+                <a16:creationId xmlns="" xmlns:a16="http://schemas.microsoft.com/office/drawing/2014/main" id="{88C45C25-BF1B-4018-8A33-8F627F02D4A4}"/>
               </a:ext>
             </a:extLst>
           </p:cNvPr>
@@ -13684,7 +14380,7 @@
           <p:cNvPr id="9" name="Rectangle 14">
             <a:extLst>
               <a:ext uri="{FF2B5EF4-FFF2-40B4-BE49-F238E27FC236}">
-                <a16:creationId xmlns:a16="http://schemas.microsoft.com/office/drawing/2014/main" xmlns="" id="{88C45C25-BF1B-4018-8A33-8F627F02D4A4}"/>
+                <a16:creationId xmlns="" xmlns:a16="http://schemas.microsoft.com/office/drawing/2014/main" id="{88C45C25-BF1B-4018-8A33-8F627F02D4A4}"/>
               </a:ext>
             </a:extLst>
           </p:cNvPr>
@@ -13776,7 +14472,7 @@
           <p:cNvPr id="10" name="Rectangle 14">
             <a:extLst>
               <a:ext uri="{FF2B5EF4-FFF2-40B4-BE49-F238E27FC236}">
-                <a16:creationId xmlns:a16="http://schemas.microsoft.com/office/drawing/2014/main" xmlns="" id="{88C45C25-BF1B-4018-8A33-8F627F02D4A4}"/>
+                <a16:creationId xmlns="" xmlns:a16="http://schemas.microsoft.com/office/drawing/2014/main" id="{88C45C25-BF1B-4018-8A33-8F627F02D4A4}"/>
               </a:ext>
             </a:extLst>
           </p:cNvPr>
@@ -13868,7 +14564,7 @@
           <p:cNvPr id="11" name="Rectangle 14">
             <a:extLst>
               <a:ext uri="{FF2B5EF4-FFF2-40B4-BE49-F238E27FC236}">
-                <a16:creationId xmlns:a16="http://schemas.microsoft.com/office/drawing/2014/main" xmlns="" id="{88C45C25-BF1B-4018-8A33-8F627F02D4A4}"/>
+                <a16:creationId xmlns="" xmlns:a16="http://schemas.microsoft.com/office/drawing/2014/main" id="{88C45C25-BF1B-4018-8A33-8F627F02D4A4}"/>
               </a:ext>
             </a:extLst>
           </p:cNvPr>
@@ -13960,7 +14656,7 @@
           <p:cNvPr id="8" name="Table 12">
             <a:extLst>
               <a:ext uri="{FF2B5EF4-FFF2-40B4-BE49-F238E27FC236}">
-                <a16:creationId xmlns:a16="http://schemas.microsoft.com/office/drawing/2014/main" xmlns="" id="{9B0F7DF4-72A9-4AA6-A24C-EB98E6574144}"/>
+                <a16:creationId xmlns="" xmlns:a16="http://schemas.microsoft.com/office/drawing/2014/main" id="{9B0F7DF4-72A9-4AA6-A24C-EB98E6574144}"/>
               </a:ext>
             </a:extLst>
           </p:cNvPr>
@@ -13989,28 +14685,28 @@
                 <a:gridCol w="834080">
                   <a:extLst>
                     <a:ext uri="{9D8B030D-6E8A-4147-A177-3AD203B41FA5}">
-                      <a16:colId xmlns:a16="http://schemas.microsoft.com/office/drawing/2014/main" xmlns="" val="2514592082"/>
+                      <a16:colId xmlns="" xmlns:a16="http://schemas.microsoft.com/office/drawing/2014/main" val="2514592082"/>
                     </a:ext>
                   </a:extLst>
                 </a:gridCol>
                 <a:gridCol w="834080">
                   <a:extLst>
                     <a:ext uri="{9D8B030D-6E8A-4147-A177-3AD203B41FA5}">
-                      <a16:colId xmlns:a16="http://schemas.microsoft.com/office/drawing/2014/main" xmlns="" val="1972351707"/>
+                      <a16:colId xmlns="" xmlns:a16="http://schemas.microsoft.com/office/drawing/2014/main" val="1972351707"/>
                     </a:ext>
                   </a:extLst>
                 </a:gridCol>
                 <a:gridCol w="834080">
                   <a:extLst>
                     <a:ext uri="{9D8B030D-6E8A-4147-A177-3AD203B41FA5}">
-                      <a16:colId xmlns:a16="http://schemas.microsoft.com/office/drawing/2014/main" xmlns="" val="130078612"/>
+                      <a16:colId xmlns="" xmlns:a16="http://schemas.microsoft.com/office/drawing/2014/main" val="130078612"/>
                     </a:ext>
                   </a:extLst>
                 </a:gridCol>
                 <a:gridCol w="834080">
                   <a:extLst>
                     <a:ext uri="{9D8B030D-6E8A-4147-A177-3AD203B41FA5}">
-                      <a16:colId xmlns:a16="http://schemas.microsoft.com/office/drawing/2014/main" xmlns="" val="3594532491"/>
+                      <a16:colId xmlns="" xmlns:a16="http://schemas.microsoft.com/office/drawing/2014/main" val="3594532491"/>
                     </a:ext>
                   </a:extLst>
                 </a:gridCol>
@@ -14180,7 +14876,7 @@
                 </a:tc>
                 <a:extLst>
                   <a:ext uri="{0D108BD9-81ED-4DB2-BD59-A6C34878D82A}">
-                    <a16:rowId xmlns:a16="http://schemas.microsoft.com/office/drawing/2014/main" xmlns="" val="1648878484"/>
+                    <a16:rowId xmlns="" xmlns:a16="http://schemas.microsoft.com/office/drawing/2014/main" val="1648878484"/>
                   </a:ext>
                 </a:extLst>
               </a:tr>
@@ -14367,7 +15063,7 @@
                 </a:tc>
                 <a:extLst>
                   <a:ext uri="{0D108BD9-81ED-4DB2-BD59-A6C34878D82A}">
-                    <a16:rowId xmlns:a16="http://schemas.microsoft.com/office/drawing/2014/main" xmlns="" val="3110016024"/>
+                    <a16:rowId xmlns="" xmlns:a16="http://schemas.microsoft.com/office/drawing/2014/main" val="3110016024"/>
                   </a:ext>
                 </a:extLst>
               </a:tr>
@@ -14570,7 +15266,7 @@
                 </a:tc>
                 <a:extLst>
                   <a:ext uri="{0D108BD9-81ED-4DB2-BD59-A6C34878D82A}">
-                    <a16:rowId xmlns:a16="http://schemas.microsoft.com/office/drawing/2014/main" xmlns="" val="2530068117"/>
+                    <a16:rowId xmlns="" xmlns:a16="http://schemas.microsoft.com/office/drawing/2014/main" val="2530068117"/>
                   </a:ext>
                 </a:extLst>
               </a:tr>
@@ -14760,7 +15456,7 @@
                 </a:tc>
                 <a:extLst>
                   <a:ext uri="{0D108BD9-81ED-4DB2-BD59-A6C34878D82A}">
-                    <a16:rowId xmlns:a16="http://schemas.microsoft.com/office/drawing/2014/main" xmlns="" val="1712611614"/>
+                    <a16:rowId xmlns="" xmlns:a16="http://schemas.microsoft.com/office/drawing/2014/main" val="1712611614"/>
                   </a:ext>
                 </a:extLst>
               </a:tr>
@@ -14860,7 +15556,7 @@
           <p:cNvPr id="2" name="Rectangle 1">
             <a:extLst>
               <a:ext uri="{FF2B5EF4-FFF2-40B4-BE49-F238E27FC236}">
-                <a16:creationId xmlns:a16="http://schemas.microsoft.com/office/drawing/2014/main" xmlns="" id="{4F38584F-66B2-464F-9BA7-6F9A856D602F}"/>
+                <a16:creationId xmlns="" xmlns:a16="http://schemas.microsoft.com/office/drawing/2014/main" id="{4F38584F-66B2-464F-9BA7-6F9A856D602F}"/>
               </a:ext>
             </a:extLst>
           </p:cNvPr>
@@ -14920,7 +15616,7 @@
           <p:cNvPr id="15" name="Rectangle 14">
             <a:extLst>
               <a:ext uri="{FF2B5EF4-FFF2-40B4-BE49-F238E27FC236}">
-                <a16:creationId xmlns:a16="http://schemas.microsoft.com/office/drawing/2014/main" xmlns="" id="{88C45C25-BF1B-4018-8A33-8F627F02D4A4}"/>
+                <a16:creationId xmlns="" xmlns:a16="http://schemas.microsoft.com/office/drawing/2014/main" id="{88C45C25-BF1B-4018-8A33-8F627F02D4A4}"/>
               </a:ext>
             </a:extLst>
           </p:cNvPr>
@@ -15012,7 +15708,7 @@
           <p:cNvPr id="9" name="Rectangle 14">
             <a:extLst>
               <a:ext uri="{FF2B5EF4-FFF2-40B4-BE49-F238E27FC236}">
-                <a16:creationId xmlns:a16="http://schemas.microsoft.com/office/drawing/2014/main" xmlns="" id="{88C45C25-BF1B-4018-8A33-8F627F02D4A4}"/>
+                <a16:creationId xmlns="" xmlns:a16="http://schemas.microsoft.com/office/drawing/2014/main" id="{88C45C25-BF1B-4018-8A33-8F627F02D4A4}"/>
               </a:ext>
             </a:extLst>
           </p:cNvPr>
@@ -15072,7 +15768,7 @@
           <p:cNvPr id="10" name="Rectangle 14">
             <a:extLst>
               <a:ext uri="{FF2B5EF4-FFF2-40B4-BE49-F238E27FC236}">
-                <a16:creationId xmlns:a16="http://schemas.microsoft.com/office/drawing/2014/main" xmlns="" id="{88C45C25-BF1B-4018-8A33-8F627F02D4A4}"/>
+                <a16:creationId xmlns="" xmlns:a16="http://schemas.microsoft.com/office/drawing/2014/main" id="{88C45C25-BF1B-4018-8A33-8F627F02D4A4}"/>
               </a:ext>
             </a:extLst>
           </p:cNvPr>
@@ -15132,7 +15828,7 @@
           <p:cNvPr id="11" name="Rectangle 14">
             <a:extLst>
               <a:ext uri="{FF2B5EF4-FFF2-40B4-BE49-F238E27FC236}">
-                <a16:creationId xmlns:a16="http://schemas.microsoft.com/office/drawing/2014/main" xmlns="" id="{88C45C25-BF1B-4018-8A33-8F627F02D4A4}"/>
+                <a16:creationId xmlns="" xmlns:a16="http://schemas.microsoft.com/office/drawing/2014/main" id="{88C45C25-BF1B-4018-8A33-8F627F02D4A4}"/>
               </a:ext>
             </a:extLst>
           </p:cNvPr>
@@ -15192,7 +15888,7 @@
           <p:cNvPr id="8" name="Table 12">
             <a:extLst>
               <a:ext uri="{FF2B5EF4-FFF2-40B4-BE49-F238E27FC236}">
-                <a16:creationId xmlns:a16="http://schemas.microsoft.com/office/drawing/2014/main" xmlns="" id="{9B0F7DF4-72A9-4AA6-A24C-EB98E6574144}"/>
+                <a16:creationId xmlns="" xmlns:a16="http://schemas.microsoft.com/office/drawing/2014/main" id="{9B0F7DF4-72A9-4AA6-A24C-EB98E6574144}"/>
               </a:ext>
             </a:extLst>
           </p:cNvPr>
@@ -15221,28 +15917,28 @@
                 <a:gridCol w="834080">
                   <a:extLst>
                     <a:ext uri="{9D8B030D-6E8A-4147-A177-3AD203B41FA5}">
-                      <a16:colId xmlns:a16="http://schemas.microsoft.com/office/drawing/2014/main" xmlns="" val="2514592082"/>
+                      <a16:colId xmlns="" xmlns:a16="http://schemas.microsoft.com/office/drawing/2014/main" val="2514592082"/>
                     </a:ext>
                   </a:extLst>
                 </a:gridCol>
                 <a:gridCol w="834080">
                   <a:extLst>
                     <a:ext uri="{9D8B030D-6E8A-4147-A177-3AD203B41FA5}">
-                      <a16:colId xmlns:a16="http://schemas.microsoft.com/office/drawing/2014/main" xmlns="" val="1972351707"/>
+                      <a16:colId xmlns="" xmlns:a16="http://schemas.microsoft.com/office/drawing/2014/main" val="1972351707"/>
                     </a:ext>
                   </a:extLst>
                 </a:gridCol>
                 <a:gridCol w="834080">
                   <a:extLst>
                     <a:ext uri="{9D8B030D-6E8A-4147-A177-3AD203B41FA5}">
-                      <a16:colId xmlns:a16="http://schemas.microsoft.com/office/drawing/2014/main" xmlns="" val="130078612"/>
+                      <a16:colId xmlns="" xmlns:a16="http://schemas.microsoft.com/office/drawing/2014/main" val="130078612"/>
                     </a:ext>
                   </a:extLst>
                 </a:gridCol>
                 <a:gridCol w="834080">
                   <a:extLst>
                     <a:ext uri="{9D8B030D-6E8A-4147-A177-3AD203B41FA5}">
-                      <a16:colId xmlns:a16="http://schemas.microsoft.com/office/drawing/2014/main" xmlns="" val="3594532491"/>
+                      <a16:colId xmlns="" xmlns:a16="http://schemas.microsoft.com/office/drawing/2014/main" val="3594532491"/>
                     </a:ext>
                   </a:extLst>
                 </a:gridCol>
@@ -15412,7 +16108,7 @@
                 </a:tc>
                 <a:extLst>
                   <a:ext uri="{0D108BD9-81ED-4DB2-BD59-A6C34878D82A}">
-                    <a16:rowId xmlns:a16="http://schemas.microsoft.com/office/drawing/2014/main" xmlns="" val="1648878484"/>
+                    <a16:rowId xmlns="" xmlns:a16="http://schemas.microsoft.com/office/drawing/2014/main" val="1648878484"/>
                   </a:ext>
                 </a:extLst>
               </a:tr>
@@ -15599,7 +16295,7 @@
                 </a:tc>
                 <a:extLst>
                   <a:ext uri="{0D108BD9-81ED-4DB2-BD59-A6C34878D82A}">
-                    <a16:rowId xmlns:a16="http://schemas.microsoft.com/office/drawing/2014/main" xmlns="" val="3110016024"/>
+                    <a16:rowId xmlns="" xmlns:a16="http://schemas.microsoft.com/office/drawing/2014/main" val="3110016024"/>
                   </a:ext>
                 </a:extLst>
               </a:tr>
@@ -15802,7 +16498,7 @@
                 </a:tc>
                 <a:extLst>
                   <a:ext uri="{0D108BD9-81ED-4DB2-BD59-A6C34878D82A}">
-                    <a16:rowId xmlns:a16="http://schemas.microsoft.com/office/drawing/2014/main" xmlns="" val="2530068117"/>
+                    <a16:rowId xmlns="" xmlns:a16="http://schemas.microsoft.com/office/drawing/2014/main" val="2530068117"/>
                   </a:ext>
                 </a:extLst>
               </a:tr>
@@ -16013,7 +16709,7 @@
                 </a:tc>
                 <a:extLst>
                   <a:ext uri="{0D108BD9-81ED-4DB2-BD59-A6C34878D82A}">
-                    <a16:rowId xmlns:a16="http://schemas.microsoft.com/office/drawing/2014/main" xmlns="" val="1712611614"/>
+                    <a16:rowId xmlns="" xmlns:a16="http://schemas.microsoft.com/office/drawing/2014/main" val="1712611614"/>
                   </a:ext>
                 </a:extLst>
               </a:tr>
@@ -16113,7 +16809,7 @@
           <p:cNvPr id="2" name="Rectangle 1">
             <a:extLst>
               <a:ext uri="{FF2B5EF4-FFF2-40B4-BE49-F238E27FC236}">
-                <a16:creationId xmlns:a16="http://schemas.microsoft.com/office/drawing/2014/main" xmlns="" id="{4F38584F-66B2-464F-9BA7-6F9A856D602F}"/>
+                <a16:creationId xmlns="" xmlns:a16="http://schemas.microsoft.com/office/drawing/2014/main" id="{4F38584F-66B2-464F-9BA7-6F9A856D602F}"/>
               </a:ext>
             </a:extLst>
           </p:cNvPr>
@@ -16173,7 +16869,7 @@
           <p:cNvPr id="15" name="Rectangle 14">
             <a:extLst>
               <a:ext uri="{FF2B5EF4-FFF2-40B4-BE49-F238E27FC236}">
-                <a16:creationId xmlns:a16="http://schemas.microsoft.com/office/drawing/2014/main" xmlns="" id="{88C45C25-BF1B-4018-8A33-8F627F02D4A4}"/>
+                <a16:creationId xmlns="" xmlns:a16="http://schemas.microsoft.com/office/drawing/2014/main" id="{88C45C25-BF1B-4018-8A33-8F627F02D4A4}"/>
               </a:ext>
             </a:extLst>
           </p:cNvPr>
@@ -16265,7 +16961,7 @@
           <p:cNvPr id="9" name="Rectangle 14">
             <a:extLst>
               <a:ext uri="{FF2B5EF4-FFF2-40B4-BE49-F238E27FC236}">
-                <a16:creationId xmlns:a16="http://schemas.microsoft.com/office/drawing/2014/main" xmlns="" id="{88C45C25-BF1B-4018-8A33-8F627F02D4A4}"/>
+                <a16:creationId xmlns="" xmlns:a16="http://schemas.microsoft.com/office/drawing/2014/main" id="{88C45C25-BF1B-4018-8A33-8F627F02D4A4}"/>
               </a:ext>
             </a:extLst>
           </p:cNvPr>
@@ -16357,7 +17053,7 @@
           <p:cNvPr id="10" name="Rectangle 14">
             <a:extLst>
               <a:ext uri="{FF2B5EF4-FFF2-40B4-BE49-F238E27FC236}">
-                <a16:creationId xmlns:a16="http://schemas.microsoft.com/office/drawing/2014/main" xmlns="" id="{88C45C25-BF1B-4018-8A33-8F627F02D4A4}"/>
+                <a16:creationId xmlns="" xmlns:a16="http://schemas.microsoft.com/office/drawing/2014/main" id="{88C45C25-BF1B-4018-8A33-8F627F02D4A4}"/>
               </a:ext>
             </a:extLst>
           </p:cNvPr>
@@ -16449,7 +17145,7 @@
           <p:cNvPr id="11" name="Rectangle 14">
             <a:extLst>
               <a:ext uri="{FF2B5EF4-FFF2-40B4-BE49-F238E27FC236}">
-                <a16:creationId xmlns:a16="http://schemas.microsoft.com/office/drawing/2014/main" xmlns="" id="{88C45C25-BF1B-4018-8A33-8F627F02D4A4}"/>
+                <a16:creationId xmlns="" xmlns:a16="http://schemas.microsoft.com/office/drawing/2014/main" id="{88C45C25-BF1B-4018-8A33-8F627F02D4A4}"/>
               </a:ext>
             </a:extLst>
           </p:cNvPr>
@@ -16541,7 +17237,7 @@
           <p:cNvPr id="8" name="Table 12">
             <a:extLst>
               <a:ext uri="{FF2B5EF4-FFF2-40B4-BE49-F238E27FC236}">
-                <a16:creationId xmlns:a16="http://schemas.microsoft.com/office/drawing/2014/main" xmlns="" id="{9B0F7DF4-72A9-4AA6-A24C-EB98E6574144}"/>
+                <a16:creationId xmlns="" xmlns:a16="http://schemas.microsoft.com/office/drawing/2014/main" id="{9B0F7DF4-72A9-4AA6-A24C-EB98E6574144}"/>
               </a:ext>
             </a:extLst>
           </p:cNvPr>
@@ -16570,28 +17266,28 @@
                 <a:gridCol w="834080">
                   <a:extLst>
                     <a:ext uri="{9D8B030D-6E8A-4147-A177-3AD203B41FA5}">
-                      <a16:colId xmlns:a16="http://schemas.microsoft.com/office/drawing/2014/main" xmlns="" val="2514592082"/>
+                      <a16:colId xmlns="" xmlns:a16="http://schemas.microsoft.com/office/drawing/2014/main" val="2514592082"/>
                     </a:ext>
                   </a:extLst>
                 </a:gridCol>
                 <a:gridCol w="834080">
                   <a:extLst>
                     <a:ext uri="{9D8B030D-6E8A-4147-A177-3AD203B41FA5}">
-                      <a16:colId xmlns:a16="http://schemas.microsoft.com/office/drawing/2014/main" xmlns="" val="1972351707"/>
+                      <a16:colId xmlns="" xmlns:a16="http://schemas.microsoft.com/office/drawing/2014/main" val="1972351707"/>
                     </a:ext>
                   </a:extLst>
                 </a:gridCol>
                 <a:gridCol w="834080">
                   <a:extLst>
                     <a:ext uri="{9D8B030D-6E8A-4147-A177-3AD203B41FA5}">
-                      <a16:colId xmlns:a16="http://schemas.microsoft.com/office/drawing/2014/main" xmlns="" val="130078612"/>
+                      <a16:colId xmlns="" xmlns:a16="http://schemas.microsoft.com/office/drawing/2014/main" val="130078612"/>
                     </a:ext>
                   </a:extLst>
                 </a:gridCol>
                 <a:gridCol w="834080">
                   <a:extLst>
                     <a:ext uri="{9D8B030D-6E8A-4147-A177-3AD203B41FA5}">
-                      <a16:colId xmlns:a16="http://schemas.microsoft.com/office/drawing/2014/main" xmlns="" val="3594532491"/>
+                      <a16:colId xmlns="" xmlns:a16="http://schemas.microsoft.com/office/drawing/2014/main" val="3594532491"/>
                     </a:ext>
                   </a:extLst>
                 </a:gridCol>
@@ -16761,7 +17457,7 @@
                 </a:tc>
                 <a:extLst>
                   <a:ext uri="{0D108BD9-81ED-4DB2-BD59-A6C34878D82A}">
-                    <a16:rowId xmlns:a16="http://schemas.microsoft.com/office/drawing/2014/main" xmlns="" val="1648878484"/>
+                    <a16:rowId xmlns="" xmlns:a16="http://schemas.microsoft.com/office/drawing/2014/main" val="1648878484"/>
                   </a:ext>
                 </a:extLst>
               </a:tr>
@@ -16948,7 +17644,7 @@
                 </a:tc>
                 <a:extLst>
                   <a:ext uri="{0D108BD9-81ED-4DB2-BD59-A6C34878D82A}">
-                    <a16:rowId xmlns:a16="http://schemas.microsoft.com/office/drawing/2014/main" xmlns="" val="3110016024"/>
+                    <a16:rowId xmlns="" xmlns:a16="http://schemas.microsoft.com/office/drawing/2014/main" val="3110016024"/>
                   </a:ext>
                 </a:extLst>
               </a:tr>
@@ -17151,7 +17847,7 @@
                 </a:tc>
                 <a:extLst>
                   <a:ext uri="{0D108BD9-81ED-4DB2-BD59-A6C34878D82A}">
-                    <a16:rowId xmlns:a16="http://schemas.microsoft.com/office/drawing/2014/main" xmlns="" val="2530068117"/>
+                    <a16:rowId xmlns="" xmlns:a16="http://schemas.microsoft.com/office/drawing/2014/main" val="2530068117"/>
                   </a:ext>
                 </a:extLst>
               </a:tr>
@@ -17341,7 +18037,7 @@
                 </a:tc>
                 <a:extLst>
                   <a:ext uri="{0D108BD9-81ED-4DB2-BD59-A6C34878D82A}">
-                    <a16:rowId xmlns:a16="http://schemas.microsoft.com/office/drawing/2014/main" xmlns="" val="1712611614"/>
+                    <a16:rowId xmlns="" xmlns:a16="http://schemas.microsoft.com/office/drawing/2014/main" val="1712611614"/>
                   </a:ext>
                 </a:extLst>
               </a:tr>
@@ -17441,7 +18137,7 @@
           <p:cNvPr id="2" name="Rectangle 1">
             <a:extLst>
               <a:ext uri="{FF2B5EF4-FFF2-40B4-BE49-F238E27FC236}">
-                <a16:creationId xmlns:a16="http://schemas.microsoft.com/office/drawing/2014/main" xmlns="" id="{4F38584F-66B2-464F-9BA7-6F9A856D602F}"/>
+                <a16:creationId xmlns="" xmlns:a16="http://schemas.microsoft.com/office/drawing/2014/main" id="{4F38584F-66B2-464F-9BA7-6F9A856D602F}"/>
               </a:ext>
             </a:extLst>
           </p:cNvPr>
@@ -17501,7 +18197,7 @@
           <p:cNvPr id="15" name="Rectangle 14">
             <a:extLst>
               <a:ext uri="{FF2B5EF4-FFF2-40B4-BE49-F238E27FC236}">
-                <a16:creationId xmlns:a16="http://schemas.microsoft.com/office/drawing/2014/main" xmlns="" id="{88C45C25-BF1B-4018-8A33-8F627F02D4A4}"/>
+                <a16:creationId xmlns="" xmlns:a16="http://schemas.microsoft.com/office/drawing/2014/main" id="{88C45C25-BF1B-4018-8A33-8F627F02D4A4}"/>
               </a:ext>
             </a:extLst>
           </p:cNvPr>
@@ -17538,23 +18234,7 @@
                   </a:outerShdw>
                 </a:effectLst>
               </a:rPr>
-              <a:t>A</a:t>
-            </a:r>
-            <a:r>
-              <a:rPr lang="pt-BR" sz="2400" b="1" dirty="0">
-                <a:ln w="0"/>
-                <a:solidFill>
-                  <a:srgbClr val="FFFF00"/>
-                </a:solidFill>
-                <a:effectLst>
-                  <a:outerShdw blurRad="38100" dist="19050" dir="2700000" algn="tl" rotWithShape="0">
-                    <a:schemeClr val="dk1">
-                      <a:alpha val="40000"/>
-                    </a:schemeClr>
-                  </a:outerShdw>
-                </a:effectLst>
-              </a:rPr>
-              <a:t>)</a:t>
+              <a:t>A)</a:t>
             </a:r>
             <a:endParaRPr lang="en-US" sz="2400" dirty="0">
               <a:ln w="0"/>
@@ -17577,7 +18257,7 @@
           <p:cNvPr id="9" name="Rectangle 14">
             <a:extLst>
               <a:ext uri="{FF2B5EF4-FFF2-40B4-BE49-F238E27FC236}">
-                <a16:creationId xmlns:a16="http://schemas.microsoft.com/office/drawing/2014/main" xmlns="" id="{88C45C25-BF1B-4018-8A33-8F627F02D4A4}"/>
+                <a16:creationId xmlns="" xmlns:a16="http://schemas.microsoft.com/office/drawing/2014/main" id="{88C45C25-BF1B-4018-8A33-8F627F02D4A4}"/>
               </a:ext>
             </a:extLst>
           </p:cNvPr>
@@ -17669,7 +18349,7 @@
           <p:cNvPr id="10" name="Rectangle 14">
             <a:extLst>
               <a:ext uri="{FF2B5EF4-FFF2-40B4-BE49-F238E27FC236}">
-                <a16:creationId xmlns:a16="http://schemas.microsoft.com/office/drawing/2014/main" xmlns="" id="{88C45C25-BF1B-4018-8A33-8F627F02D4A4}"/>
+                <a16:creationId xmlns="" xmlns:a16="http://schemas.microsoft.com/office/drawing/2014/main" id="{88C45C25-BF1B-4018-8A33-8F627F02D4A4}"/>
               </a:ext>
             </a:extLst>
           </p:cNvPr>
@@ -17729,7 +18409,7 @@
           <p:cNvPr id="11" name="Rectangle 14">
             <a:extLst>
               <a:ext uri="{FF2B5EF4-FFF2-40B4-BE49-F238E27FC236}">
-                <a16:creationId xmlns:a16="http://schemas.microsoft.com/office/drawing/2014/main" xmlns="" id="{88C45C25-BF1B-4018-8A33-8F627F02D4A4}"/>
+                <a16:creationId xmlns="" xmlns:a16="http://schemas.microsoft.com/office/drawing/2014/main" id="{88C45C25-BF1B-4018-8A33-8F627F02D4A4}"/>
               </a:ext>
             </a:extLst>
           </p:cNvPr>
@@ -17789,7 +18469,7 @@
           <p:cNvPr id="8" name="Table 12">
             <a:extLst>
               <a:ext uri="{FF2B5EF4-FFF2-40B4-BE49-F238E27FC236}">
-                <a16:creationId xmlns:a16="http://schemas.microsoft.com/office/drawing/2014/main" xmlns="" id="{9B0F7DF4-72A9-4AA6-A24C-EB98E6574144}"/>
+                <a16:creationId xmlns="" xmlns:a16="http://schemas.microsoft.com/office/drawing/2014/main" id="{9B0F7DF4-72A9-4AA6-A24C-EB98E6574144}"/>
               </a:ext>
             </a:extLst>
           </p:cNvPr>
@@ -17818,28 +18498,28 @@
                 <a:gridCol w="834080">
                   <a:extLst>
                     <a:ext uri="{9D8B030D-6E8A-4147-A177-3AD203B41FA5}">
-                      <a16:colId xmlns:a16="http://schemas.microsoft.com/office/drawing/2014/main" xmlns="" val="2514592082"/>
+                      <a16:colId xmlns="" xmlns:a16="http://schemas.microsoft.com/office/drawing/2014/main" val="2514592082"/>
                     </a:ext>
                   </a:extLst>
                 </a:gridCol>
                 <a:gridCol w="834080">
                   <a:extLst>
                     <a:ext uri="{9D8B030D-6E8A-4147-A177-3AD203B41FA5}">
-                      <a16:colId xmlns:a16="http://schemas.microsoft.com/office/drawing/2014/main" xmlns="" val="1972351707"/>
+                      <a16:colId xmlns="" xmlns:a16="http://schemas.microsoft.com/office/drawing/2014/main" val="1972351707"/>
                     </a:ext>
                   </a:extLst>
                 </a:gridCol>
                 <a:gridCol w="834080">
                   <a:extLst>
                     <a:ext uri="{9D8B030D-6E8A-4147-A177-3AD203B41FA5}">
-                      <a16:colId xmlns:a16="http://schemas.microsoft.com/office/drawing/2014/main" xmlns="" val="130078612"/>
+                      <a16:colId xmlns="" xmlns:a16="http://schemas.microsoft.com/office/drawing/2014/main" val="130078612"/>
                     </a:ext>
                   </a:extLst>
                 </a:gridCol>
                 <a:gridCol w="834080">
                   <a:extLst>
                     <a:ext uri="{9D8B030D-6E8A-4147-A177-3AD203B41FA5}">
-                      <a16:colId xmlns:a16="http://schemas.microsoft.com/office/drawing/2014/main" xmlns="" val="3594532491"/>
+                      <a16:colId xmlns="" xmlns:a16="http://schemas.microsoft.com/office/drawing/2014/main" val="3594532491"/>
                     </a:ext>
                   </a:extLst>
                 </a:gridCol>
@@ -18009,7 +18689,7 @@
                 </a:tc>
                 <a:extLst>
                   <a:ext uri="{0D108BD9-81ED-4DB2-BD59-A6C34878D82A}">
-                    <a16:rowId xmlns:a16="http://schemas.microsoft.com/office/drawing/2014/main" xmlns="" val="1648878484"/>
+                    <a16:rowId xmlns="" xmlns:a16="http://schemas.microsoft.com/office/drawing/2014/main" val="1648878484"/>
                   </a:ext>
                 </a:extLst>
               </a:tr>
@@ -18196,7 +18876,7 @@
                 </a:tc>
                 <a:extLst>
                   <a:ext uri="{0D108BD9-81ED-4DB2-BD59-A6C34878D82A}">
-                    <a16:rowId xmlns:a16="http://schemas.microsoft.com/office/drawing/2014/main" xmlns="" val="3110016024"/>
+                    <a16:rowId xmlns="" xmlns:a16="http://schemas.microsoft.com/office/drawing/2014/main" val="3110016024"/>
                   </a:ext>
                 </a:extLst>
               </a:tr>
@@ -18399,7 +19079,7 @@
                 </a:tc>
                 <a:extLst>
                   <a:ext uri="{0D108BD9-81ED-4DB2-BD59-A6C34878D82A}">
-                    <a16:rowId xmlns:a16="http://schemas.microsoft.com/office/drawing/2014/main" xmlns="" val="2530068117"/>
+                    <a16:rowId xmlns="" xmlns:a16="http://schemas.microsoft.com/office/drawing/2014/main" val="2530068117"/>
                   </a:ext>
                 </a:extLst>
               </a:tr>
@@ -18602,7 +19282,7 @@
                 </a:tc>
                 <a:extLst>
                   <a:ext uri="{0D108BD9-81ED-4DB2-BD59-A6C34878D82A}">
-                    <a16:rowId xmlns:a16="http://schemas.microsoft.com/office/drawing/2014/main" xmlns="" val="1712611614"/>
+                    <a16:rowId xmlns="" xmlns:a16="http://schemas.microsoft.com/office/drawing/2014/main" val="1712611614"/>
                   </a:ext>
                 </a:extLst>
               </a:tr>
@@ -18702,7 +19382,7 @@
           <p:cNvPr id="2" name="Rectangle 1">
             <a:extLst>
               <a:ext uri="{FF2B5EF4-FFF2-40B4-BE49-F238E27FC236}">
-                <a16:creationId xmlns:a16="http://schemas.microsoft.com/office/drawing/2014/main" xmlns="" id="{4F38584F-66B2-464F-9BA7-6F9A856D602F}"/>
+                <a16:creationId xmlns="" xmlns:a16="http://schemas.microsoft.com/office/drawing/2014/main" id="{4F38584F-66B2-464F-9BA7-6F9A856D602F}"/>
               </a:ext>
             </a:extLst>
           </p:cNvPr>
@@ -18762,7 +19442,7 @@
           <p:cNvPr id="15" name="Rectangle 14">
             <a:extLst>
               <a:ext uri="{FF2B5EF4-FFF2-40B4-BE49-F238E27FC236}">
-                <a16:creationId xmlns:a16="http://schemas.microsoft.com/office/drawing/2014/main" xmlns="" id="{88C45C25-BF1B-4018-8A33-8F627F02D4A4}"/>
+                <a16:creationId xmlns="" xmlns:a16="http://schemas.microsoft.com/office/drawing/2014/main" id="{88C45C25-BF1B-4018-8A33-8F627F02D4A4}"/>
               </a:ext>
             </a:extLst>
           </p:cNvPr>
@@ -18854,7 +19534,7 @@
           <p:cNvPr id="9" name="Rectangle 14">
             <a:extLst>
               <a:ext uri="{FF2B5EF4-FFF2-40B4-BE49-F238E27FC236}">
-                <a16:creationId xmlns:a16="http://schemas.microsoft.com/office/drawing/2014/main" xmlns="" id="{88C45C25-BF1B-4018-8A33-8F627F02D4A4}"/>
+                <a16:creationId xmlns="" xmlns:a16="http://schemas.microsoft.com/office/drawing/2014/main" id="{88C45C25-BF1B-4018-8A33-8F627F02D4A4}"/>
               </a:ext>
             </a:extLst>
           </p:cNvPr>
@@ -18946,7 +19626,7 @@
           <p:cNvPr id="10" name="Rectangle 14">
             <a:extLst>
               <a:ext uri="{FF2B5EF4-FFF2-40B4-BE49-F238E27FC236}">
-                <a16:creationId xmlns:a16="http://schemas.microsoft.com/office/drawing/2014/main" xmlns="" id="{88C45C25-BF1B-4018-8A33-8F627F02D4A4}"/>
+                <a16:creationId xmlns="" xmlns:a16="http://schemas.microsoft.com/office/drawing/2014/main" id="{88C45C25-BF1B-4018-8A33-8F627F02D4A4}"/>
               </a:ext>
             </a:extLst>
           </p:cNvPr>
@@ -19038,7 +19718,7 @@
           <p:cNvPr id="11" name="Rectangle 14">
             <a:extLst>
               <a:ext uri="{FF2B5EF4-FFF2-40B4-BE49-F238E27FC236}">
-                <a16:creationId xmlns:a16="http://schemas.microsoft.com/office/drawing/2014/main" xmlns="" id="{88C45C25-BF1B-4018-8A33-8F627F02D4A4}"/>
+                <a16:creationId xmlns="" xmlns:a16="http://schemas.microsoft.com/office/drawing/2014/main" id="{88C45C25-BF1B-4018-8A33-8F627F02D4A4}"/>
               </a:ext>
             </a:extLst>
           </p:cNvPr>
@@ -19174,7 +19854,7 @@
           <p:cNvPr id="2" name="Rectangle 1">
             <a:extLst>
               <a:ext uri="{FF2B5EF4-FFF2-40B4-BE49-F238E27FC236}">
-                <a16:creationId xmlns:a16="http://schemas.microsoft.com/office/drawing/2014/main" xmlns="" id="{4F38584F-66B2-464F-9BA7-6F9A856D602F}"/>
+                <a16:creationId xmlns="" xmlns:a16="http://schemas.microsoft.com/office/drawing/2014/main" id="{4F38584F-66B2-464F-9BA7-6F9A856D602F}"/>
               </a:ext>
             </a:extLst>
           </p:cNvPr>
@@ -19234,7 +19914,7 @@
           <p:cNvPr id="15" name="Rectangle 14">
             <a:extLst>
               <a:ext uri="{FF2B5EF4-FFF2-40B4-BE49-F238E27FC236}">
-                <a16:creationId xmlns:a16="http://schemas.microsoft.com/office/drawing/2014/main" xmlns="" id="{88C45C25-BF1B-4018-8A33-8F627F02D4A4}"/>
+                <a16:creationId xmlns="" xmlns:a16="http://schemas.microsoft.com/office/drawing/2014/main" id="{88C45C25-BF1B-4018-8A33-8F627F02D4A4}"/>
               </a:ext>
             </a:extLst>
           </p:cNvPr>
@@ -19326,7 +20006,7 @@
           <p:cNvPr id="9" name="Rectangle 14">
             <a:extLst>
               <a:ext uri="{FF2B5EF4-FFF2-40B4-BE49-F238E27FC236}">
-                <a16:creationId xmlns:a16="http://schemas.microsoft.com/office/drawing/2014/main" xmlns="" id="{88C45C25-BF1B-4018-8A33-8F627F02D4A4}"/>
+                <a16:creationId xmlns="" xmlns:a16="http://schemas.microsoft.com/office/drawing/2014/main" id="{88C45C25-BF1B-4018-8A33-8F627F02D4A4}"/>
               </a:ext>
             </a:extLst>
           </p:cNvPr>
@@ -19418,7 +20098,7 @@
           <p:cNvPr id="10" name="Rectangle 14">
             <a:extLst>
               <a:ext uri="{FF2B5EF4-FFF2-40B4-BE49-F238E27FC236}">
-                <a16:creationId xmlns:a16="http://schemas.microsoft.com/office/drawing/2014/main" xmlns="" id="{88C45C25-BF1B-4018-8A33-8F627F02D4A4}"/>
+                <a16:creationId xmlns="" xmlns:a16="http://schemas.microsoft.com/office/drawing/2014/main" id="{88C45C25-BF1B-4018-8A33-8F627F02D4A4}"/>
               </a:ext>
             </a:extLst>
           </p:cNvPr>
@@ -19510,7 +20190,7 @@
           <p:cNvPr id="11" name="Rectangle 14">
             <a:extLst>
               <a:ext uri="{FF2B5EF4-FFF2-40B4-BE49-F238E27FC236}">
-                <a16:creationId xmlns:a16="http://schemas.microsoft.com/office/drawing/2014/main" xmlns="" id="{88C45C25-BF1B-4018-8A33-8F627F02D4A4}"/>
+                <a16:creationId xmlns="" xmlns:a16="http://schemas.microsoft.com/office/drawing/2014/main" id="{88C45C25-BF1B-4018-8A33-8F627F02D4A4}"/>
               </a:ext>
             </a:extLst>
           </p:cNvPr>
@@ -19602,7 +20282,7 @@
           <p:cNvPr id="8" name="Table 12">
             <a:extLst>
               <a:ext uri="{FF2B5EF4-FFF2-40B4-BE49-F238E27FC236}">
-                <a16:creationId xmlns:a16="http://schemas.microsoft.com/office/drawing/2014/main" xmlns="" id="{9B0F7DF4-72A9-4AA6-A24C-EB98E6574144}"/>
+                <a16:creationId xmlns="" xmlns:a16="http://schemas.microsoft.com/office/drawing/2014/main" id="{9B0F7DF4-72A9-4AA6-A24C-EB98E6574144}"/>
               </a:ext>
             </a:extLst>
           </p:cNvPr>
@@ -19631,28 +20311,28 @@
                 <a:gridCol w="834080">
                   <a:extLst>
                     <a:ext uri="{9D8B030D-6E8A-4147-A177-3AD203B41FA5}">
-                      <a16:colId xmlns:a16="http://schemas.microsoft.com/office/drawing/2014/main" xmlns="" val="2514592082"/>
+                      <a16:colId xmlns="" xmlns:a16="http://schemas.microsoft.com/office/drawing/2014/main" val="2514592082"/>
                     </a:ext>
                   </a:extLst>
                 </a:gridCol>
                 <a:gridCol w="834080">
                   <a:extLst>
                     <a:ext uri="{9D8B030D-6E8A-4147-A177-3AD203B41FA5}">
-                      <a16:colId xmlns:a16="http://schemas.microsoft.com/office/drawing/2014/main" xmlns="" val="1972351707"/>
+                      <a16:colId xmlns="" xmlns:a16="http://schemas.microsoft.com/office/drawing/2014/main" val="1972351707"/>
                     </a:ext>
                   </a:extLst>
                 </a:gridCol>
                 <a:gridCol w="834080">
                   <a:extLst>
                     <a:ext uri="{9D8B030D-6E8A-4147-A177-3AD203B41FA5}">
-                      <a16:colId xmlns:a16="http://schemas.microsoft.com/office/drawing/2014/main" xmlns="" val="130078612"/>
+                      <a16:colId xmlns="" xmlns:a16="http://schemas.microsoft.com/office/drawing/2014/main" val="130078612"/>
                     </a:ext>
                   </a:extLst>
                 </a:gridCol>
                 <a:gridCol w="834080">
                   <a:extLst>
                     <a:ext uri="{9D8B030D-6E8A-4147-A177-3AD203B41FA5}">
-                      <a16:colId xmlns:a16="http://schemas.microsoft.com/office/drawing/2014/main" xmlns="" val="3594532491"/>
+                      <a16:colId xmlns="" xmlns:a16="http://schemas.microsoft.com/office/drawing/2014/main" val="3594532491"/>
                     </a:ext>
                   </a:extLst>
                 </a:gridCol>
@@ -19822,7 +20502,7 @@
                 </a:tc>
                 <a:extLst>
                   <a:ext uri="{0D108BD9-81ED-4DB2-BD59-A6C34878D82A}">
-                    <a16:rowId xmlns:a16="http://schemas.microsoft.com/office/drawing/2014/main" xmlns="" val="1648878484"/>
+                    <a16:rowId xmlns="" xmlns:a16="http://schemas.microsoft.com/office/drawing/2014/main" val="1648878484"/>
                   </a:ext>
                 </a:extLst>
               </a:tr>
@@ -20009,7 +20689,7 @@
                 </a:tc>
                 <a:extLst>
                   <a:ext uri="{0D108BD9-81ED-4DB2-BD59-A6C34878D82A}">
-                    <a16:rowId xmlns:a16="http://schemas.microsoft.com/office/drawing/2014/main" xmlns="" val="3110016024"/>
+                    <a16:rowId xmlns="" xmlns:a16="http://schemas.microsoft.com/office/drawing/2014/main" val="3110016024"/>
                   </a:ext>
                 </a:extLst>
               </a:tr>
@@ -20212,7 +20892,7 @@
                 </a:tc>
                 <a:extLst>
                   <a:ext uri="{0D108BD9-81ED-4DB2-BD59-A6C34878D82A}">
-                    <a16:rowId xmlns:a16="http://schemas.microsoft.com/office/drawing/2014/main" xmlns="" val="2530068117"/>
+                    <a16:rowId xmlns="" xmlns:a16="http://schemas.microsoft.com/office/drawing/2014/main" val="2530068117"/>
                   </a:ext>
                 </a:extLst>
               </a:tr>
@@ -20402,7 +21082,7 @@
                 </a:tc>
                 <a:extLst>
                   <a:ext uri="{0D108BD9-81ED-4DB2-BD59-A6C34878D82A}">
-                    <a16:rowId xmlns:a16="http://schemas.microsoft.com/office/drawing/2014/main" xmlns="" val="1712611614"/>
+                    <a16:rowId xmlns="" xmlns:a16="http://schemas.microsoft.com/office/drawing/2014/main" val="1712611614"/>
                   </a:ext>
                 </a:extLst>
               </a:tr>
@@ -20502,7 +21182,7 @@
           <p:cNvPr id="2" name="Rectangle 1">
             <a:extLst>
               <a:ext uri="{FF2B5EF4-FFF2-40B4-BE49-F238E27FC236}">
-                <a16:creationId xmlns:a16="http://schemas.microsoft.com/office/drawing/2014/main" xmlns="" id="{4F38584F-66B2-464F-9BA7-6F9A856D602F}"/>
+                <a16:creationId xmlns="" xmlns:a16="http://schemas.microsoft.com/office/drawing/2014/main" id="{4F38584F-66B2-464F-9BA7-6F9A856D602F}"/>
               </a:ext>
             </a:extLst>
           </p:cNvPr>
@@ -20562,7 +21242,7 @@
           <p:cNvPr id="15" name="Rectangle 14">
             <a:extLst>
               <a:ext uri="{FF2B5EF4-FFF2-40B4-BE49-F238E27FC236}">
-                <a16:creationId xmlns:a16="http://schemas.microsoft.com/office/drawing/2014/main" xmlns="" id="{88C45C25-BF1B-4018-8A33-8F627F02D4A4}"/>
+                <a16:creationId xmlns="" xmlns:a16="http://schemas.microsoft.com/office/drawing/2014/main" id="{88C45C25-BF1B-4018-8A33-8F627F02D4A4}"/>
               </a:ext>
             </a:extLst>
           </p:cNvPr>
@@ -20654,7 +21334,7 @@
           <p:cNvPr id="9" name="Rectangle 14">
             <a:extLst>
               <a:ext uri="{FF2B5EF4-FFF2-40B4-BE49-F238E27FC236}">
-                <a16:creationId xmlns:a16="http://schemas.microsoft.com/office/drawing/2014/main" xmlns="" id="{88C45C25-BF1B-4018-8A33-8F627F02D4A4}"/>
+                <a16:creationId xmlns="" xmlns:a16="http://schemas.microsoft.com/office/drawing/2014/main" id="{88C45C25-BF1B-4018-8A33-8F627F02D4A4}"/>
               </a:ext>
             </a:extLst>
           </p:cNvPr>
@@ -20714,7 +21394,7 @@
           <p:cNvPr id="10" name="Rectangle 14">
             <a:extLst>
               <a:ext uri="{FF2B5EF4-FFF2-40B4-BE49-F238E27FC236}">
-                <a16:creationId xmlns:a16="http://schemas.microsoft.com/office/drawing/2014/main" xmlns="" id="{88C45C25-BF1B-4018-8A33-8F627F02D4A4}"/>
+                <a16:creationId xmlns="" xmlns:a16="http://schemas.microsoft.com/office/drawing/2014/main" id="{88C45C25-BF1B-4018-8A33-8F627F02D4A4}"/>
               </a:ext>
             </a:extLst>
           </p:cNvPr>
@@ -20774,7 +21454,7 @@
           <p:cNvPr id="11" name="Rectangle 14">
             <a:extLst>
               <a:ext uri="{FF2B5EF4-FFF2-40B4-BE49-F238E27FC236}">
-                <a16:creationId xmlns:a16="http://schemas.microsoft.com/office/drawing/2014/main" xmlns="" id="{88C45C25-BF1B-4018-8A33-8F627F02D4A4}"/>
+                <a16:creationId xmlns="" xmlns:a16="http://schemas.microsoft.com/office/drawing/2014/main" id="{88C45C25-BF1B-4018-8A33-8F627F02D4A4}"/>
               </a:ext>
             </a:extLst>
           </p:cNvPr>
@@ -20834,7 +21514,7 @@
           <p:cNvPr id="8" name="Table 12">
             <a:extLst>
               <a:ext uri="{FF2B5EF4-FFF2-40B4-BE49-F238E27FC236}">
-                <a16:creationId xmlns:a16="http://schemas.microsoft.com/office/drawing/2014/main" xmlns="" id="{9B0F7DF4-72A9-4AA6-A24C-EB98E6574144}"/>
+                <a16:creationId xmlns="" xmlns:a16="http://schemas.microsoft.com/office/drawing/2014/main" id="{9B0F7DF4-72A9-4AA6-A24C-EB98E6574144}"/>
               </a:ext>
             </a:extLst>
           </p:cNvPr>
@@ -20863,28 +21543,28 @@
                 <a:gridCol w="834080">
                   <a:extLst>
                     <a:ext uri="{9D8B030D-6E8A-4147-A177-3AD203B41FA5}">
-                      <a16:colId xmlns:a16="http://schemas.microsoft.com/office/drawing/2014/main" xmlns="" val="2514592082"/>
+                      <a16:colId xmlns="" xmlns:a16="http://schemas.microsoft.com/office/drawing/2014/main" val="2514592082"/>
                     </a:ext>
                   </a:extLst>
                 </a:gridCol>
                 <a:gridCol w="834080">
                   <a:extLst>
                     <a:ext uri="{9D8B030D-6E8A-4147-A177-3AD203B41FA5}">
-                      <a16:colId xmlns:a16="http://schemas.microsoft.com/office/drawing/2014/main" xmlns="" val="1972351707"/>
+                      <a16:colId xmlns="" xmlns:a16="http://schemas.microsoft.com/office/drawing/2014/main" val="1972351707"/>
                     </a:ext>
                   </a:extLst>
                 </a:gridCol>
                 <a:gridCol w="834080">
                   <a:extLst>
                     <a:ext uri="{9D8B030D-6E8A-4147-A177-3AD203B41FA5}">
-                      <a16:colId xmlns:a16="http://schemas.microsoft.com/office/drawing/2014/main" xmlns="" val="130078612"/>
+                      <a16:colId xmlns="" xmlns:a16="http://schemas.microsoft.com/office/drawing/2014/main" val="130078612"/>
                     </a:ext>
                   </a:extLst>
                 </a:gridCol>
                 <a:gridCol w="834080">
                   <a:extLst>
                     <a:ext uri="{9D8B030D-6E8A-4147-A177-3AD203B41FA5}">
-                      <a16:colId xmlns:a16="http://schemas.microsoft.com/office/drawing/2014/main" xmlns="" val="3594532491"/>
+                      <a16:colId xmlns="" xmlns:a16="http://schemas.microsoft.com/office/drawing/2014/main" val="3594532491"/>
                     </a:ext>
                   </a:extLst>
                 </a:gridCol>
@@ -21054,7 +21734,7 @@
                 </a:tc>
                 <a:extLst>
                   <a:ext uri="{0D108BD9-81ED-4DB2-BD59-A6C34878D82A}">
-                    <a16:rowId xmlns:a16="http://schemas.microsoft.com/office/drawing/2014/main" xmlns="" val="1648878484"/>
+                    <a16:rowId xmlns="" xmlns:a16="http://schemas.microsoft.com/office/drawing/2014/main" val="1648878484"/>
                   </a:ext>
                 </a:extLst>
               </a:tr>
@@ -21241,7 +21921,7 @@
                 </a:tc>
                 <a:extLst>
                   <a:ext uri="{0D108BD9-81ED-4DB2-BD59-A6C34878D82A}">
-                    <a16:rowId xmlns:a16="http://schemas.microsoft.com/office/drawing/2014/main" xmlns="" val="3110016024"/>
+                    <a16:rowId xmlns="" xmlns:a16="http://schemas.microsoft.com/office/drawing/2014/main" val="3110016024"/>
                   </a:ext>
                 </a:extLst>
               </a:tr>
@@ -21444,7 +22124,7 @@
                 </a:tc>
                 <a:extLst>
                   <a:ext uri="{0D108BD9-81ED-4DB2-BD59-A6C34878D82A}">
-                    <a16:rowId xmlns:a16="http://schemas.microsoft.com/office/drawing/2014/main" xmlns="" val="2530068117"/>
+                    <a16:rowId xmlns="" xmlns:a16="http://schemas.microsoft.com/office/drawing/2014/main" val="2530068117"/>
                   </a:ext>
                 </a:extLst>
               </a:tr>
@@ -21655,7 +22335,7 @@
                 </a:tc>
                 <a:extLst>
                   <a:ext uri="{0D108BD9-81ED-4DB2-BD59-A6C34878D82A}">
-                    <a16:rowId xmlns:a16="http://schemas.microsoft.com/office/drawing/2014/main" xmlns="" val="1712611614"/>
+                    <a16:rowId xmlns="" xmlns:a16="http://schemas.microsoft.com/office/drawing/2014/main" val="1712611614"/>
                   </a:ext>
                 </a:extLst>
               </a:tr>
@@ -21755,7 +22435,7 @@
           <p:cNvPr id="2" name="Rectangle 1">
             <a:extLst>
               <a:ext uri="{FF2B5EF4-FFF2-40B4-BE49-F238E27FC236}">
-                <a16:creationId xmlns:a16="http://schemas.microsoft.com/office/drawing/2014/main" xmlns="" id="{4F38584F-66B2-464F-9BA7-6F9A856D602F}"/>
+                <a16:creationId xmlns="" xmlns:a16="http://schemas.microsoft.com/office/drawing/2014/main" id="{4F38584F-66B2-464F-9BA7-6F9A856D602F}"/>
               </a:ext>
             </a:extLst>
           </p:cNvPr>
@@ -21879,7 +22559,7 @@
           <p:cNvPr id="15" name="Rectangle 14">
             <a:extLst>
               <a:ext uri="{FF2B5EF4-FFF2-40B4-BE49-F238E27FC236}">
-                <a16:creationId xmlns:a16="http://schemas.microsoft.com/office/drawing/2014/main" xmlns="" id="{88C45C25-BF1B-4018-8A33-8F627F02D4A4}"/>
+                <a16:creationId xmlns="" xmlns:a16="http://schemas.microsoft.com/office/drawing/2014/main" id="{88C45C25-BF1B-4018-8A33-8F627F02D4A4}"/>
               </a:ext>
             </a:extLst>
           </p:cNvPr>
@@ -21971,7 +22651,7 @@
           <p:cNvPr id="9" name="Rectangle 14">
             <a:extLst>
               <a:ext uri="{FF2B5EF4-FFF2-40B4-BE49-F238E27FC236}">
-                <a16:creationId xmlns:a16="http://schemas.microsoft.com/office/drawing/2014/main" xmlns="" id="{88C45C25-BF1B-4018-8A33-8F627F02D4A4}"/>
+                <a16:creationId xmlns="" xmlns:a16="http://schemas.microsoft.com/office/drawing/2014/main" id="{88C45C25-BF1B-4018-8A33-8F627F02D4A4}"/>
               </a:ext>
             </a:extLst>
           </p:cNvPr>
@@ -22063,7 +22743,7 @@
           <p:cNvPr id="10" name="Rectangle 14">
             <a:extLst>
               <a:ext uri="{FF2B5EF4-FFF2-40B4-BE49-F238E27FC236}">
-                <a16:creationId xmlns:a16="http://schemas.microsoft.com/office/drawing/2014/main" xmlns="" id="{88C45C25-BF1B-4018-8A33-8F627F02D4A4}"/>
+                <a16:creationId xmlns="" xmlns:a16="http://schemas.microsoft.com/office/drawing/2014/main" id="{88C45C25-BF1B-4018-8A33-8F627F02D4A4}"/>
               </a:ext>
             </a:extLst>
           </p:cNvPr>
@@ -22155,7 +22835,7 @@
           <p:cNvPr id="11" name="Rectangle 14">
             <a:extLst>
               <a:ext uri="{FF2B5EF4-FFF2-40B4-BE49-F238E27FC236}">
-                <a16:creationId xmlns:a16="http://schemas.microsoft.com/office/drawing/2014/main" xmlns="" id="{88C45C25-BF1B-4018-8A33-8F627F02D4A4}"/>
+                <a16:creationId xmlns="" xmlns:a16="http://schemas.microsoft.com/office/drawing/2014/main" id="{88C45C25-BF1B-4018-8A33-8F627F02D4A4}"/>
               </a:ext>
             </a:extLst>
           </p:cNvPr>
@@ -22291,7 +22971,7 @@
           <p:cNvPr id="2" name="Rectangle 1">
             <a:extLst>
               <a:ext uri="{FF2B5EF4-FFF2-40B4-BE49-F238E27FC236}">
-                <a16:creationId xmlns:a16="http://schemas.microsoft.com/office/drawing/2014/main" xmlns="" id="{4F38584F-66B2-464F-9BA7-6F9A856D602F}"/>
+                <a16:creationId xmlns="" xmlns:a16="http://schemas.microsoft.com/office/drawing/2014/main" id="{4F38584F-66B2-464F-9BA7-6F9A856D602F}"/>
               </a:ext>
             </a:extLst>
           </p:cNvPr>
@@ -22415,7 +23095,7 @@
           <p:cNvPr id="15" name="Rectangle 14">
             <a:extLst>
               <a:ext uri="{FF2B5EF4-FFF2-40B4-BE49-F238E27FC236}">
-                <a16:creationId xmlns:a16="http://schemas.microsoft.com/office/drawing/2014/main" xmlns="" id="{88C45C25-BF1B-4018-8A33-8F627F02D4A4}"/>
+                <a16:creationId xmlns="" xmlns:a16="http://schemas.microsoft.com/office/drawing/2014/main" id="{88C45C25-BF1B-4018-8A33-8F627F02D4A4}"/>
               </a:ext>
             </a:extLst>
           </p:cNvPr>
@@ -22491,7 +23171,7 @@
           <p:cNvPr id="9" name="Rectangle 14">
             <a:extLst>
               <a:ext uri="{FF2B5EF4-FFF2-40B4-BE49-F238E27FC236}">
-                <a16:creationId xmlns:a16="http://schemas.microsoft.com/office/drawing/2014/main" xmlns="" id="{88C45C25-BF1B-4018-8A33-8F627F02D4A4}"/>
+                <a16:creationId xmlns="" xmlns:a16="http://schemas.microsoft.com/office/drawing/2014/main" id="{88C45C25-BF1B-4018-8A33-8F627F02D4A4}"/>
               </a:ext>
             </a:extLst>
           </p:cNvPr>
@@ -22567,7 +23247,7 @@
           <p:cNvPr id="10" name="Rectangle 14">
             <a:extLst>
               <a:ext uri="{FF2B5EF4-FFF2-40B4-BE49-F238E27FC236}">
-                <a16:creationId xmlns:a16="http://schemas.microsoft.com/office/drawing/2014/main" xmlns="" id="{88C45C25-BF1B-4018-8A33-8F627F02D4A4}"/>
+                <a16:creationId xmlns="" xmlns:a16="http://schemas.microsoft.com/office/drawing/2014/main" id="{88C45C25-BF1B-4018-8A33-8F627F02D4A4}"/>
               </a:ext>
             </a:extLst>
           </p:cNvPr>
@@ -22659,7 +23339,7 @@
           <p:cNvPr id="11" name="Rectangle 14">
             <a:extLst>
               <a:ext uri="{FF2B5EF4-FFF2-40B4-BE49-F238E27FC236}">
-                <a16:creationId xmlns:a16="http://schemas.microsoft.com/office/drawing/2014/main" xmlns="" id="{88C45C25-BF1B-4018-8A33-8F627F02D4A4}"/>
+                <a16:creationId xmlns="" xmlns:a16="http://schemas.microsoft.com/office/drawing/2014/main" id="{88C45C25-BF1B-4018-8A33-8F627F02D4A4}"/>
               </a:ext>
             </a:extLst>
           </p:cNvPr>
@@ -22734,6 +23414,2045 @@
     <p:extLst>
       <p:ext uri="{BB962C8B-B14F-4D97-AF65-F5344CB8AC3E}">
         <p14:creationId xmlns:p14="http://schemas.microsoft.com/office/powerpoint/2010/main" val="2331173762"/>
+      </p:ext>
+    </p:extLst>
+  </p:cSld>
+  <p:clrMapOvr>
+    <a:masterClrMapping/>
+  </p:clrMapOvr>
+  <p:transition spd="slow">
+    <p:wipe/>
+  </p:transition>
+</p:sld>
+</file>
+
+<file path=ppt/slides/slide24.xml><?xml version="1.0" encoding="utf-8"?>
+<p:sld xmlns:a="http://schemas.openxmlformats.org/drawingml/2006/main" xmlns:r="http://schemas.openxmlformats.org/officeDocument/2006/relationships" xmlns:p="http://schemas.openxmlformats.org/presentationml/2006/main">
+  <p:cSld>
+    <p:bg>
+      <p:bgPr>
+        <a:blipFill>
+          <a:blip r:embed="rId3"/>
+          <a:stretch>
+            <a:fillRect/>
+          </a:stretch>
+        </a:blipFill>
+        <a:effectLst/>
+      </p:bgPr>
+    </p:bg>
+    <p:spTree>
+      <p:nvGrpSpPr>
+        <p:cNvPr id="1" name=""/>
+        <p:cNvGrpSpPr/>
+        <p:nvPr/>
+      </p:nvGrpSpPr>
+      <p:grpSpPr>
+        <a:xfrm>
+          <a:off x="0" y="0"/>
+          <a:ext cx="0" cy="0"/>
+          <a:chOff x="0" y="0"/>
+          <a:chExt cx="0" cy="0"/>
+        </a:xfrm>
+      </p:grpSpPr>
+      <p:sp>
+        <p:nvSpPr>
+          <p:cNvPr id="2" name="Rectangle 1">
+            <a:extLst>
+              <a:ext uri="{FF2B5EF4-FFF2-40B4-BE49-F238E27FC236}">
+                <a16:creationId xmlns="" xmlns:a16="http://schemas.microsoft.com/office/drawing/2014/main" id="{4F38584F-66B2-464F-9BA7-6F9A856D602F}"/>
+              </a:ext>
+            </a:extLst>
+          </p:cNvPr>
+          <p:cNvSpPr/>
+          <p:nvPr/>
+        </p:nvSpPr>
+        <p:spPr>
+          <a:xfrm>
+            <a:off x="241539" y="126139"/>
+            <a:ext cx="6072995" cy="1740022"/>
+          </a:xfrm>
+          <a:prstGeom prst="rect">
+            <a:avLst/>
+          </a:prstGeom>
+          <a:noFill/>
+        </p:spPr>
+        <p:txBody>
+          <a:bodyPr wrap="square" lIns="46793" tIns="23397" rIns="46793" bIns="23397">
+            <a:spAutoFit/>
+          </a:bodyPr>
+          <a:lstStyle/>
+          <a:p>
+            <a:r>
+              <a:rPr lang="pt-BR" sz="2200" b="1" dirty="0">
+                <a:ln w="0"/>
+                <a:solidFill>
+                  <a:schemeClr val="bg1"/>
+                </a:solidFill>
+                <a:effectLst>
+                  <a:outerShdw blurRad="38100" dist="19050" dir="2700000" algn="tl" rotWithShape="0">
+                    <a:schemeClr val="dk1">
+                      <a:alpha val="40000"/>
+                    </a:schemeClr>
+                  </a:outerShdw>
+                </a:effectLst>
+              </a:rPr>
+              <a:t>João foi ao supermercado e comprou R$ 115,15 em mercadorias. Quando retornou à casa, ele viu que seu filho também havia ido ao mercado e comprado os mesmos produtos. Quanto os dois gastaram juntos?</a:t>
+            </a:r>
+            <a:endParaRPr lang="en-US" sz="2200" b="1" dirty="0">
+              <a:ln w="0"/>
+              <a:solidFill>
+                <a:schemeClr val="bg1"/>
+              </a:solidFill>
+              <a:effectLst>
+                <a:outerShdw blurRad="38100" dist="19050" dir="2700000" algn="tl" rotWithShape="0">
+                  <a:schemeClr val="dk1">
+                    <a:alpha val="40000"/>
+                  </a:schemeClr>
+                </a:outerShdw>
+              </a:effectLst>
+            </a:endParaRPr>
+          </a:p>
+        </p:txBody>
+      </p:sp>
+      <p:sp>
+        <p:nvSpPr>
+          <p:cNvPr id="15" name="Rectangle 14">
+            <a:extLst>
+              <a:ext uri="{FF2B5EF4-FFF2-40B4-BE49-F238E27FC236}">
+                <a16:creationId xmlns="" xmlns:a16="http://schemas.microsoft.com/office/drawing/2014/main" id="{88C45C25-BF1B-4018-8A33-8F627F02D4A4}"/>
+              </a:ext>
+            </a:extLst>
+          </p:cNvPr>
+          <p:cNvSpPr/>
+          <p:nvPr/>
+        </p:nvSpPr>
+        <p:spPr>
+          <a:xfrm>
+            <a:off x="357745" y="1789217"/>
+            <a:ext cx="5705958" cy="416583"/>
+          </a:xfrm>
+          <a:prstGeom prst="rect">
+            <a:avLst/>
+          </a:prstGeom>
+          <a:noFill/>
+        </p:spPr>
+        <p:txBody>
+          <a:bodyPr wrap="square" lIns="46793" tIns="23397" rIns="46793" bIns="23397">
+            <a:spAutoFit/>
+          </a:bodyPr>
+          <a:lstStyle/>
+          <a:p>
+            <a:r>
+              <a:rPr lang="pt-BR" sz="2400" b="1" dirty="0">
+                <a:ln w="0"/>
+                <a:solidFill>
+                  <a:srgbClr val="FFFF00"/>
+                </a:solidFill>
+                <a:effectLst>
+                  <a:outerShdw blurRad="38100" dist="19050" dir="2700000" algn="tl" rotWithShape="0">
+                    <a:schemeClr val="dk1">
+                      <a:alpha val="40000"/>
+                    </a:schemeClr>
+                  </a:outerShdw>
+                </a:effectLst>
+              </a:rPr>
+              <a:t>A</a:t>
+            </a:r>
+            <a:r>
+              <a:rPr lang="pt-BR" sz="2400" b="1" dirty="0">
+                <a:ln w="0"/>
+                <a:solidFill>
+                  <a:srgbClr val="FFFF00"/>
+                </a:solidFill>
+                <a:effectLst>
+                  <a:outerShdw blurRad="38100" dist="19050" dir="2700000" algn="tl" rotWithShape="0">
+                    <a:schemeClr val="dk1">
+                      <a:alpha val="40000"/>
+                    </a:schemeClr>
+                  </a:outerShdw>
+                </a:effectLst>
+              </a:rPr>
+              <a:t>) </a:t>
+            </a:r>
+            <a:r>
+              <a:rPr lang="pt-BR" sz="2200" i="1" dirty="0">
+                <a:ln w="0"/>
+                <a:solidFill>
+                  <a:schemeClr val="bg1"/>
+                </a:solidFill>
+                <a:effectLst>
+                  <a:outerShdw blurRad="38100" dist="19050" dir="2700000" algn="tl" rotWithShape="0">
+                    <a:schemeClr val="dk1">
+                      <a:alpha val="40000"/>
+                    </a:schemeClr>
+                  </a:outerShdw>
+                </a:effectLst>
+              </a:rPr>
+              <a:t>R$ 230,30</a:t>
+            </a:r>
+            <a:endParaRPr lang="en-US" sz="2200" i="1" dirty="0">
+              <a:ln w="0"/>
+              <a:solidFill>
+                <a:schemeClr val="bg1"/>
+              </a:solidFill>
+              <a:effectLst>
+                <a:outerShdw blurRad="38100" dist="19050" dir="2700000" algn="tl" rotWithShape="0">
+                  <a:schemeClr val="dk1">
+                    <a:alpha val="40000"/>
+                  </a:schemeClr>
+                </a:outerShdw>
+              </a:effectLst>
+            </a:endParaRPr>
+          </a:p>
+        </p:txBody>
+      </p:sp>
+      <p:sp>
+        <p:nvSpPr>
+          <p:cNvPr id="9" name="Rectangle 14">
+            <a:extLst>
+              <a:ext uri="{FF2B5EF4-FFF2-40B4-BE49-F238E27FC236}">
+                <a16:creationId xmlns="" xmlns:a16="http://schemas.microsoft.com/office/drawing/2014/main" id="{88C45C25-BF1B-4018-8A33-8F627F02D4A4}"/>
+              </a:ext>
+            </a:extLst>
+          </p:cNvPr>
+          <p:cNvSpPr/>
+          <p:nvPr/>
+        </p:nvSpPr>
+        <p:spPr>
+          <a:xfrm>
+            <a:off x="357745" y="2205800"/>
+            <a:ext cx="5705958" cy="416583"/>
+          </a:xfrm>
+          <a:prstGeom prst="rect">
+            <a:avLst/>
+          </a:prstGeom>
+          <a:noFill/>
+        </p:spPr>
+        <p:txBody>
+          <a:bodyPr wrap="square" lIns="46793" tIns="23397" rIns="46793" bIns="23397">
+            <a:spAutoFit/>
+          </a:bodyPr>
+          <a:lstStyle/>
+          <a:p>
+            <a:r>
+              <a:rPr lang="pt-BR" sz="2400" b="1" dirty="0" smtClean="0">
+                <a:ln w="0"/>
+                <a:solidFill>
+                  <a:srgbClr val="FFFF00"/>
+                </a:solidFill>
+                <a:effectLst>
+                  <a:outerShdw blurRad="38100" dist="19050" dir="2700000" algn="tl" rotWithShape="0">
+                    <a:schemeClr val="dk1">
+                      <a:alpha val="40000"/>
+                    </a:schemeClr>
+                  </a:outerShdw>
+                </a:effectLst>
+              </a:rPr>
+              <a:t>B) </a:t>
+            </a:r>
+            <a:r>
+              <a:rPr lang="pt-BR" sz="2400" i="1" dirty="0" smtClean="0">
+                <a:ln w="0"/>
+                <a:solidFill>
+                  <a:schemeClr val="bg1"/>
+                </a:solidFill>
+                <a:effectLst>
+                  <a:outerShdw blurRad="38100" dist="19050" dir="2700000" algn="tl" rotWithShape="0">
+                    <a:schemeClr val="dk1">
+                      <a:alpha val="40000"/>
+                    </a:schemeClr>
+                  </a:outerShdw>
+                </a:effectLst>
+              </a:rPr>
+              <a:t>R$ 230,00</a:t>
+            </a:r>
+            <a:endParaRPr lang="en-US" sz="2400" i="1" dirty="0">
+              <a:ln w="0"/>
+              <a:solidFill>
+                <a:schemeClr val="bg1"/>
+              </a:solidFill>
+              <a:effectLst>
+                <a:outerShdw blurRad="38100" dist="19050" dir="2700000" algn="tl" rotWithShape="0">
+                  <a:schemeClr val="dk1">
+                    <a:alpha val="40000"/>
+                  </a:schemeClr>
+                </a:outerShdw>
+              </a:effectLst>
+            </a:endParaRPr>
+          </a:p>
+        </p:txBody>
+      </p:sp>
+      <p:sp>
+        <p:nvSpPr>
+          <p:cNvPr id="10" name="Rectangle 14">
+            <a:extLst>
+              <a:ext uri="{FF2B5EF4-FFF2-40B4-BE49-F238E27FC236}">
+                <a16:creationId xmlns="" xmlns:a16="http://schemas.microsoft.com/office/drawing/2014/main" id="{88C45C25-BF1B-4018-8A33-8F627F02D4A4}"/>
+              </a:ext>
+            </a:extLst>
+          </p:cNvPr>
+          <p:cNvSpPr/>
+          <p:nvPr/>
+        </p:nvSpPr>
+        <p:spPr>
+          <a:xfrm>
+            <a:off x="357745" y="2622383"/>
+            <a:ext cx="5705958" cy="416583"/>
+          </a:xfrm>
+          <a:prstGeom prst="rect">
+            <a:avLst/>
+          </a:prstGeom>
+          <a:noFill/>
+        </p:spPr>
+        <p:txBody>
+          <a:bodyPr wrap="square" lIns="46793" tIns="23397" rIns="46793" bIns="23397">
+            <a:spAutoFit/>
+          </a:bodyPr>
+          <a:lstStyle/>
+          <a:p>
+            <a:r>
+              <a:rPr lang="pt-BR" sz="2400" b="1" dirty="0">
+                <a:ln w="0"/>
+                <a:solidFill>
+                  <a:srgbClr val="FFFF00"/>
+                </a:solidFill>
+                <a:effectLst>
+                  <a:outerShdw blurRad="38100" dist="19050" dir="2700000" algn="tl" rotWithShape="0">
+                    <a:schemeClr val="dk1">
+                      <a:alpha val="40000"/>
+                    </a:schemeClr>
+                  </a:outerShdw>
+                </a:effectLst>
+              </a:rPr>
+              <a:t>C</a:t>
+            </a:r>
+            <a:r>
+              <a:rPr lang="pt-BR" sz="2400" b="1" dirty="0" smtClean="0">
+                <a:ln w="0"/>
+                <a:solidFill>
+                  <a:srgbClr val="FFFF00"/>
+                </a:solidFill>
+                <a:effectLst>
+                  <a:outerShdw blurRad="38100" dist="19050" dir="2700000" algn="tl" rotWithShape="0">
+                    <a:schemeClr val="dk1">
+                      <a:alpha val="40000"/>
+                    </a:schemeClr>
+                  </a:outerShdw>
+                </a:effectLst>
+              </a:rPr>
+              <a:t>) </a:t>
+            </a:r>
+            <a:r>
+              <a:rPr lang="pt-BR" sz="2400" i="1" dirty="0" smtClean="0">
+                <a:ln w="0"/>
+                <a:solidFill>
+                  <a:schemeClr val="bg1"/>
+                </a:solidFill>
+                <a:effectLst>
+                  <a:outerShdw blurRad="38100" dist="19050" dir="2700000" algn="tl" rotWithShape="0">
+                    <a:schemeClr val="dk1">
+                      <a:alpha val="40000"/>
+                    </a:schemeClr>
+                  </a:outerShdw>
+                </a:effectLst>
+              </a:rPr>
+              <a:t>R$ 200,30</a:t>
+            </a:r>
+            <a:endParaRPr lang="en-US" sz="2400" i="1" dirty="0">
+              <a:ln w="0"/>
+              <a:solidFill>
+                <a:schemeClr val="bg1"/>
+              </a:solidFill>
+              <a:effectLst>
+                <a:outerShdw blurRad="38100" dist="19050" dir="2700000" algn="tl" rotWithShape="0">
+                  <a:schemeClr val="dk1">
+                    <a:alpha val="40000"/>
+                  </a:schemeClr>
+                </a:outerShdw>
+              </a:effectLst>
+            </a:endParaRPr>
+          </a:p>
+        </p:txBody>
+      </p:sp>
+      <p:sp>
+        <p:nvSpPr>
+          <p:cNvPr id="11" name="Rectangle 14">
+            <a:extLst>
+              <a:ext uri="{FF2B5EF4-FFF2-40B4-BE49-F238E27FC236}">
+                <a16:creationId xmlns="" xmlns:a16="http://schemas.microsoft.com/office/drawing/2014/main" id="{88C45C25-BF1B-4018-8A33-8F627F02D4A4}"/>
+              </a:ext>
+            </a:extLst>
+          </p:cNvPr>
+          <p:cNvSpPr/>
+          <p:nvPr/>
+        </p:nvSpPr>
+        <p:spPr>
+          <a:xfrm>
+            <a:off x="357745" y="3038966"/>
+            <a:ext cx="5705958" cy="416583"/>
+          </a:xfrm>
+          <a:prstGeom prst="rect">
+            <a:avLst/>
+          </a:prstGeom>
+          <a:noFill/>
+        </p:spPr>
+        <p:txBody>
+          <a:bodyPr wrap="square" lIns="46793" tIns="23397" rIns="46793" bIns="23397">
+            <a:spAutoFit/>
+          </a:bodyPr>
+          <a:lstStyle/>
+          <a:p>
+            <a:r>
+              <a:rPr lang="pt-BR" sz="2400" b="1" dirty="0">
+                <a:ln w="0"/>
+                <a:solidFill>
+                  <a:srgbClr val="FFFF00"/>
+                </a:solidFill>
+                <a:effectLst>
+                  <a:outerShdw blurRad="38100" dist="19050" dir="2700000" algn="tl" rotWithShape="0">
+                    <a:schemeClr val="dk1">
+                      <a:alpha val="40000"/>
+                    </a:schemeClr>
+                  </a:outerShdw>
+                </a:effectLst>
+              </a:rPr>
+              <a:t>D</a:t>
+            </a:r>
+            <a:r>
+              <a:rPr lang="pt-BR" sz="2400" b="1" dirty="0" smtClean="0">
+                <a:ln w="0"/>
+                <a:solidFill>
+                  <a:srgbClr val="FFFF00"/>
+                </a:solidFill>
+                <a:effectLst>
+                  <a:outerShdw blurRad="38100" dist="19050" dir="2700000" algn="tl" rotWithShape="0">
+                    <a:schemeClr val="dk1">
+                      <a:alpha val="40000"/>
+                    </a:schemeClr>
+                  </a:outerShdw>
+                </a:effectLst>
+              </a:rPr>
+              <a:t>) </a:t>
+            </a:r>
+            <a:r>
+              <a:rPr lang="pt-BR" sz="2400" i="1" dirty="0" smtClean="0">
+                <a:ln w="0"/>
+                <a:solidFill>
+                  <a:schemeClr val="bg1"/>
+                </a:solidFill>
+                <a:effectLst>
+                  <a:outerShdw blurRad="38100" dist="19050" dir="2700000" algn="tl" rotWithShape="0">
+                    <a:schemeClr val="dk1">
+                      <a:alpha val="40000"/>
+                    </a:schemeClr>
+                  </a:outerShdw>
+                </a:effectLst>
+              </a:rPr>
+              <a:t>R$ 220,20</a:t>
+            </a:r>
+            <a:endParaRPr lang="en-US" sz="2400" i="1" dirty="0">
+              <a:ln w="0"/>
+              <a:solidFill>
+                <a:schemeClr val="bg1"/>
+              </a:solidFill>
+              <a:effectLst>
+                <a:outerShdw blurRad="38100" dist="19050" dir="2700000" algn="tl" rotWithShape="0">
+                  <a:schemeClr val="dk1">
+                    <a:alpha val="40000"/>
+                  </a:schemeClr>
+                </a:outerShdw>
+              </a:effectLst>
+            </a:endParaRPr>
+          </a:p>
+        </p:txBody>
+      </p:sp>
+    </p:spTree>
+    <p:extLst>
+      <p:ext uri="{BB962C8B-B14F-4D97-AF65-F5344CB8AC3E}">
+        <p14:creationId xmlns:p14="http://schemas.microsoft.com/office/powerpoint/2010/main" val="2454004305"/>
+      </p:ext>
+    </p:extLst>
+  </p:cSld>
+  <p:clrMapOvr>
+    <a:masterClrMapping/>
+  </p:clrMapOvr>
+  <p:transition spd="slow">
+    <p:wipe/>
+  </p:transition>
+</p:sld>
+</file>
+
+<file path=ppt/slides/slide25.xml><?xml version="1.0" encoding="utf-8"?>
+<p:sld xmlns:a="http://schemas.openxmlformats.org/drawingml/2006/main" xmlns:r="http://schemas.openxmlformats.org/officeDocument/2006/relationships" xmlns:p="http://schemas.openxmlformats.org/presentationml/2006/main">
+  <p:cSld>
+    <p:bg>
+      <p:bgPr>
+        <a:blipFill>
+          <a:blip r:embed="rId3"/>
+          <a:stretch>
+            <a:fillRect/>
+          </a:stretch>
+        </a:blipFill>
+        <a:effectLst/>
+      </p:bgPr>
+    </p:bg>
+    <p:spTree>
+      <p:nvGrpSpPr>
+        <p:cNvPr id="1" name=""/>
+        <p:cNvGrpSpPr/>
+        <p:nvPr/>
+      </p:nvGrpSpPr>
+      <p:grpSpPr>
+        <a:xfrm>
+          <a:off x="0" y="0"/>
+          <a:ext cx="0" cy="0"/>
+          <a:chOff x="0" y="0"/>
+          <a:chExt cx="0" cy="0"/>
+        </a:xfrm>
+      </p:grpSpPr>
+      <p:sp>
+        <p:nvSpPr>
+          <p:cNvPr id="2" name="Rectangle 1">
+            <a:extLst>
+              <a:ext uri="{FF2B5EF4-FFF2-40B4-BE49-F238E27FC236}">
+                <a16:creationId xmlns="" xmlns:a16="http://schemas.microsoft.com/office/drawing/2014/main" id="{4F38584F-66B2-464F-9BA7-6F9A856D602F}"/>
+              </a:ext>
+            </a:extLst>
+          </p:cNvPr>
+          <p:cNvSpPr/>
+          <p:nvPr/>
+        </p:nvSpPr>
+        <p:spPr>
+          <a:xfrm>
+            <a:off x="241539" y="126139"/>
+            <a:ext cx="6072995" cy="1740022"/>
+          </a:xfrm>
+          <a:prstGeom prst="rect">
+            <a:avLst/>
+          </a:prstGeom>
+          <a:noFill/>
+        </p:spPr>
+        <p:txBody>
+          <a:bodyPr wrap="square" lIns="46793" tIns="23397" rIns="46793" bIns="23397">
+            <a:spAutoFit/>
+          </a:bodyPr>
+          <a:lstStyle/>
+          <a:p>
+            <a:r>
+              <a:rPr lang="pt-BR" sz="2200" b="1" dirty="0">
+                <a:ln w="0"/>
+                <a:solidFill>
+                  <a:schemeClr val="bg1"/>
+                </a:solidFill>
+                <a:effectLst>
+                  <a:outerShdw blurRad="38100" dist="19050" dir="2700000" algn="tl" rotWithShape="0">
+                    <a:schemeClr val="dk1">
+                      <a:alpha val="40000"/>
+                    </a:schemeClr>
+                  </a:outerShdw>
+                </a:effectLst>
+              </a:rPr>
+              <a:t>João foi ao supermercado e comprou R$ 115,15 em mercadorias. Quando retornou à casa, ele viu que seu filho também havia ido ao mercado e comprado os mesmos produtos. Quanto os dois gastaram juntos?</a:t>
+            </a:r>
+            <a:endParaRPr lang="en-US" sz="2200" b="1" dirty="0">
+              <a:ln w="0"/>
+              <a:solidFill>
+                <a:schemeClr val="bg1"/>
+              </a:solidFill>
+              <a:effectLst>
+                <a:outerShdw blurRad="38100" dist="19050" dir="2700000" algn="tl" rotWithShape="0">
+                  <a:schemeClr val="dk1">
+                    <a:alpha val="40000"/>
+                  </a:schemeClr>
+                </a:outerShdw>
+              </a:effectLst>
+            </a:endParaRPr>
+          </a:p>
+        </p:txBody>
+      </p:sp>
+      <p:sp>
+        <p:nvSpPr>
+          <p:cNvPr id="15" name="Rectangle 14">
+            <a:extLst>
+              <a:ext uri="{FF2B5EF4-FFF2-40B4-BE49-F238E27FC236}">
+                <a16:creationId xmlns="" xmlns:a16="http://schemas.microsoft.com/office/drawing/2014/main" id="{88C45C25-BF1B-4018-8A33-8F627F02D4A4}"/>
+              </a:ext>
+            </a:extLst>
+          </p:cNvPr>
+          <p:cNvSpPr/>
+          <p:nvPr/>
+        </p:nvSpPr>
+        <p:spPr>
+          <a:xfrm>
+            <a:off x="241539" y="2267781"/>
+            <a:ext cx="5705958" cy="416583"/>
+          </a:xfrm>
+          <a:prstGeom prst="rect">
+            <a:avLst/>
+          </a:prstGeom>
+          <a:noFill/>
+        </p:spPr>
+        <p:txBody>
+          <a:bodyPr wrap="square" lIns="46793" tIns="23397" rIns="46793" bIns="23397">
+            <a:spAutoFit/>
+          </a:bodyPr>
+          <a:lstStyle/>
+          <a:p>
+            <a:r>
+              <a:rPr lang="pt-BR" sz="2400" b="1" dirty="0">
+                <a:ln w="0"/>
+                <a:solidFill>
+                  <a:srgbClr val="FFFF00"/>
+                </a:solidFill>
+                <a:effectLst>
+                  <a:outerShdw blurRad="38100" dist="19050" dir="2700000" algn="tl" rotWithShape="0">
+                    <a:schemeClr val="dk1">
+                      <a:alpha val="40000"/>
+                    </a:schemeClr>
+                  </a:outerShdw>
+                </a:effectLst>
+              </a:rPr>
+              <a:t>A</a:t>
+            </a:r>
+            <a:r>
+              <a:rPr lang="pt-BR" sz="2400" b="1" dirty="0">
+                <a:ln w="0"/>
+                <a:solidFill>
+                  <a:srgbClr val="FFFF00"/>
+                </a:solidFill>
+                <a:effectLst>
+                  <a:outerShdw blurRad="38100" dist="19050" dir="2700000" algn="tl" rotWithShape="0">
+                    <a:schemeClr val="dk1">
+                      <a:alpha val="40000"/>
+                    </a:schemeClr>
+                  </a:outerShdw>
+                </a:effectLst>
+              </a:rPr>
+              <a:t>) </a:t>
+            </a:r>
+            <a:r>
+              <a:rPr lang="pt-BR" sz="2200" i="1" dirty="0">
+                <a:ln w="0"/>
+                <a:solidFill>
+                  <a:schemeClr val="bg1"/>
+                </a:solidFill>
+                <a:effectLst>
+                  <a:outerShdw blurRad="38100" dist="19050" dir="2700000" algn="tl" rotWithShape="0">
+                    <a:schemeClr val="dk1">
+                      <a:alpha val="40000"/>
+                    </a:schemeClr>
+                  </a:outerShdw>
+                </a:effectLst>
+              </a:rPr>
+              <a:t>R$ 230,30</a:t>
+            </a:r>
+            <a:endParaRPr lang="en-US" sz="2200" i="1" dirty="0">
+              <a:ln w="0"/>
+              <a:solidFill>
+                <a:schemeClr val="bg1"/>
+              </a:solidFill>
+              <a:effectLst>
+                <a:outerShdw blurRad="38100" dist="19050" dir="2700000" algn="tl" rotWithShape="0">
+                  <a:schemeClr val="dk1">
+                    <a:alpha val="40000"/>
+                  </a:schemeClr>
+                </a:outerShdw>
+              </a:effectLst>
+            </a:endParaRPr>
+          </a:p>
+        </p:txBody>
+      </p:sp>
+    </p:spTree>
+    <p:extLst>
+      <p:ext uri="{BB962C8B-B14F-4D97-AF65-F5344CB8AC3E}">
+        <p14:creationId xmlns:p14="http://schemas.microsoft.com/office/powerpoint/2010/main" val="2595215139"/>
+      </p:ext>
+    </p:extLst>
+  </p:cSld>
+  <p:clrMapOvr>
+    <a:masterClrMapping/>
+  </p:clrMapOvr>
+  <p:transition spd="slow">
+    <p:wipe/>
+  </p:transition>
+</p:sld>
+</file>
+
+<file path=ppt/slides/slide26.xml><?xml version="1.0" encoding="utf-8"?>
+<p:sld xmlns:a="http://schemas.openxmlformats.org/drawingml/2006/main" xmlns:r="http://schemas.openxmlformats.org/officeDocument/2006/relationships" xmlns:p="http://schemas.openxmlformats.org/presentationml/2006/main">
+  <p:cSld>
+    <p:bg>
+      <p:bgPr>
+        <a:blipFill>
+          <a:blip r:embed="rId3"/>
+          <a:stretch>
+            <a:fillRect/>
+          </a:stretch>
+        </a:blipFill>
+        <a:effectLst/>
+      </p:bgPr>
+    </p:bg>
+    <p:spTree>
+      <p:nvGrpSpPr>
+        <p:cNvPr id="1" name=""/>
+        <p:cNvGrpSpPr/>
+        <p:nvPr/>
+      </p:nvGrpSpPr>
+      <p:grpSpPr>
+        <a:xfrm>
+          <a:off x="0" y="0"/>
+          <a:ext cx="0" cy="0"/>
+          <a:chOff x="0" y="0"/>
+          <a:chExt cx="0" cy="0"/>
+        </a:xfrm>
+      </p:grpSpPr>
+      <p:sp>
+        <p:nvSpPr>
+          <p:cNvPr id="2" name="Rectangle 1">
+            <a:extLst>
+              <a:ext uri="{FF2B5EF4-FFF2-40B4-BE49-F238E27FC236}">
+                <a16:creationId xmlns="" xmlns:a16="http://schemas.microsoft.com/office/drawing/2014/main" id="{4F38584F-66B2-464F-9BA7-6F9A856D602F}"/>
+              </a:ext>
+            </a:extLst>
+          </p:cNvPr>
+          <p:cNvSpPr/>
+          <p:nvPr/>
+        </p:nvSpPr>
+        <p:spPr>
+          <a:xfrm>
+            <a:off x="275723" y="168868"/>
+            <a:ext cx="6072995" cy="1924688"/>
+          </a:xfrm>
+          <a:prstGeom prst="rect">
+            <a:avLst/>
+          </a:prstGeom>
+          <a:noFill/>
+        </p:spPr>
+        <p:txBody>
+          <a:bodyPr wrap="square" lIns="46793" tIns="23397" rIns="46793" bIns="23397">
+            <a:spAutoFit/>
+          </a:bodyPr>
+          <a:lstStyle/>
+          <a:p>
+            <a:r>
+              <a:rPr lang="pt-BR" sz="2000" b="1" dirty="0">
+                <a:ln w="0"/>
+                <a:solidFill>
+                  <a:schemeClr val="bg1"/>
+                </a:solidFill>
+                <a:effectLst>
+                  <a:outerShdw blurRad="38100" dist="19050" dir="2700000" algn="tl" rotWithShape="0">
+                    <a:schemeClr val="dk1">
+                      <a:alpha val="40000"/>
+                    </a:schemeClr>
+                  </a:outerShdw>
+                </a:effectLst>
+              </a:rPr>
+              <a:t>Um fazendeiro mediu sua terra, de formato retangular, para cercá-la inteiramente com uma cerca de madeira. Quantos metros de cerca ele deverá fazer para sua fazenda que possui 1500 metros de largura por 2789 metros de comprimento?</a:t>
+            </a:r>
+          </a:p>
+          <a:p>
+            <a:endParaRPr lang="pt-BR" sz="2200" b="1" dirty="0">
+              <a:ln w="0"/>
+              <a:solidFill>
+                <a:schemeClr val="bg1"/>
+              </a:solidFill>
+              <a:effectLst>
+                <a:outerShdw blurRad="38100" dist="19050" dir="2700000" algn="tl" rotWithShape="0">
+                  <a:schemeClr val="dk1">
+                    <a:alpha val="40000"/>
+                  </a:schemeClr>
+                </a:outerShdw>
+              </a:effectLst>
+            </a:endParaRPr>
+          </a:p>
+        </p:txBody>
+      </p:sp>
+      <p:sp>
+        <p:nvSpPr>
+          <p:cNvPr id="15" name="Rectangle 14">
+            <a:extLst>
+              <a:ext uri="{FF2B5EF4-FFF2-40B4-BE49-F238E27FC236}">
+                <a16:creationId xmlns="" xmlns:a16="http://schemas.microsoft.com/office/drawing/2014/main" id="{88C45C25-BF1B-4018-8A33-8F627F02D4A4}"/>
+              </a:ext>
+            </a:extLst>
+          </p:cNvPr>
+          <p:cNvSpPr/>
+          <p:nvPr/>
+        </p:nvSpPr>
+        <p:spPr>
+          <a:xfrm>
+            <a:off x="357745" y="1789217"/>
+            <a:ext cx="5705958" cy="416583"/>
+          </a:xfrm>
+          <a:prstGeom prst="rect">
+            <a:avLst/>
+          </a:prstGeom>
+          <a:noFill/>
+        </p:spPr>
+        <p:txBody>
+          <a:bodyPr wrap="square" lIns="46793" tIns="23397" rIns="46793" bIns="23397">
+            <a:spAutoFit/>
+          </a:bodyPr>
+          <a:lstStyle/>
+          <a:p>
+            <a:r>
+              <a:rPr lang="pt-BR" sz="2400" b="1" dirty="0" smtClean="0">
+                <a:ln w="0"/>
+                <a:solidFill>
+                  <a:srgbClr val="FFFF00"/>
+                </a:solidFill>
+                <a:effectLst>
+                  <a:outerShdw blurRad="38100" dist="19050" dir="2700000" algn="tl" rotWithShape="0">
+                    <a:schemeClr val="dk1">
+                      <a:alpha val="40000"/>
+                    </a:schemeClr>
+                  </a:outerShdw>
+                </a:effectLst>
+              </a:rPr>
+              <a:t>A</a:t>
+            </a:r>
+            <a:r>
+              <a:rPr lang="pt-BR" sz="2400" b="1" dirty="0" smtClean="0">
+                <a:ln w="0"/>
+                <a:solidFill>
+                  <a:srgbClr val="FFFF00"/>
+                </a:solidFill>
+                <a:effectLst>
+                  <a:outerShdw blurRad="38100" dist="19050" dir="2700000" algn="tl" rotWithShape="0">
+                    <a:schemeClr val="dk1">
+                      <a:alpha val="40000"/>
+                    </a:schemeClr>
+                  </a:outerShdw>
+                </a:effectLst>
+              </a:rPr>
+              <a:t>) </a:t>
+            </a:r>
+            <a:r>
+              <a:rPr lang="pt-BR" sz="2400" i="1" dirty="0" smtClean="0">
+                <a:ln w="0"/>
+                <a:solidFill>
+                  <a:schemeClr val="bg1"/>
+                </a:solidFill>
+                <a:effectLst>
+                  <a:outerShdw blurRad="38100" dist="19050" dir="2700000" algn="tl" rotWithShape="0">
+                    <a:schemeClr val="dk1">
+                      <a:alpha val="40000"/>
+                    </a:schemeClr>
+                  </a:outerShdw>
+                </a:effectLst>
+              </a:rPr>
+              <a:t>8000 metros</a:t>
+            </a:r>
+            <a:endParaRPr lang="en-US" sz="2200" i="1" dirty="0">
+              <a:ln w="0"/>
+              <a:solidFill>
+                <a:schemeClr val="bg1"/>
+              </a:solidFill>
+              <a:effectLst>
+                <a:outerShdw blurRad="38100" dist="19050" dir="2700000" algn="tl" rotWithShape="0">
+                  <a:schemeClr val="dk1">
+                    <a:alpha val="40000"/>
+                  </a:schemeClr>
+                </a:outerShdw>
+              </a:effectLst>
+            </a:endParaRPr>
+          </a:p>
+        </p:txBody>
+      </p:sp>
+      <p:sp>
+        <p:nvSpPr>
+          <p:cNvPr id="9" name="Rectangle 14">
+            <a:extLst>
+              <a:ext uri="{FF2B5EF4-FFF2-40B4-BE49-F238E27FC236}">
+                <a16:creationId xmlns="" xmlns:a16="http://schemas.microsoft.com/office/drawing/2014/main" id="{88C45C25-BF1B-4018-8A33-8F627F02D4A4}"/>
+              </a:ext>
+            </a:extLst>
+          </p:cNvPr>
+          <p:cNvSpPr/>
+          <p:nvPr/>
+        </p:nvSpPr>
+        <p:spPr>
+          <a:xfrm>
+            <a:off x="357745" y="2205800"/>
+            <a:ext cx="5705958" cy="416583"/>
+          </a:xfrm>
+          <a:prstGeom prst="rect">
+            <a:avLst/>
+          </a:prstGeom>
+          <a:noFill/>
+        </p:spPr>
+        <p:txBody>
+          <a:bodyPr wrap="square" lIns="46793" tIns="23397" rIns="46793" bIns="23397">
+            <a:spAutoFit/>
+          </a:bodyPr>
+          <a:lstStyle/>
+          <a:p>
+            <a:r>
+              <a:rPr lang="pt-BR" sz="2400" b="1" dirty="0" smtClean="0">
+                <a:ln w="0"/>
+                <a:solidFill>
+                  <a:srgbClr val="FFFF00"/>
+                </a:solidFill>
+                <a:effectLst>
+                  <a:outerShdw blurRad="38100" dist="19050" dir="2700000" algn="tl" rotWithShape="0">
+                    <a:schemeClr val="dk1">
+                      <a:alpha val="40000"/>
+                    </a:schemeClr>
+                  </a:outerShdw>
+                </a:effectLst>
+              </a:rPr>
+              <a:t>B) </a:t>
+            </a:r>
+            <a:r>
+              <a:rPr lang="pt-BR" sz="2400" i="1" dirty="0" smtClean="0">
+                <a:ln w="0"/>
+                <a:solidFill>
+                  <a:schemeClr val="bg1"/>
+                </a:solidFill>
+                <a:effectLst>
+                  <a:outerShdw blurRad="38100" dist="19050" dir="2700000" algn="tl" rotWithShape="0">
+                    <a:schemeClr val="dk1">
+                      <a:alpha val="40000"/>
+                    </a:schemeClr>
+                  </a:outerShdw>
+                </a:effectLst>
+              </a:rPr>
+              <a:t>4289 metros</a:t>
+            </a:r>
+            <a:endParaRPr lang="en-US" sz="2400" i="1" dirty="0">
+              <a:ln w="0"/>
+              <a:solidFill>
+                <a:schemeClr val="bg1"/>
+              </a:solidFill>
+              <a:effectLst>
+                <a:outerShdw blurRad="38100" dist="19050" dir="2700000" algn="tl" rotWithShape="0">
+                  <a:schemeClr val="dk1">
+                    <a:alpha val="40000"/>
+                  </a:schemeClr>
+                </a:outerShdw>
+              </a:effectLst>
+            </a:endParaRPr>
+          </a:p>
+        </p:txBody>
+      </p:sp>
+      <p:sp>
+        <p:nvSpPr>
+          <p:cNvPr id="10" name="Rectangle 14">
+            <a:extLst>
+              <a:ext uri="{FF2B5EF4-FFF2-40B4-BE49-F238E27FC236}">
+                <a16:creationId xmlns="" xmlns:a16="http://schemas.microsoft.com/office/drawing/2014/main" id="{88C45C25-BF1B-4018-8A33-8F627F02D4A4}"/>
+              </a:ext>
+            </a:extLst>
+          </p:cNvPr>
+          <p:cNvSpPr/>
+          <p:nvPr/>
+        </p:nvSpPr>
+        <p:spPr>
+          <a:xfrm>
+            <a:off x="357745" y="2622383"/>
+            <a:ext cx="5705958" cy="785915"/>
+          </a:xfrm>
+          <a:prstGeom prst="rect">
+            <a:avLst/>
+          </a:prstGeom>
+          <a:noFill/>
+        </p:spPr>
+        <p:txBody>
+          <a:bodyPr wrap="square" lIns="46793" tIns="23397" rIns="46793" bIns="23397">
+            <a:spAutoFit/>
+          </a:bodyPr>
+          <a:lstStyle/>
+          <a:p>
+            <a:r>
+              <a:rPr lang="pt-BR" sz="2400" b="1" dirty="0">
+                <a:ln w="0"/>
+                <a:solidFill>
+                  <a:srgbClr val="FFFF00"/>
+                </a:solidFill>
+                <a:effectLst>
+                  <a:outerShdw blurRad="38100" dist="19050" dir="2700000" algn="tl" rotWithShape="0">
+                    <a:schemeClr val="dk1">
+                      <a:alpha val="40000"/>
+                    </a:schemeClr>
+                  </a:outerShdw>
+                </a:effectLst>
+              </a:rPr>
+              <a:t>C</a:t>
+            </a:r>
+            <a:r>
+              <a:rPr lang="pt-BR" sz="2400" b="1" dirty="0" smtClean="0">
+                <a:ln w="0"/>
+                <a:solidFill>
+                  <a:srgbClr val="FFFF00"/>
+                </a:solidFill>
+                <a:effectLst>
+                  <a:outerShdw blurRad="38100" dist="19050" dir="2700000" algn="tl" rotWithShape="0">
+                    <a:schemeClr val="dk1">
+                      <a:alpha val="40000"/>
+                    </a:schemeClr>
+                  </a:outerShdw>
+                </a:effectLst>
+              </a:rPr>
+              <a:t>)</a:t>
+            </a:r>
+            <a:r>
+              <a:rPr lang="pt-BR" sz="2400" i="1" dirty="0">
+                <a:ln w="0"/>
+                <a:solidFill>
+                  <a:schemeClr val="bg1"/>
+                </a:solidFill>
+                <a:effectLst>
+                  <a:outerShdw blurRad="38100" dist="19050" dir="2700000" algn="tl" rotWithShape="0">
+                    <a:schemeClr val="dk1">
+                      <a:alpha val="40000"/>
+                    </a:schemeClr>
+                  </a:outerShdw>
+                </a:effectLst>
+              </a:rPr>
+              <a:t> </a:t>
+            </a:r>
+            <a:r>
+              <a:rPr lang="pt-BR" sz="2400" i="1" dirty="0" smtClean="0">
+                <a:ln w="0"/>
+                <a:solidFill>
+                  <a:schemeClr val="bg1"/>
+                </a:solidFill>
+                <a:effectLst>
+                  <a:outerShdw blurRad="38100" dist="19050" dir="2700000" algn="tl" rotWithShape="0">
+                    <a:schemeClr val="dk1">
+                      <a:alpha val="40000"/>
+                    </a:schemeClr>
+                  </a:outerShdw>
+                </a:effectLst>
+              </a:rPr>
+              <a:t>8578 </a:t>
+            </a:r>
+            <a:r>
+              <a:rPr lang="pt-BR" sz="2400" i="1" dirty="0">
+                <a:ln w="0"/>
+                <a:solidFill>
+                  <a:schemeClr val="bg1"/>
+                </a:solidFill>
+                <a:effectLst>
+                  <a:outerShdw blurRad="38100" dist="19050" dir="2700000" algn="tl" rotWithShape="0">
+                    <a:schemeClr val="dk1">
+                      <a:alpha val="40000"/>
+                    </a:schemeClr>
+                  </a:outerShdw>
+                </a:effectLst>
+              </a:rPr>
+              <a:t>metros</a:t>
+            </a:r>
+            <a:endParaRPr lang="en-US" sz="2400" i="1" dirty="0">
+              <a:ln w="0"/>
+              <a:solidFill>
+                <a:schemeClr val="bg1"/>
+              </a:solidFill>
+              <a:effectLst>
+                <a:outerShdw blurRad="38100" dist="19050" dir="2700000" algn="tl" rotWithShape="0">
+                  <a:schemeClr val="dk1">
+                    <a:alpha val="40000"/>
+                  </a:schemeClr>
+                </a:outerShdw>
+              </a:effectLst>
+            </a:endParaRPr>
+          </a:p>
+          <a:p>
+            <a:endParaRPr lang="en-US" sz="2400" i="1" dirty="0">
+              <a:ln w="0"/>
+              <a:solidFill>
+                <a:schemeClr val="bg1"/>
+              </a:solidFill>
+              <a:effectLst>
+                <a:outerShdw blurRad="38100" dist="19050" dir="2700000" algn="tl" rotWithShape="0">
+                  <a:schemeClr val="dk1">
+                    <a:alpha val="40000"/>
+                  </a:schemeClr>
+                </a:outerShdw>
+              </a:effectLst>
+            </a:endParaRPr>
+          </a:p>
+        </p:txBody>
+      </p:sp>
+      <p:sp>
+        <p:nvSpPr>
+          <p:cNvPr id="11" name="Rectangle 14">
+            <a:extLst>
+              <a:ext uri="{FF2B5EF4-FFF2-40B4-BE49-F238E27FC236}">
+                <a16:creationId xmlns="" xmlns:a16="http://schemas.microsoft.com/office/drawing/2014/main" id="{88C45C25-BF1B-4018-8A33-8F627F02D4A4}"/>
+              </a:ext>
+            </a:extLst>
+          </p:cNvPr>
+          <p:cNvSpPr/>
+          <p:nvPr/>
+        </p:nvSpPr>
+        <p:spPr>
+          <a:xfrm>
+            <a:off x="357745" y="3038966"/>
+            <a:ext cx="5705958" cy="785915"/>
+          </a:xfrm>
+          <a:prstGeom prst="rect">
+            <a:avLst/>
+          </a:prstGeom>
+          <a:noFill/>
+        </p:spPr>
+        <p:txBody>
+          <a:bodyPr wrap="square" lIns="46793" tIns="23397" rIns="46793" bIns="23397">
+            <a:spAutoFit/>
+          </a:bodyPr>
+          <a:lstStyle/>
+          <a:p>
+            <a:r>
+              <a:rPr lang="pt-BR" sz="2400" b="1" dirty="0">
+                <a:ln w="0"/>
+                <a:solidFill>
+                  <a:srgbClr val="FFFF00"/>
+                </a:solidFill>
+                <a:effectLst>
+                  <a:outerShdw blurRad="38100" dist="19050" dir="2700000" algn="tl" rotWithShape="0">
+                    <a:schemeClr val="dk1">
+                      <a:alpha val="40000"/>
+                    </a:schemeClr>
+                  </a:outerShdw>
+                </a:effectLst>
+              </a:rPr>
+              <a:t>D</a:t>
+            </a:r>
+            <a:r>
+              <a:rPr lang="pt-BR" sz="2400" b="1" dirty="0" smtClean="0">
+                <a:ln w="0"/>
+                <a:solidFill>
+                  <a:srgbClr val="FFFF00"/>
+                </a:solidFill>
+                <a:effectLst>
+                  <a:outerShdw blurRad="38100" dist="19050" dir="2700000" algn="tl" rotWithShape="0">
+                    <a:schemeClr val="dk1">
+                      <a:alpha val="40000"/>
+                    </a:schemeClr>
+                  </a:outerShdw>
+                </a:effectLst>
+              </a:rPr>
+              <a:t>) </a:t>
+            </a:r>
+            <a:r>
+              <a:rPr lang="pt-BR" sz="2400" i="1" dirty="0" smtClean="0">
+                <a:ln w="0"/>
+                <a:solidFill>
+                  <a:schemeClr val="bg1"/>
+                </a:solidFill>
+                <a:effectLst>
+                  <a:outerShdw blurRad="38100" dist="19050" dir="2700000" algn="tl" rotWithShape="0">
+                    <a:schemeClr val="dk1">
+                      <a:alpha val="40000"/>
+                    </a:schemeClr>
+                  </a:outerShdw>
+                </a:effectLst>
+              </a:rPr>
+              <a:t>9000 </a:t>
+            </a:r>
+            <a:r>
+              <a:rPr lang="pt-BR" sz="2400" i="1" dirty="0">
+                <a:ln w="0"/>
+                <a:solidFill>
+                  <a:schemeClr val="bg1"/>
+                </a:solidFill>
+                <a:effectLst>
+                  <a:outerShdw blurRad="38100" dist="19050" dir="2700000" algn="tl" rotWithShape="0">
+                    <a:schemeClr val="dk1">
+                      <a:alpha val="40000"/>
+                    </a:schemeClr>
+                  </a:outerShdw>
+                </a:effectLst>
+              </a:rPr>
+              <a:t>metros</a:t>
+            </a:r>
+            <a:endParaRPr lang="en-US" sz="2400" i="1" dirty="0">
+              <a:ln w="0"/>
+              <a:solidFill>
+                <a:schemeClr val="bg1"/>
+              </a:solidFill>
+              <a:effectLst>
+                <a:outerShdw blurRad="38100" dist="19050" dir="2700000" algn="tl" rotWithShape="0">
+                  <a:schemeClr val="dk1">
+                    <a:alpha val="40000"/>
+                  </a:schemeClr>
+                </a:outerShdw>
+              </a:effectLst>
+            </a:endParaRPr>
+          </a:p>
+          <a:p>
+            <a:endParaRPr lang="en-US" sz="2400" i="1" dirty="0">
+              <a:ln w="0"/>
+              <a:solidFill>
+                <a:schemeClr val="bg1"/>
+              </a:solidFill>
+              <a:effectLst>
+                <a:outerShdw blurRad="38100" dist="19050" dir="2700000" algn="tl" rotWithShape="0">
+                  <a:schemeClr val="dk1">
+                    <a:alpha val="40000"/>
+                  </a:schemeClr>
+                </a:outerShdw>
+              </a:effectLst>
+            </a:endParaRPr>
+          </a:p>
+        </p:txBody>
+      </p:sp>
+    </p:spTree>
+    <p:extLst>
+      <p:ext uri="{BB962C8B-B14F-4D97-AF65-F5344CB8AC3E}">
+        <p14:creationId xmlns:p14="http://schemas.microsoft.com/office/powerpoint/2010/main" val="3031283322"/>
+      </p:ext>
+    </p:extLst>
+  </p:cSld>
+  <p:clrMapOvr>
+    <a:masterClrMapping/>
+  </p:clrMapOvr>
+  <p:transition spd="slow">
+    <p:wipe/>
+  </p:transition>
+</p:sld>
+</file>
+
+<file path=ppt/slides/slide27.xml><?xml version="1.0" encoding="utf-8"?>
+<p:sld xmlns:a="http://schemas.openxmlformats.org/drawingml/2006/main" xmlns:r="http://schemas.openxmlformats.org/officeDocument/2006/relationships" xmlns:p="http://schemas.openxmlformats.org/presentationml/2006/main">
+  <p:cSld>
+    <p:bg>
+      <p:bgPr>
+        <a:blipFill>
+          <a:blip r:embed="rId3"/>
+          <a:stretch>
+            <a:fillRect/>
+          </a:stretch>
+        </a:blipFill>
+        <a:effectLst/>
+      </p:bgPr>
+    </p:bg>
+    <p:spTree>
+      <p:nvGrpSpPr>
+        <p:cNvPr id="1" name=""/>
+        <p:cNvGrpSpPr/>
+        <p:nvPr/>
+      </p:nvGrpSpPr>
+      <p:grpSpPr>
+        <a:xfrm>
+          <a:off x="0" y="0"/>
+          <a:ext cx="0" cy="0"/>
+          <a:chOff x="0" y="0"/>
+          <a:chExt cx="0" cy="0"/>
+        </a:xfrm>
+      </p:grpSpPr>
+      <p:sp>
+        <p:nvSpPr>
+          <p:cNvPr id="2" name="Rectangle 1">
+            <a:extLst>
+              <a:ext uri="{FF2B5EF4-FFF2-40B4-BE49-F238E27FC236}">
+                <a16:creationId xmlns="" xmlns:a16="http://schemas.microsoft.com/office/drawing/2014/main" id="{4F38584F-66B2-464F-9BA7-6F9A856D602F}"/>
+              </a:ext>
+            </a:extLst>
+          </p:cNvPr>
+          <p:cNvSpPr/>
+          <p:nvPr/>
+        </p:nvSpPr>
+        <p:spPr>
+          <a:xfrm>
+            <a:off x="275723" y="168868"/>
+            <a:ext cx="6072995" cy="1924688"/>
+          </a:xfrm>
+          <a:prstGeom prst="rect">
+            <a:avLst/>
+          </a:prstGeom>
+          <a:noFill/>
+        </p:spPr>
+        <p:txBody>
+          <a:bodyPr wrap="square" lIns="46793" tIns="23397" rIns="46793" bIns="23397">
+            <a:spAutoFit/>
+          </a:bodyPr>
+          <a:lstStyle/>
+          <a:p>
+            <a:r>
+              <a:rPr lang="pt-BR" sz="2000" b="1" dirty="0">
+                <a:ln w="0"/>
+                <a:solidFill>
+                  <a:schemeClr val="bg1"/>
+                </a:solidFill>
+                <a:effectLst>
+                  <a:outerShdw blurRad="38100" dist="19050" dir="2700000" algn="tl" rotWithShape="0">
+                    <a:schemeClr val="dk1">
+                      <a:alpha val="40000"/>
+                    </a:schemeClr>
+                  </a:outerShdw>
+                </a:effectLst>
+              </a:rPr>
+              <a:t>Um fazendeiro mediu sua terra, de formato retangular, para cercá-la inteiramente com uma cerca de madeira. Quantos metros de cerca ele deverá fazer para sua fazenda que possui 1500 metros de largura por 2789 metros de comprimento?</a:t>
+            </a:r>
+          </a:p>
+          <a:p>
+            <a:endParaRPr lang="pt-BR" sz="2200" b="1" dirty="0">
+              <a:ln w="0"/>
+              <a:solidFill>
+                <a:schemeClr val="bg1"/>
+              </a:solidFill>
+              <a:effectLst>
+                <a:outerShdw blurRad="38100" dist="19050" dir="2700000" algn="tl" rotWithShape="0">
+                  <a:schemeClr val="dk1">
+                    <a:alpha val="40000"/>
+                  </a:schemeClr>
+                </a:outerShdw>
+              </a:effectLst>
+            </a:endParaRPr>
+          </a:p>
+        </p:txBody>
+      </p:sp>
+      <p:sp>
+        <p:nvSpPr>
+          <p:cNvPr id="10" name="Rectangle 14">
+            <a:extLst>
+              <a:ext uri="{FF2B5EF4-FFF2-40B4-BE49-F238E27FC236}">
+                <a16:creationId xmlns="" xmlns:a16="http://schemas.microsoft.com/office/drawing/2014/main" id="{88C45C25-BF1B-4018-8A33-8F627F02D4A4}"/>
+              </a:ext>
+            </a:extLst>
+          </p:cNvPr>
+          <p:cNvSpPr/>
+          <p:nvPr/>
+        </p:nvSpPr>
+        <p:spPr>
+          <a:xfrm>
+            <a:off x="357745" y="2229425"/>
+            <a:ext cx="5705958" cy="785915"/>
+          </a:xfrm>
+          <a:prstGeom prst="rect">
+            <a:avLst/>
+          </a:prstGeom>
+          <a:noFill/>
+        </p:spPr>
+        <p:txBody>
+          <a:bodyPr wrap="square" lIns="46793" tIns="23397" rIns="46793" bIns="23397">
+            <a:spAutoFit/>
+          </a:bodyPr>
+          <a:lstStyle/>
+          <a:p>
+            <a:r>
+              <a:rPr lang="pt-BR" sz="2400" b="1" dirty="0" smtClean="0">
+                <a:ln w="0"/>
+                <a:solidFill>
+                  <a:srgbClr val="FFFF00"/>
+                </a:solidFill>
+                <a:effectLst>
+                  <a:outerShdw blurRad="38100" dist="19050" dir="2700000" algn="tl" rotWithShape="0">
+                    <a:schemeClr val="dk1">
+                      <a:alpha val="40000"/>
+                    </a:schemeClr>
+                  </a:outerShdw>
+                </a:effectLst>
+              </a:rPr>
+              <a:t>C)</a:t>
+            </a:r>
+            <a:r>
+              <a:rPr lang="pt-BR" sz="2400" i="1" dirty="0" smtClean="0">
+                <a:ln w="0"/>
+                <a:solidFill>
+                  <a:schemeClr val="bg1"/>
+                </a:solidFill>
+                <a:effectLst>
+                  <a:outerShdw blurRad="38100" dist="19050" dir="2700000" algn="tl" rotWithShape="0">
+                    <a:schemeClr val="dk1">
+                      <a:alpha val="40000"/>
+                    </a:schemeClr>
+                  </a:outerShdw>
+                </a:effectLst>
+              </a:rPr>
+              <a:t> 8578 metros</a:t>
+            </a:r>
+            <a:endParaRPr lang="en-US" sz="2400" i="1" dirty="0" smtClean="0">
+              <a:ln w="0"/>
+              <a:solidFill>
+                <a:schemeClr val="bg1"/>
+              </a:solidFill>
+              <a:effectLst>
+                <a:outerShdw blurRad="38100" dist="19050" dir="2700000" algn="tl" rotWithShape="0">
+                  <a:schemeClr val="dk1">
+                    <a:alpha val="40000"/>
+                  </a:schemeClr>
+                </a:outerShdw>
+              </a:effectLst>
+            </a:endParaRPr>
+          </a:p>
+          <a:p>
+            <a:endParaRPr lang="en-US" sz="2400" i="1" dirty="0">
+              <a:ln w="0"/>
+              <a:solidFill>
+                <a:schemeClr val="bg1"/>
+              </a:solidFill>
+              <a:effectLst>
+                <a:outerShdw blurRad="38100" dist="19050" dir="2700000" algn="tl" rotWithShape="0">
+                  <a:schemeClr val="dk1">
+                    <a:alpha val="40000"/>
+                  </a:schemeClr>
+                </a:outerShdw>
+              </a:effectLst>
+            </a:endParaRPr>
+          </a:p>
+        </p:txBody>
+      </p:sp>
+    </p:spTree>
+    <p:extLst>
+      <p:ext uri="{BB962C8B-B14F-4D97-AF65-F5344CB8AC3E}">
+        <p14:creationId xmlns:p14="http://schemas.microsoft.com/office/powerpoint/2010/main" val="3390733801"/>
+      </p:ext>
+    </p:extLst>
+  </p:cSld>
+  <p:clrMapOvr>
+    <a:masterClrMapping/>
+  </p:clrMapOvr>
+  <p:transition spd="slow">
+    <p:wipe/>
+  </p:transition>
+</p:sld>
+</file>
+
+<file path=ppt/slides/slide28.xml><?xml version="1.0" encoding="utf-8"?>
+<p:sld xmlns:a="http://schemas.openxmlformats.org/drawingml/2006/main" xmlns:r="http://schemas.openxmlformats.org/officeDocument/2006/relationships" xmlns:p="http://schemas.openxmlformats.org/presentationml/2006/main">
+  <p:cSld>
+    <p:bg>
+      <p:bgPr>
+        <a:blipFill>
+          <a:blip r:embed="rId3"/>
+          <a:stretch>
+            <a:fillRect/>
+          </a:stretch>
+        </a:blipFill>
+        <a:effectLst/>
+      </p:bgPr>
+    </p:bg>
+    <p:spTree>
+      <p:nvGrpSpPr>
+        <p:cNvPr id="1" name=""/>
+        <p:cNvGrpSpPr/>
+        <p:nvPr/>
+      </p:nvGrpSpPr>
+      <p:grpSpPr>
+        <a:xfrm>
+          <a:off x="0" y="0"/>
+          <a:ext cx="0" cy="0"/>
+          <a:chOff x="0" y="0"/>
+          <a:chExt cx="0" cy="0"/>
+        </a:xfrm>
+      </p:grpSpPr>
+      <p:sp>
+        <p:nvSpPr>
+          <p:cNvPr id="2" name="Rectangle 1">
+            <a:extLst>
+              <a:ext uri="{FF2B5EF4-FFF2-40B4-BE49-F238E27FC236}">
+                <a16:creationId xmlns="" xmlns:a16="http://schemas.microsoft.com/office/drawing/2014/main" id="{4F38584F-66B2-464F-9BA7-6F9A856D602F}"/>
+              </a:ext>
+            </a:extLst>
+          </p:cNvPr>
+          <p:cNvSpPr/>
+          <p:nvPr/>
+        </p:nvSpPr>
+        <p:spPr>
+          <a:xfrm>
+            <a:off x="275723" y="168868"/>
+            <a:ext cx="6072995" cy="662804"/>
+          </a:xfrm>
+          <a:prstGeom prst="rect">
+            <a:avLst/>
+          </a:prstGeom>
+          <a:noFill/>
+        </p:spPr>
+        <p:txBody>
+          <a:bodyPr wrap="square" lIns="46793" tIns="23397" rIns="46793" bIns="23397">
+            <a:spAutoFit/>
+          </a:bodyPr>
+          <a:lstStyle/>
+          <a:p>
+            <a:r>
+              <a:rPr lang="pt-BR" sz="2000" b="1" dirty="0">
+                <a:ln w="0"/>
+                <a:solidFill>
+                  <a:schemeClr val="bg1"/>
+                </a:solidFill>
+                <a:effectLst>
+                  <a:outerShdw blurRad="38100" dist="19050" dir="2700000" algn="tl" rotWithShape="0">
+                    <a:schemeClr val="dk1">
+                      <a:alpha val="40000"/>
+                    </a:schemeClr>
+                  </a:outerShdw>
+                </a:effectLst>
+              </a:rPr>
+              <a:t>A respeito das propriedades da adição, assinale a alternativa correta:</a:t>
+            </a:r>
+            <a:endParaRPr lang="pt-BR" sz="2200" b="1" dirty="0">
+              <a:ln w="0"/>
+              <a:solidFill>
+                <a:schemeClr val="bg1"/>
+              </a:solidFill>
+              <a:effectLst>
+                <a:outerShdw blurRad="38100" dist="19050" dir="2700000" algn="tl" rotWithShape="0">
+                  <a:schemeClr val="dk1">
+                    <a:alpha val="40000"/>
+                  </a:schemeClr>
+                </a:outerShdw>
+              </a:effectLst>
+            </a:endParaRPr>
+          </a:p>
+        </p:txBody>
+      </p:sp>
+      <p:sp>
+        <p:nvSpPr>
+          <p:cNvPr id="15" name="Rectangle 14">
+            <a:extLst>
+              <a:ext uri="{FF2B5EF4-FFF2-40B4-BE49-F238E27FC236}">
+                <a16:creationId xmlns="" xmlns:a16="http://schemas.microsoft.com/office/drawing/2014/main" id="{88C45C25-BF1B-4018-8A33-8F627F02D4A4}"/>
+              </a:ext>
+            </a:extLst>
+          </p:cNvPr>
+          <p:cNvSpPr/>
+          <p:nvPr/>
+        </p:nvSpPr>
+        <p:spPr>
+          <a:xfrm>
+            <a:off x="275723" y="893861"/>
+            <a:ext cx="5705958" cy="662804"/>
+          </a:xfrm>
+          <a:prstGeom prst="rect">
+            <a:avLst/>
+          </a:prstGeom>
+          <a:noFill/>
+        </p:spPr>
+        <p:txBody>
+          <a:bodyPr wrap="square" lIns="46793" tIns="23397" rIns="46793" bIns="23397">
+            <a:spAutoFit/>
+          </a:bodyPr>
+          <a:lstStyle/>
+          <a:p>
+            <a:r>
+              <a:rPr lang="pt-BR" sz="2400" b="1" dirty="0" smtClean="0">
+                <a:ln w="0"/>
+                <a:solidFill>
+                  <a:srgbClr val="FFFF00"/>
+                </a:solidFill>
+                <a:effectLst>
+                  <a:outerShdw blurRad="38100" dist="19050" dir="2700000" algn="tl" rotWithShape="0">
+                    <a:schemeClr val="dk1">
+                      <a:alpha val="40000"/>
+                    </a:schemeClr>
+                  </a:outerShdw>
+                </a:effectLst>
+              </a:rPr>
+              <a:t>A</a:t>
+            </a:r>
+            <a:r>
+              <a:rPr lang="pt-BR" sz="2400" b="1" dirty="0" smtClean="0">
+                <a:ln w="0"/>
+                <a:solidFill>
+                  <a:srgbClr val="FFFF00"/>
+                </a:solidFill>
+                <a:effectLst>
+                  <a:outerShdw blurRad="38100" dist="19050" dir="2700000" algn="tl" rotWithShape="0">
+                    <a:schemeClr val="dk1">
+                      <a:alpha val="40000"/>
+                    </a:schemeClr>
+                  </a:outerShdw>
+                </a:effectLst>
+              </a:rPr>
+              <a:t>)</a:t>
+            </a:r>
+            <a:r>
+              <a:rPr lang="pt-BR" sz="2400" dirty="0"/>
+              <a:t> </a:t>
+            </a:r>
+            <a:r>
+              <a:rPr lang="pt-BR" sz="1600" dirty="0">
+                <a:solidFill>
+                  <a:schemeClr val="bg1"/>
+                </a:solidFill>
+              </a:rPr>
+              <a:t>Comutatividade é a propriedade de acordo com a qual uma parcela somada ao elemento neutro é a própria parcela.</a:t>
+            </a:r>
+            <a:endParaRPr lang="en-US" sz="1600" i="1" dirty="0">
+              <a:ln w="0"/>
+              <a:solidFill>
+                <a:schemeClr val="bg1"/>
+              </a:solidFill>
+              <a:effectLst>
+                <a:outerShdw blurRad="38100" dist="19050" dir="2700000" algn="tl" rotWithShape="0">
+                  <a:schemeClr val="dk1">
+                    <a:alpha val="40000"/>
+                  </a:schemeClr>
+                </a:outerShdw>
+              </a:effectLst>
+            </a:endParaRPr>
+          </a:p>
+        </p:txBody>
+      </p:sp>
+      <p:sp>
+        <p:nvSpPr>
+          <p:cNvPr id="9" name="Rectangle 14">
+            <a:extLst>
+              <a:ext uri="{FF2B5EF4-FFF2-40B4-BE49-F238E27FC236}">
+                <a16:creationId xmlns="" xmlns:a16="http://schemas.microsoft.com/office/drawing/2014/main" id="{88C45C25-BF1B-4018-8A33-8F627F02D4A4}"/>
+              </a:ext>
+            </a:extLst>
+          </p:cNvPr>
+          <p:cNvSpPr/>
+          <p:nvPr/>
+        </p:nvSpPr>
+        <p:spPr>
+          <a:xfrm>
+            <a:off x="275723" y="1617678"/>
+            <a:ext cx="5705958" cy="662804"/>
+          </a:xfrm>
+          <a:prstGeom prst="rect">
+            <a:avLst/>
+          </a:prstGeom>
+          <a:noFill/>
+        </p:spPr>
+        <p:txBody>
+          <a:bodyPr wrap="square" lIns="46793" tIns="23397" rIns="46793" bIns="23397">
+            <a:spAutoFit/>
+          </a:bodyPr>
+          <a:lstStyle/>
+          <a:p>
+            <a:r>
+              <a:rPr lang="pt-BR" sz="2400" b="1" dirty="0" smtClean="0">
+                <a:ln w="0"/>
+                <a:solidFill>
+                  <a:srgbClr val="FFFF00"/>
+                </a:solidFill>
+                <a:effectLst>
+                  <a:outerShdw blurRad="38100" dist="19050" dir="2700000" algn="tl" rotWithShape="0">
+                    <a:schemeClr val="dk1">
+                      <a:alpha val="40000"/>
+                    </a:schemeClr>
+                  </a:outerShdw>
+                </a:effectLst>
+              </a:rPr>
+              <a:t>B) </a:t>
+            </a:r>
+            <a:r>
+              <a:rPr lang="pt-BR" sz="1600" i="1" dirty="0">
+                <a:solidFill>
+                  <a:schemeClr val="bg1"/>
+                </a:solidFill>
+              </a:rPr>
+              <a:t>Elemento inverso é o número zero, e a soma de qualquer parcela com esse elemento resulta na própria parcela.</a:t>
+            </a:r>
+            <a:endParaRPr lang="en-US" sz="1600" i="1" dirty="0">
+              <a:ln w="0"/>
+              <a:solidFill>
+                <a:schemeClr val="bg1"/>
+              </a:solidFill>
+              <a:effectLst>
+                <a:outerShdw blurRad="38100" dist="19050" dir="2700000" algn="tl" rotWithShape="0">
+                  <a:schemeClr val="dk1">
+                    <a:alpha val="40000"/>
+                  </a:schemeClr>
+                </a:outerShdw>
+              </a:effectLst>
+            </a:endParaRPr>
+          </a:p>
+        </p:txBody>
+      </p:sp>
+      <p:sp>
+        <p:nvSpPr>
+          <p:cNvPr id="10" name="Rectangle 14">
+            <a:extLst>
+              <a:ext uri="{FF2B5EF4-FFF2-40B4-BE49-F238E27FC236}">
+                <a16:creationId xmlns="" xmlns:a16="http://schemas.microsoft.com/office/drawing/2014/main" id="{88C45C25-BF1B-4018-8A33-8F627F02D4A4}"/>
+              </a:ext>
+            </a:extLst>
+          </p:cNvPr>
+          <p:cNvSpPr/>
+          <p:nvPr/>
+        </p:nvSpPr>
+        <p:spPr>
+          <a:xfrm>
+            <a:off x="275723" y="2341495"/>
+            <a:ext cx="5705958" cy="1032136"/>
+          </a:xfrm>
+          <a:prstGeom prst="rect">
+            <a:avLst/>
+          </a:prstGeom>
+          <a:noFill/>
+        </p:spPr>
+        <p:txBody>
+          <a:bodyPr wrap="square" lIns="46793" tIns="23397" rIns="46793" bIns="23397">
+            <a:spAutoFit/>
+          </a:bodyPr>
+          <a:lstStyle/>
+          <a:p>
+            <a:r>
+              <a:rPr lang="pt-BR" sz="2400" b="1" dirty="0">
+                <a:ln w="0"/>
+                <a:solidFill>
+                  <a:srgbClr val="FFFF00"/>
+                </a:solidFill>
+                <a:effectLst>
+                  <a:outerShdw blurRad="38100" dist="19050" dir="2700000" algn="tl" rotWithShape="0">
+                    <a:schemeClr val="dk1">
+                      <a:alpha val="40000"/>
+                    </a:schemeClr>
+                  </a:outerShdw>
+                </a:effectLst>
+              </a:rPr>
+              <a:t>C</a:t>
+            </a:r>
+            <a:r>
+              <a:rPr lang="pt-BR" sz="2400" b="1" dirty="0" smtClean="0">
+                <a:ln w="0"/>
+                <a:solidFill>
+                  <a:srgbClr val="FFFF00"/>
+                </a:solidFill>
+                <a:effectLst>
+                  <a:outerShdw blurRad="38100" dist="19050" dir="2700000" algn="tl" rotWithShape="0">
+                    <a:schemeClr val="dk1">
+                      <a:alpha val="40000"/>
+                    </a:schemeClr>
+                  </a:outerShdw>
+                </a:effectLst>
+              </a:rPr>
+              <a:t>)</a:t>
+            </a:r>
+            <a:r>
+              <a:rPr lang="pt-BR" sz="2400" i="1" dirty="0">
+                <a:ln w="0"/>
+                <a:solidFill>
+                  <a:schemeClr val="bg1"/>
+                </a:solidFill>
+                <a:effectLst>
+                  <a:outerShdw blurRad="38100" dist="19050" dir="2700000" algn="tl" rotWithShape="0">
+                    <a:schemeClr val="dk1">
+                      <a:alpha val="40000"/>
+                    </a:schemeClr>
+                  </a:outerShdw>
+                </a:effectLst>
+              </a:rPr>
+              <a:t> </a:t>
+            </a:r>
+            <a:r>
+              <a:rPr lang="pt-BR" sz="1600" i="1" dirty="0">
+                <a:solidFill>
+                  <a:schemeClr val="bg1"/>
+                </a:solidFill>
+              </a:rPr>
+              <a:t>Associatividade é a propriedade que permite trocar a ordem de uma soma: a + b = b + a.</a:t>
+            </a:r>
+            <a:endParaRPr lang="en-US" sz="1600" i="1" dirty="0">
+              <a:ln w="0"/>
+              <a:solidFill>
+                <a:schemeClr val="bg1"/>
+              </a:solidFill>
+              <a:effectLst>
+                <a:outerShdw blurRad="38100" dist="19050" dir="2700000" algn="tl" rotWithShape="0">
+                  <a:schemeClr val="dk1">
+                    <a:alpha val="40000"/>
+                  </a:schemeClr>
+                </a:outerShdw>
+              </a:effectLst>
+            </a:endParaRPr>
+          </a:p>
+          <a:p>
+            <a:endParaRPr lang="en-US" sz="2400" i="1" dirty="0">
+              <a:ln w="0"/>
+              <a:solidFill>
+                <a:schemeClr val="bg1"/>
+              </a:solidFill>
+              <a:effectLst>
+                <a:outerShdw blurRad="38100" dist="19050" dir="2700000" algn="tl" rotWithShape="0">
+                  <a:schemeClr val="dk1">
+                    <a:alpha val="40000"/>
+                  </a:schemeClr>
+                </a:outerShdw>
+              </a:effectLst>
+            </a:endParaRPr>
+          </a:p>
+        </p:txBody>
+      </p:sp>
+      <p:sp>
+        <p:nvSpPr>
+          <p:cNvPr id="11" name="Rectangle 14">
+            <a:extLst>
+              <a:ext uri="{FF2B5EF4-FFF2-40B4-BE49-F238E27FC236}">
+                <a16:creationId xmlns="" xmlns:a16="http://schemas.microsoft.com/office/drawing/2014/main" id="{88C45C25-BF1B-4018-8A33-8F627F02D4A4}"/>
+              </a:ext>
+            </a:extLst>
+          </p:cNvPr>
+          <p:cNvSpPr/>
+          <p:nvPr/>
+        </p:nvSpPr>
+        <p:spPr>
+          <a:xfrm>
+            <a:off x="275723" y="2919325"/>
+            <a:ext cx="5705958" cy="785915"/>
+          </a:xfrm>
+          <a:prstGeom prst="rect">
+            <a:avLst/>
+          </a:prstGeom>
+          <a:noFill/>
+        </p:spPr>
+        <p:txBody>
+          <a:bodyPr wrap="square" lIns="46793" tIns="23397" rIns="46793" bIns="23397">
+            <a:spAutoFit/>
+          </a:bodyPr>
+          <a:lstStyle/>
+          <a:p>
+            <a:r>
+              <a:rPr lang="pt-BR" sz="2400" b="1" dirty="0">
+                <a:ln w="0"/>
+                <a:solidFill>
+                  <a:srgbClr val="FFFF00"/>
+                </a:solidFill>
+                <a:effectLst>
+                  <a:outerShdw blurRad="38100" dist="19050" dir="2700000" algn="tl" rotWithShape="0">
+                    <a:schemeClr val="dk1">
+                      <a:alpha val="40000"/>
+                    </a:schemeClr>
+                  </a:outerShdw>
+                </a:effectLst>
+              </a:rPr>
+              <a:t>D</a:t>
+            </a:r>
+            <a:r>
+              <a:rPr lang="pt-BR" sz="2400" b="1" dirty="0" smtClean="0">
+                <a:ln w="0"/>
+                <a:solidFill>
+                  <a:srgbClr val="FFFF00"/>
+                </a:solidFill>
+                <a:effectLst>
+                  <a:outerShdw blurRad="38100" dist="19050" dir="2700000" algn="tl" rotWithShape="0">
+                    <a:schemeClr val="dk1">
+                      <a:alpha val="40000"/>
+                    </a:schemeClr>
+                  </a:outerShdw>
+                </a:effectLst>
+              </a:rPr>
+              <a:t>)</a:t>
+            </a:r>
+            <a:r>
+              <a:rPr lang="pt-BR" sz="2400" dirty="0"/>
+              <a:t> </a:t>
+            </a:r>
+            <a:r>
+              <a:rPr lang="pt-BR" sz="1600" i="1" dirty="0">
+                <a:solidFill>
+                  <a:schemeClr val="bg1"/>
+                </a:solidFill>
+              </a:rPr>
+              <a:t>O elemento neutro da adição é o zero</a:t>
+            </a:r>
+            <a:r>
+              <a:rPr lang="pt-BR" sz="1600" dirty="0"/>
+              <a:t>.</a:t>
+            </a:r>
+          </a:p>
+          <a:p>
+            <a:endParaRPr lang="en-US" sz="2400" i="1" dirty="0">
+              <a:ln w="0"/>
+              <a:solidFill>
+                <a:schemeClr val="bg1"/>
+              </a:solidFill>
+              <a:effectLst>
+                <a:outerShdw blurRad="38100" dist="19050" dir="2700000" algn="tl" rotWithShape="0">
+                  <a:schemeClr val="dk1">
+                    <a:alpha val="40000"/>
+                  </a:schemeClr>
+                </a:outerShdw>
+              </a:effectLst>
+            </a:endParaRPr>
+          </a:p>
+        </p:txBody>
+      </p:sp>
+    </p:spTree>
+    <p:extLst>
+      <p:ext uri="{BB962C8B-B14F-4D97-AF65-F5344CB8AC3E}">
+        <p14:creationId xmlns:p14="http://schemas.microsoft.com/office/powerpoint/2010/main" val="3109477556"/>
+      </p:ext>
+    </p:extLst>
+  </p:cSld>
+  <p:clrMapOvr>
+    <a:masterClrMapping/>
+  </p:clrMapOvr>
+  <p:transition spd="slow">
+    <p:wipe/>
+  </p:transition>
+</p:sld>
+</file>
+
+<file path=ppt/slides/slide29.xml><?xml version="1.0" encoding="utf-8"?>
+<p:sld xmlns:a="http://schemas.openxmlformats.org/drawingml/2006/main" xmlns:r="http://schemas.openxmlformats.org/officeDocument/2006/relationships" xmlns:p="http://schemas.openxmlformats.org/presentationml/2006/main">
+  <p:cSld>
+    <p:bg>
+      <p:bgPr>
+        <a:blipFill>
+          <a:blip r:embed="rId3"/>
+          <a:stretch>
+            <a:fillRect/>
+          </a:stretch>
+        </a:blipFill>
+        <a:effectLst/>
+      </p:bgPr>
+    </p:bg>
+    <p:spTree>
+      <p:nvGrpSpPr>
+        <p:cNvPr id="1" name=""/>
+        <p:cNvGrpSpPr/>
+        <p:nvPr/>
+      </p:nvGrpSpPr>
+      <p:grpSpPr>
+        <a:xfrm>
+          <a:off x="0" y="0"/>
+          <a:ext cx="0" cy="0"/>
+          <a:chOff x="0" y="0"/>
+          <a:chExt cx="0" cy="0"/>
+        </a:xfrm>
+      </p:grpSpPr>
+      <p:sp>
+        <p:nvSpPr>
+          <p:cNvPr id="2" name="Rectangle 1">
+            <a:extLst>
+              <a:ext uri="{FF2B5EF4-FFF2-40B4-BE49-F238E27FC236}">
+                <a16:creationId xmlns="" xmlns:a16="http://schemas.microsoft.com/office/drawing/2014/main" id="{4F38584F-66B2-464F-9BA7-6F9A856D602F}"/>
+              </a:ext>
+            </a:extLst>
+          </p:cNvPr>
+          <p:cNvSpPr/>
+          <p:nvPr/>
+        </p:nvSpPr>
+        <p:spPr>
+          <a:xfrm>
+            <a:off x="275723" y="168868"/>
+            <a:ext cx="6072995" cy="785915"/>
+          </a:xfrm>
+          <a:prstGeom prst="rect">
+            <a:avLst/>
+          </a:prstGeom>
+          <a:noFill/>
+        </p:spPr>
+        <p:txBody>
+          <a:bodyPr wrap="square" lIns="46793" tIns="23397" rIns="46793" bIns="23397">
+            <a:spAutoFit/>
+          </a:bodyPr>
+          <a:lstStyle/>
+          <a:p>
+            <a:r>
+              <a:rPr lang="pt-BR" sz="2400" b="1" dirty="0">
+                <a:ln w="0"/>
+                <a:solidFill>
+                  <a:schemeClr val="bg1"/>
+                </a:solidFill>
+                <a:effectLst>
+                  <a:outerShdw blurRad="38100" dist="19050" dir="2700000" algn="tl" rotWithShape="0">
+                    <a:schemeClr val="dk1">
+                      <a:alpha val="40000"/>
+                    </a:schemeClr>
+                  </a:outerShdw>
+                </a:effectLst>
+              </a:rPr>
+              <a:t>A respeito das propriedades da adição, assinale a alternativa correta:</a:t>
+            </a:r>
+          </a:p>
+        </p:txBody>
+      </p:sp>
+      <p:sp>
+        <p:nvSpPr>
+          <p:cNvPr id="11" name="Rectangle 14">
+            <a:extLst>
+              <a:ext uri="{FF2B5EF4-FFF2-40B4-BE49-F238E27FC236}">
+                <a16:creationId xmlns="" xmlns:a16="http://schemas.microsoft.com/office/drawing/2014/main" id="{88C45C25-BF1B-4018-8A33-8F627F02D4A4}"/>
+              </a:ext>
+            </a:extLst>
+          </p:cNvPr>
+          <p:cNvSpPr/>
+          <p:nvPr/>
+        </p:nvSpPr>
+        <p:spPr>
+          <a:xfrm>
+            <a:off x="275723" y="1628910"/>
+            <a:ext cx="5705958" cy="785915"/>
+          </a:xfrm>
+          <a:prstGeom prst="rect">
+            <a:avLst/>
+          </a:prstGeom>
+          <a:noFill/>
+        </p:spPr>
+        <p:txBody>
+          <a:bodyPr wrap="square" lIns="46793" tIns="23397" rIns="46793" bIns="23397">
+            <a:spAutoFit/>
+          </a:bodyPr>
+          <a:lstStyle/>
+          <a:p>
+            <a:r>
+              <a:rPr lang="pt-BR" sz="2400" b="1" dirty="0">
+                <a:ln w="0"/>
+                <a:solidFill>
+                  <a:srgbClr val="FFFF00"/>
+                </a:solidFill>
+                <a:effectLst>
+                  <a:outerShdw blurRad="38100" dist="19050" dir="2700000" algn="tl" rotWithShape="0">
+                    <a:schemeClr val="dk1">
+                      <a:alpha val="40000"/>
+                    </a:schemeClr>
+                  </a:outerShdw>
+                </a:effectLst>
+              </a:rPr>
+              <a:t>D</a:t>
+            </a:r>
+            <a:r>
+              <a:rPr lang="pt-BR" sz="2400" b="1" dirty="0" smtClean="0">
+                <a:ln w="0"/>
+                <a:solidFill>
+                  <a:srgbClr val="FFFF00"/>
+                </a:solidFill>
+                <a:effectLst>
+                  <a:outerShdw blurRad="38100" dist="19050" dir="2700000" algn="tl" rotWithShape="0">
+                    <a:schemeClr val="dk1">
+                      <a:alpha val="40000"/>
+                    </a:schemeClr>
+                  </a:outerShdw>
+                </a:effectLst>
+              </a:rPr>
+              <a:t>)</a:t>
+            </a:r>
+            <a:r>
+              <a:rPr lang="pt-BR" sz="2400" dirty="0"/>
+              <a:t> </a:t>
+            </a:r>
+            <a:r>
+              <a:rPr lang="pt-BR" sz="2400" i="1" dirty="0">
+                <a:solidFill>
+                  <a:schemeClr val="bg1"/>
+                </a:solidFill>
+              </a:rPr>
+              <a:t>O elemento neutro da adição é o zero</a:t>
+            </a:r>
+            <a:r>
+              <a:rPr lang="pt-BR" sz="1600" dirty="0"/>
+              <a:t>.</a:t>
+            </a:r>
+          </a:p>
+          <a:p>
+            <a:endParaRPr lang="en-US" sz="2400" i="1" dirty="0">
+              <a:ln w="0"/>
+              <a:solidFill>
+                <a:schemeClr val="bg1"/>
+              </a:solidFill>
+              <a:effectLst>
+                <a:outerShdw blurRad="38100" dist="19050" dir="2700000" algn="tl" rotWithShape="0">
+                  <a:schemeClr val="dk1">
+                    <a:alpha val="40000"/>
+                  </a:schemeClr>
+                </a:outerShdw>
+              </a:effectLst>
+            </a:endParaRPr>
+          </a:p>
+        </p:txBody>
+      </p:sp>
+    </p:spTree>
+    <p:extLst>
+      <p:ext uri="{BB962C8B-B14F-4D97-AF65-F5344CB8AC3E}">
+        <p14:creationId xmlns:p14="http://schemas.microsoft.com/office/powerpoint/2010/main" val="364520556"/>
       </p:ext>
     </p:extLst>
   </p:cSld>
@@ -22779,7 +25498,7 @@
           <p:cNvPr id="2" name="Rectangle 1">
             <a:extLst>
               <a:ext uri="{FF2B5EF4-FFF2-40B4-BE49-F238E27FC236}">
-                <a16:creationId xmlns:a16="http://schemas.microsoft.com/office/drawing/2014/main" xmlns="" id="{4F38584F-66B2-464F-9BA7-6F9A856D602F}"/>
+                <a16:creationId xmlns="" xmlns:a16="http://schemas.microsoft.com/office/drawing/2014/main" id="{4F38584F-66B2-464F-9BA7-6F9A856D602F}"/>
               </a:ext>
             </a:extLst>
           </p:cNvPr>
@@ -22839,7 +25558,7 @@
           <p:cNvPr id="15" name="Rectangle 14">
             <a:extLst>
               <a:ext uri="{FF2B5EF4-FFF2-40B4-BE49-F238E27FC236}">
-                <a16:creationId xmlns:a16="http://schemas.microsoft.com/office/drawing/2014/main" xmlns="" id="{88C45C25-BF1B-4018-8A33-8F627F02D4A4}"/>
+                <a16:creationId xmlns="" xmlns:a16="http://schemas.microsoft.com/office/drawing/2014/main" id="{88C45C25-BF1B-4018-8A33-8F627F02D4A4}"/>
               </a:ext>
             </a:extLst>
           </p:cNvPr>
@@ -22876,23 +25595,7 @@
                   </a:outerShdw>
                 </a:effectLst>
               </a:rPr>
-              <a:t>A</a:t>
-            </a:r>
-            <a:r>
-              <a:rPr lang="pt-BR" sz="2400" b="1" dirty="0">
-                <a:ln w="0"/>
-                <a:solidFill>
-                  <a:srgbClr val="FFFF00"/>
-                </a:solidFill>
-                <a:effectLst>
-                  <a:outerShdw blurRad="38100" dist="19050" dir="2700000" algn="tl" rotWithShape="0">
-                    <a:schemeClr val="dk1">
-                      <a:alpha val="40000"/>
-                    </a:schemeClr>
-                  </a:outerShdw>
-                </a:effectLst>
-              </a:rPr>
-              <a:t>)</a:t>
+              <a:t>A)</a:t>
             </a:r>
             <a:endParaRPr lang="en-US" sz="2400" dirty="0">
               <a:ln w="0"/>
@@ -22915,7 +25618,7 @@
           <p:cNvPr id="9" name="Rectangle 14">
             <a:extLst>
               <a:ext uri="{FF2B5EF4-FFF2-40B4-BE49-F238E27FC236}">
-                <a16:creationId xmlns:a16="http://schemas.microsoft.com/office/drawing/2014/main" xmlns="" id="{88C45C25-BF1B-4018-8A33-8F627F02D4A4}"/>
+                <a16:creationId xmlns="" xmlns:a16="http://schemas.microsoft.com/office/drawing/2014/main" id="{88C45C25-BF1B-4018-8A33-8F627F02D4A4}"/>
               </a:ext>
             </a:extLst>
           </p:cNvPr>
@@ -22975,7 +25678,7 @@
           <p:cNvPr id="10" name="Rectangle 14">
             <a:extLst>
               <a:ext uri="{FF2B5EF4-FFF2-40B4-BE49-F238E27FC236}">
-                <a16:creationId xmlns:a16="http://schemas.microsoft.com/office/drawing/2014/main" xmlns="" id="{88C45C25-BF1B-4018-8A33-8F627F02D4A4}"/>
+                <a16:creationId xmlns="" xmlns:a16="http://schemas.microsoft.com/office/drawing/2014/main" id="{88C45C25-BF1B-4018-8A33-8F627F02D4A4}"/>
               </a:ext>
             </a:extLst>
           </p:cNvPr>
@@ -23067,7 +25770,7 @@
           <p:cNvPr id="11" name="Rectangle 14">
             <a:extLst>
               <a:ext uri="{FF2B5EF4-FFF2-40B4-BE49-F238E27FC236}">
-                <a16:creationId xmlns:a16="http://schemas.microsoft.com/office/drawing/2014/main" xmlns="" id="{88C45C25-BF1B-4018-8A33-8F627F02D4A4}"/>
+                <a16:creationId xmlns="" xmlns:a16="http://schemas.microsoft.com/office/drawing/2014/main" id="{88C45C25-BF1B-4018-8A33-8F627F02D4A4}"/>
               </a:ext>
             </a:extLst>
           </p:cNvPr>
@@ -23126,6 +25829,788 @@
     <p:extLst>
       <p:ext uri="{BB962C8B-B14F-4D97-AF65-F5344CB8AC3E}">
         <p14:creationId xmlns:p14="http://schemas.microsoft.com/office/powerpoint/2010/main" val="650130948"/>
+      </p:ext>
+    </p:extLst>
+  </p:cSld>
+  <p:clrMapOvr>
+    <a:masterClrMapping/>
+  </p:clrMapOvr>
+  <p:transition spd="slow">
+    <p:wipe/>
+  </p:transition>
+</p:sld>
+</file>
+
+<file path=ppt/slides/slide30.xml><?xml version="1.0" encoding="utf-8"?>
+<p:sld xmlns:a="http://schemas.openxmlformats.org/drawingml/2006/main" xmlns:r="http://schemas.openxmlformats.org/officeDocument/2006/relationships" xmlns:p="http://schemas.openxmlformats.org/presentationml/2006/main">
+  <p:cSld>
+    <p:bg>
+      <p:bgPr>
+        <a:blipFill>
+          <a:blip r:embed="rId3"/>
+          <a:stretch>
+            <a:fillRect/>
+          </a:stretch>
+        </a:blipFill>
+        <a:effectLst/>
+      </p:bgPr>
+    </p:bg>
+    <p:spTree>
+      <p:nvGrpSpPr>
+        <p:cNvPr id="1" name=""/>
+        <p:cNvGrpSpPr/>
+        <p:nvPr/>
+      </p:nvGrpSpPr>
+      <p:grpSpPr>
+        <a:xfrm>
+          <a:off x="0" y="0"/>
+          <a:ext cx="0" cy="0"/>
+          <a:chOff x="0" y="0"/>
+          <a:chExt cx="0" cy="0"/>
+        </a:xfrm>
+      </p:grpSpPr>
+      <p:sp>
+        <p:nvSpPr>
+          <p:cNvPr id="2" name="Rectangle 1">
+            <a:extLst>
+              <a:ext uri="{FF2B5EF4-FFF2-40B4-BE49-F238E27FC236}">
+                <a16:creationId xmlns="" xmlns:a16="http://schemas.microsoft.com/office/drawing/2014/main" id="{4F38584F-66B2-464F-9BA7-6F9A856D602F}"/>
+              </a:ext>
+            </a:extLst>
+          </p:cNvPr>
+          <p:cNvSpPr/>
+          <p:nvPr/>
+        </p:nvSpPr>
+        <p:spPr>
+          <a:xfrm>
+            <a:off x="275723" y="168868"/>
+            <a:ext cx="6072995" cy="1309135"/>
+          </a:xfrm>
+          <a:prstGeom prst="rect">
+            <a:avLst/>
+          </a:prstGeom>
+          <a:noFill/>
+        </p:spPr>
+        <p:txBody>
+          <a:bodyPr wrap="square" lIns="46793" tIns="23397" rIns="46793" bIns="23397">
+            <a:spAutoFit/>
+          </a:bodyPr>
+          <a:lstStyle/>
+          <a:p>
+            <a:r>
+              <a:rPr lang="pt-BR" sz="2000" b="1" dirty="0">
+                <a:solidFill>
+                  <a:schemeClr val="bg1"/>
+                </a:solidFill>
+              </a:rPr>
+              <a:t>Em uma caixa há 126 laranjas e 269 peras. Quantas frutas há na caixa?</a:t>
+            </a:r>
+          </a:p>
+          <a:p>
+            <a:r>
+              <a:rPr lang="pt-BR" sz="2000" dirty="0"/>
+              <a:t/>
+            </a:r>
+            <a:br>
+              <a:rPr lang="pt-BR" sz="2000" dirty="0"/>
+            </a:br>
+            <a:endParaRPr lang="pt-BR" sz="2200" b="1" dirty="0">
+              <a:ln w="0"/>
+              <a:solidFill>
+                <a:schemeClr val="bg1"/>
+              </a:solidFill>
+              <a:effectLst>
+                <a:outerShdw blurRad="38100" dist="19050" dir="2700000" algn="tl" rotWithShape="0">
+                  <a:schemeClr val="dk1">
+                    <a:alpha val="40000"/>
+                  </a:schemeClr>
+                </a:outerShdw>
+              </a:effectLst>
+            </a:endParaRPr>
+          </a:p>
+        </p:txBody>
+      </p:sp>
+      <p:sp>
+        <p:nvSpPr>
+          <p:cNvPr id="15" name="Rectangle 14">
+            <a:extLst>
+              <a:ext uri="{FF2B5EF4-FFF2-40B4-BE49-F238E27FC236}">
+                <a16:creationId xmlns="" xmlns:a16="http://schemas.microsoft.com/office/drawing/2014/main" id="{88C45C25-BF1B-4018-8A33-8F627F02D4A4}"/>
+              </a:ext>
+            </a:extLst>
+          </p:cNvPr>
+          <p:cNvSpPr/>
+          <p:nvPr/>
+        </p:nvSpPr>
+        <p:spPr>
+          <a:xfrm>
+            <a:off x="275723" y="1744855"/>
+            <a:ext cx="5705958" cy="416583"/>
+          </a:xfrm>
+          <a:prstGeom prst="rect">
+            <a:avLst/>
+          </a:prstGeom>
+          <a:noFill/>
+        </p:spPr>
+        <p:txBody>
+          <a:bodyPr wrap="square" lIns="46793" tIns="23397" rIns="46793" bIns="23397">
+            <a:spAutoFit/>
+          </a:bodyPr>
+          <a:lstStyle/>
+          <a:p>
+            <a:r>
+              <a:rPr lang="pt-BR" sz="2400" b="1" dirty="0" smtClean="0">
+                <a:ln w="0"/>
+                <a:solidFill>
+                  <a:srgbClr val="FFFF00"/>
+                </a:solidFill>
+                <a:effectLst>
+                  <a:outerShdw blurRad="38100" dist="19050" dir="2700000" algn="tl" rotWithShape="0">
+                    <a:schemeClr val="dk1">
+                      <a:alpha val="40000"/>
+                    </a:schemeClr>
+                  </a:outerShdw>
+                </a:effectLst>
+              </a:rPr>
+              <a:t>A</a:t>
+            </a:r>
+            <a:r>
+              <a:rPr lang="pt-BR" sz="2400" b="1" dirty="0" smtClean="0">
+                <a:ln w="0"/>
+                <a:solidFill>
+                  <a:srgbClr val="FFFF00"/>
+                </a:solidFill>
+                <a:effectLst>
+                  <a:outerShdw blurRad="38100" dist="19050" dir="2700000" algn="tl" rotWithShape="0">
+                    <a:schemeClr val="dk1">
+                      <a:alpha val="40000"/>
+                    </a:schemeClr>
+                  </a:outerShdw>
+                </a:effectLst>
+              </a:rPr>
+              <a:t>) 395</a:t>
+            </a:r>
+            <a:endParaRPr lang="en-US" sz="1600" i="1" dirty="0">
+              <a:ln w="0"/>
+              <a:solidFill>
+                <a:schemeClr val="bg1"/>
+              </a:solidFill>
+              <a:effectLst>
+                <a:outerShdw blurRad="38100" dist="19050" dir="2700000" algn="tl" rotWithShape="0">
+                  <a:schemeClr val="dk1">
+                    <a:alpha val="40000"/>
+                  </a:schemeClr>
+                </a:outerShdw>
+              </a:effectLst>
+            </a:endParaRPr>
+          </a:p>
+        </p:txBody>
+      </p:sp>
+      <p:sp>
+        <p:nvSpPr>
+          <p:cNvPr id="9" name="Rectangle 14">
+            <a:extLst>
+              <a:ext uri="{FF2B5EF4-FFF2-40B4-BE49-F238E27FC236}">
+                <a16:creationId xmlns="" xmlns:a16="http://schemas.microsoft.com/office/drawing/2014/main" id="{88C45C25-BF1B-4018-8A33-8F627F02D4A4}"/>
+              </a:ext>
+            </a:extLst>
+          </p:cNvPr>
+          <p:cNvSpPr/>
+          <p:nvPr/>
+        </p:nvSpPr>
+        <p:spPr>
+          <a:xfrm>
+            <a:off x="275723" y="2148160"/>
+            <a:ext cx="5705958" cy="416583"/>
+          </a:xfrm>
+          <a:prstGeom prst="rect">
+            <a:avLst/>
+          </a:prstGeom>
+          <a:noFill/>
+        </p:spPr>
+        <p:txBody>
+          <a:bodyPr wrap="square" lIns="46793" tIns="23397" rIns="46793" bIns="23397">
+            <a:spAutoFit/>
+          </a:bodyPr>
+          <a:lstStyle/>
+          <a:p>
+            <a:r>
+              <a:rPr lang="pt-BR" sz="2400" b="1" dirty="0" smtClean="0">
+                <a:ln w="0"/>
+                <a:solidFill>
+                  <a:srgbClr val="FFFF00"/>
+                </a:solidFill>
+                <a:effectLst>
+                  <a:outerShdw blurRad="38100" dist="19050" dir="2700000" algn="tl" rotWithShape="0">
+                    <a:schemeClr val="dk1">
+                      <a:alpha val="40000"/>
+                    </a:schemeClr>
+                  </a:outerShdw>
+                </a:effectLst>
+              </a:rPr>
+              <a:t>B) 385</a:t>
+            </a:r>
+            <a:endParaRPr lang="en-US" sz="1600" i="1" dirty="0">
+              <a:ln w="0"/>
+              <a:solidFill>
+                <a:schemeClr val="bg1"/>
+              </a:solidFill>
+              <a:effectLst>
+                <a:outerShdw blurRad="38100" dist="19050" dir="2700000" algn="tl" rotWithShape="0">
+                  <a:schemeClr val="dk1">
+                    <a:alpha val="40000"/>
+                  </a:schemeClr>
+                </a:outerShdw>
+              </a:effectLst>
+            </a:endParaRPr>
+          </a:p>
+        </p:txBody>
+      </p:sp>
+      <p:sp>
+        <p:nvSpPr>
+          <p:cNvPr id="10" name="Rectangle 14">
+            <a:extLst>
+              <a:ext uri="{FF2B5EF4-FFF2-40B4-BE49-F238E27FC236}">
+                <a16:creationId xmlns="" xmlns:a16="http://schemas.microsoft.com/office/drawing/2014/main" id="{88C45C25-BF1B-4018-8A33-8F627F02D4A4}"/>
+              </a:ext>
+            </a:extLst>
+          </p:cNvPr>
+          <p:cNvSpPr/>
+          <p:nvPr/>
+        </p:nvSpPr>
+        <p:spPr>
+          <a:xfrm>
+            <a:off x="275723" y="2588200"/>
+            <a:ext cx="5705958" cy="416583"/>
+          </a:xfrm>
+          <a:prstGeom prst="rect">
+            <a:avLst/>
+          </a:prstGeom>
+          <a:noFill/>
+        </p:spPr>
+        <p:txBody>
+          <a:bodyPr wrap="square" lIns="46793" tIns="23397" rIns="46793" bIns="23397">
+            <a:spAutoFit/>
+          </a:bodyPr>
+          <a:lstStyle/>
+          <a:p>
+            <a:r>
+              <a:rPr lang="pt-BR" sz="2400" b="1" dirty="0">
+                <a:ln w="0"/>
+                <a:solidFill>
+                  <a:srgbClr val="FFFF00"/>
+                </a:solidFill>
+                <a:effectLst>
+                  <a:outerShdw blurRad="38100" dist="19050" dir="2700000" algn="tl" rotWithShape="0">
+                    <a:schemeClr val="dk1">
+                      <a:alpha val="40000"/>
+                    </a:schemeClr>
+                  </a:outerShdw>
+                </a:effectLst>
+              </a:rPr>
+              <a:t>C</a:t>
+            </a:r>
+            <a:r>
+              <a:rPr lang="pt-BR" sz="2400" b="1" dirty="0" smtClean="0">
+                <a:ln w="0"/>
+                <a:solidFill>
+                  <a:srgbClr val="FFFF00"/>
+                </a:solidFill>
+                <a:effectLst>
+                  <a:outerShdw blurRad="38100" dist="19050" dir="2700000" algn="tl" rotWithShape="0">
+                    <a:schemeClr val="dk1">
+                      <a:alpha val="40000"/>
+                    </a:schemeClr>
+                  </a:outerShdw>
+                </a:effectLst>
+              </a:rPr>
+              <a:t>) 425</a:t>
+            </a:r>
+            <a:endParaRPr lang="en-US" sz="2400" i="1" dirty="0">
+              <a:ln w="0"/>
+              <a:solidFill>
+                <a:schemeClr val="bg1"/>
+              </a:solidFill>
+              <a:effectLst>
+                <a:outerShdw blurRad="38100" dist="19050" dir="2700000" algn="tl" rotWithShape="0">
+                  <a:schemeClr val="dk1">
+                    <a:alpha val="40000"/>
+                  </a:schemeClr>
+                </a:outerShdw>
+              </a:effectLst>
+            </a:endParaRPr>
+          </a:p>
+        </p:txBody>
+      </p:sp>
+      <p:sp>
+        <p:nvSpPr>
+          <p:cNvPr id="11" name="Rectangle 14">
+            <a:extLst>
+              <a:ext uri="{FF2B5EF4-FFF2-40B4-BE49-F238E27FC236}">
+                <a16:creationId xmlns="" xmlns:a16="http://schemas.microsoft.com/office/drawing/2014/main" id="{88C45C25-BF1B-4018-8A33-8F627F02D4A4}"/>
+              </a:ext>
+            </a:extLst>
+          </p:cNvPr>
+          <p:cNvSpPr/>
+          <p:nvPr/>
+        </p:nvSpPr>
+        <p:spPr>
+          <a:xfrm>
+            <a:off x="275723" y="3004783"/>
+            <a:ext cx="5705958" cy="785915"/>
+          </a:xfrm>
+          <a:prstGeom prst="rect">
+            <a:avLst/>
+          </a:prstGeom>
+          <a:noFill/>
+        </p:spPr>
+        <p:txBody>
+          <a:bodyPr wrap="square" lIns="46793" tIns="23397" rIns="46793" bIns="23397">
+            <a:spAutoFit/>
+          </a:bodyPr>
+          <a:lstStyle/>
+          <a:p>
+            <a:r>
+              <a:rPr lang="pt-BR" sz="2400" b="1" dirty="0">
+                <a:ln w="0"/>
+                <a:solidFill>
+                  <a:srgbClr val="FFFF00"/>
+                </a:solidFill>
+                <a:effectLst>
+                  <a:outerShdw blurRad="38100" dist="19050" dir="2700000" algn="tl" rotWithShape="0">
+                    <a:schemeClr val="dk1">
+                      <a:alpha val="40000"/>
+                    </a:schemeClr>
+                  </a:outerShdw>
+                </a:effectLst>
+              </a:rPr>
+              <a:t>D</a:t>
+            </a:r>
+            <a:r>
+              <a:rPr lang="pt-BR" sz="2400" b="1" dirty="0" smtClean="0">
+                <a:ln w="0"/>
+                <a:solidFill>
+                  <a:srgbClr val="FFFF00"/>
+                </a:solidFill>
+                <a:effectLst>
+                  <a:outerShdw blurRad="38100" dist="19050" dir="2700000" algn="tl" rotWithShape="0">
+                    <a:schemeClr val="dk1">
+                      <a:alpha val="40000"/>
+                    </a:schemeClr>
+                  </a:outerShdw>
+                </a:effectLst>
+              </a:rPr>
+              <a:t>) 555</a:t>
+            </a:r>
+            <a:endParaRPr lang="pt-BR" sz="1600" dirty="0"/>
+          </a:p>
+          <a:p>
+            <a:endParaRPr lang="en-US" sz="2400" i="1" dirty="0">
+              <a:ln w="0"/>
+              <a:solidFill>
+                <a:schemeClr val="bg1"/>
+              </a:solidFill>
+              <a:effectLst>
+                <a:outerShdw blurRad="38100" dist="19050" dir="2700000" algn="tl" rotWithShape="0">
+                  <a:schemeClr val="dk1">
+                    <a:alpha val="40000"/>
+                  </a:schemeClr>
+                </a:outerShdw>
+              </a:effectLst>
+            </a:endParaRPr>
+          </a:p>
+        </p:txBody>
+      </p:sp>
+      <p:pic>
+        <p:nvPicPr>
+          <p:cNvPr id="1026" name="Picture 2" descr="https://escolakids.uol.com.br/upload/image/Untitled-3_(4).jpg"/>
+          <p:cNvPicPr>
+            <a:picLocks noChangeAspect="1" noChangeArrowheads="1"/>
+          </p:cNvPicPr>
+          <p:nvPr/>
+        </p:nvPicPr>
+        <p:blipFill>
+          <a:blip r:embed="rId4">
+            <a:extLst>
+              <a:ext uri="{28A0092B-C50C-407E-A947-70E740481C1C}">
+                <a14:useLocalDpi xmlns:a14="http://schemas.microsoft.com/office/drawing/2010/main" val="0"/>
+              </a:ext>
+            </a:extLst>
+          </a:blip>
+          <a:srcRect/>
+          <a:stretch>
+            <a:fillRect/>
+          </a:stretch>
+        </p:blipFill>
+        <p:spPr bwMode="auto">
+          <a:xfrm>
+            <a:off x="600464" y="852303"/>
+            <a:ext cx="1638300" cy="809626"/>
+          </a:xfrm>
+          <a:prstGeom prst="rect">
+            <a:avLst/>
+          </a:prstGeom>
+          <a:noFill/>
+          <a:extLst>
+            <a:ext uri="{909E8E84-426E-40DD-AFC4-6F175D3DCCD1}">
+              <a14:hiddenFill xmlns:a14="http://schemas.microsoft.com/office/drawing/2010/main">
+                <a:solidFill>
+                  <a:srgbClr val="FFFFFF"/>
+                </a:solidFill>
+              </a14:hiddenFill>
+            </a:ext>
+          </a:extLst>
+        </p:spPr>
+      </p:pic>
+      <p:pic>
+        <p:nvPicPr>
+          <p:cNvPr id="1028" name="Picture 4" descr="Resultado de imagem para pera"/>
+          <p:cNvPicPr>
+            <a:picLocks noChangeAspect="1" noChangeArrowheads="1"/>
+          </p:cNvPicPr>
+          <p:nvPr/>
+        </p:nvPicPr>
+        <p:blipFill>
+          <a:blip r:embed="rId5" cstate="print">
+            <a:extLst>
+              <a:ext uri="{28A0092B-C50C-407E-A947-70E740481C1C}">
+                <a14:useLocalDpi xmlns:a14="http://schemas.microsoft.com/office/drawing/2010/main" val="0"/>
+              </a:ext>
+            </a:extLst>
+          </a:blip>
+          <a:srcRect/>
+          <a:stretch>
+            <a:fillRect/>
+          </a:stretch>
+        </p:blipFill>
+        <p:spPr bwMode="auto">
+          <a:xfrm>
+            <a:off x="2847684" y="2108481"/>
+            <a:ext cx="2376730" cy="1125148"/>
+          </a:xfrm>
+          <a:prstGeom prst="rect">
+            <a:avLst/>
+          </a:prstGeom>
+          <a:noFill/>
+          <a:extLst>
+            <a:ext uri="{909E8E84-426E-40DD-AFC4-6F175D3DCCD1}">
+              <a14:hiddenFill xmlns:a14="http://schemas.microsoft.com/office/drawing/2010/main">
+                <a:solidFill>
+                  <a:srgbClr val="FFFFFF"/>
+                </a:solidFill>
+              </a14:hiddenFill>
+            </a:ext>
+          </a:extLst>
+        </p:spPr>
+      </p:pic>
+      <p:pic>
+        <p:nvPicPr>
+          <p:cNvPr id="1030" name="Picture 6" descr="Resultado de imagem para laranjas"/>
+          <p:cNvPicPr>
+            <a:picLocks noChangeAspect="1" noChangeArrowheads="1"/>
+          </p:cNvPicPr>
+          <p:nvPr/>
+        </p:nvPicPr>
+        <p:blipFill>
+          <a:blip r:embed="rId6" cstate="print">
+            <a:extLst>
+              <a:ext uri="{28A0092B-C50C-407E-A947-70E740481C1C}">
+                <a14:useLocalDpi xmlns:a14="http://schemas.microsoft.com/office/drawing/2010/main" val="0"/>
+              </a:ext>
+            </a:extLst>
+          </a:blip>
+          <a:srcRect/>
+          <a:stretch>
+            <a:fillRect/>
+          </a:stretch>
+        </p:blipFill>
+        <p:spPr bwMode="auto">
+          <a:xfrm>
+            <a:off x="2365117" y="822158"/>
+            <a:ext cx="3215305" cy="1072428"/>
+          </a:xfrm>
+          <a:prstGeom prst="rect">
+            <a:avLst/>
+          </a:prstGeom>
+          <a:noFill/>
+          <a:extLst>
+            <a:ext uri="{909E8E84-426E-40DD-AFC4-6F175D3DCCD1}">
+              <a14:hiddenFill xmlns:a14="http://schemas.microsoft.com/office/drawing/2010/main">
+                <a:solidFill>
+                  <a:srgbClr val="FFFFFF"/>
+                </a:solidFill>
+              </a14:hiddenFill>
+            </a:ext>
+          </a:extLst>
+        </p:spPr>
+      </p:pic>
+    </p:spTree>
+    <p:extLst>
+      <p:ext uri="{BB962C8B-B14F-4D97-AF65-F5344CB8AC3E}">
+        <p14:creationId xmlns:p14="http://schemas.microsoft.com/office/powerpoint/2010/main" val="3002241496"/>
+      </p:ext>
+    </p:extLst>
+  </p:cSld>
+  <p:clrMapOvr>
+    <a:masterClrMapping/>
+  </p:clrMapOvr>
+  <p:transition spd="slow">
+    <p:wipe/>
+  </p:transition>
+</p:sld>
+</file>
+
+<file path=ppt/slides/slide31.xml><?xml version="1.0" encoding="utf-8"?>
+<p:sld xmlns:a="http://schemas.openxmlformats.org/drawingml/2006/main" xmlns:r="http://schemas.openxmlformats.org/officeDocument/2006/relationships" xmlns:p="http://schemas.openxmlformats.org/presentationml/2006/main">
+  <p:cSld>
+    <p:bg>
+      <p:bgPr>
+        <a:blipFill>
+          <a:blip r:embed="rId3"/>
+          <a:stretch>
+            <a:fillRect/>
+          </a:stretch>
+        </a:blipFill>
+        <a:effectLst/>
+      </p:bgPr>
+    </p:bg>
+    <p:spTree>
+      <p:nvGrpSpPr>
+        <p:cNvPr id="1" name=""/>
+        <p:cNvGrpSpPr/>
+        <p:nvPr/>
+      </p:nvGrpSpPr>
+      <p:grpSpPr>
+        <a:xfrm>
+          <a:off x="0" y="0"/>
+          <a:ext cx="0" cy="0"/>
+          <a:chOff x="0" y="0"/>
+          <a:chExt cx="0" cy="0"/>
+        </a:xfrm>
+      </p:grpSpPr>
+      <p:sp>
+        <p:nvSpPr>
+          <p:cNvPr id="2" name="Rectangle 1">
+            <a:extLst>
+              <a:ext uri="{FF2B5EF4-FFF2-40B4-BE49-F238E27FC236}">
+                <a16:creationId xmlns="" xmlns:a16="http://schemas.microsoft.com/office/drawing/2014/main" id="{4F38584F-66B2-464F-9BA7-6F9A856D602F}"/>
+              </a:ext>
+            </a:extLst>
+          </p:cNvPr>
+          <p:cNvSpPr/>
+          <p:nvPr/>
+        </p:nvSpPr>
+        <p:spPr>
+          <a:xfrm>
+            <a:off x="275723" y="168868"/>
+            <a:ext cx="6072995" cy="1309135"/>
+          </a:xfrm>
+          <a:prstGeom prst="rect">
+            <a:avLst/>
+          </a:prstGeom>
+          <a:noFill/>
+        </p:spPr>
+        <p:txBody>
+          <a:bodyPr wrap="square" lIns="46793" tIns="23397" rIns="46793" bIns="23397">
+            <a:spAutoFit/>
+          </a:bodyPr>
+          <a:lstStyle/>
+          <a:p>
+            <a:r>
+              <a:rPr lang="pt-BR" sz="2000" b="1" dirty="0">
+                <a:solidFill>
+                  <a:schemeClr val="bg1"/>
+                </a:solidFill>
+              </a:rPr>
+              <a:t>Em uma caixa há 126 laranjas e 269 peras. Quantas frutas há na caixa?</a:t>
+            </a:r>
+          </a:p>
+          <a:p>
+            <a:r>
+              <a:rPr lang="pt-BR" sz="2000" dirty="0"/>
+              <a:t/>
+            </a:r>
+            <a:br>
+              <a:rPr lang="pt-BR" sz="2000" dirty="0"/>
+            </a:br>
+            <a:endParaRPr lang="pt-BR" sz="2200" b="1" dirty="0">
+              <a:ln w="0"/>
+              <a:solidFill>
+                <a:schemeClr val="bg1"/>
+              </a:solidFill>
+              <a:effectLst>
+                <a:outerShdw blurRad="38100" dist="19050" dir="2700000" algn="tl" rotWithShape="0">
+                  <a:schemeClr val="dk1">
+                    <a:alpha val="40000"/>
+                  </a:schemeClr>
+                </a:outerShdw>
+              </a:effectLst>
+            </a:endParaRPr>
+          </a:p>
+        </p:txBody>
+      </p:sp>
+      <p:sp>
+        <p:nvSpPr>
+          <p:cNvPr id="15" name="Rectangle 14">
+            <a:extLst>
+              <a:ext uri="{FF2B5EF4-FFF2-40B4-BE49-F238E27FC236}">
+                <a16:creationId xmlns="" xmlns:a16="http://schemas.microsoft.com/office/drawing/2014/main" id="{88C45C25-BF1B-4018-8A33-8F627F02D4A4}"/>
+              </a:ext>
+            </a:extLst>
+          </p:cNvPr>
+          <p:cNvSpPr/>
+          <p:nvPr/>
+        </p:nvSpPr>
+        <p:spPr>
+          <a:xfrm>
+            <a:off x="275723" y="1186253"/>
+            <a:ext cx="5705958" cy="416583"/>
+          </a:xfrm>
+          <a:prstGeom prst="rect">
+            <a:avLst/>
+          </a:prstGeom>
+          <a:noFill/>
+        </p:spPr>
+        <p:txBody>
+          <a:bodyPr wrap="square" lIns="46793" tIns="23397" rIns="46793" bIns="23397">
+            <a:spAutoFit/>
+          </a:bodyPr>
+          <a:lstStyle/>
+          <a:p>
+            <a:r>
+              <a:rPr lang="pt-BR" sz="2400" b="1" dirty="0" smtClean="0">
+                <a:ln w="0"/>
+                <a:solidFill>
+                  <a:srgbClr val="FFFF00"/>
+                </a:solidFill>
+                <a:effectLst>
+                  <a:outerShdw blurRad="38100" dist="19050" dir="2700000" algn="tl" rotWithShape="0">
+                    <a:schemeClr val="dk1">
+                      <a:alpha val="40000"/>
+                    </a:schemeClr>
+                  </a:outerShdw>
+                </a:effectLst>
+              </a:rPr>
+              <a:t>A</a:t>
+            </a:r>
+            <a:r>
+              <a:rPr lang="pt-BR" sz="2400" b="1" dirty="0" smtClean="0">
+                <a:ln w="0"/>
+                <a:solidFill>
+                  <a:srgbClr val="FFFF00"/>
+                </a:solidFill>
+                <a:effectLst>
+                  <a:outerShdw blurRad="38100" dist="19050" dir="2700000" algn="tl" rotWithShape="0">
+                    <a:schemeClr val="dk1">
+                      <a:alpha val="40000"/>
+                    </a:schemeClr>
+                  </a:outerShdw>
+                </a:effectLst>
+              </a:rPr>
+              <a:t>) 395</a:t>
+            </a:r>
+            <a:endParaRPr lang="en-US" sz="1600" i="1" dirty="0">
+              <a:ln w="0"/>
+              <a:solidFill>
+                <a:schemeClr val="bg1"/>
+              </a:solidFill>
+              <a:effectLst>
+                <a:outerShdw blurRad="38100" dist="19050" dir="2700000" algn="tl" rotWithShape="0">
+                  <a:schemeClr val="dk1">
+                    <a:alpha val="40000"/>
+                  </a:schemeClr>
+                </a:outerShdw>
+              </a:effectLst>
+            </a:endParaRPr>
+          </a:p>
+        </p:txBody>
+      </p:sp>
+      <p:pic>
+        <p:nvPicPr>
+          <p:cNvPr id="2050" name="Picture 2" descr="Resultado de imagem para laranjas"/>
+          <p:cNvPicPr>
+            <a:picLocks noChangeAspect="1" noChangeArrowheads="1"/>
+          </p:cNvPicPr>
+          <p:nvPr/>
+        </p:nvPicPr>
+        <p:blipFill>
+          <a:blip r:embed="rId4" cstate="print">
+            <a:extLst>
+              <a:ext uri="{28A0092B-C50C-407E-A947-70E740481C1C}">
+                <a14:useLocalDpi xmlns:a14="http://schemas.microsoft.com/office/drawing/2010/main" val="0"/>
+              </a:ext>
+            </a:extLst>
+          </a:blip>
+          <a:srcRect/>
+          <a:stretch>
+            <a:fillRect/>
+          </a:stretch>
+        </p:blipFill>
+        <p:spPr bwMode="auto">
+          <a:xfrm>
+            <a:off x="2870580" y="1316052"/>
+            <a:ext cx="3209869" cy="1535028"/>
+          </a:xfrm>
+          <a:prstGeom prst="rect">
+            <a:avLst/>
+          </a:prstGeom>
+          <a:noFill/>
+          <a:extLst>
+            <a:ext uri="{909E8E84-426E-40DD-AFC4-6F175D3DCCD1}">
+              <a14:hiddenFill xmlns:a14="http://schemas.microsoft.com/office/drawing/2010/main">
+                <a:solidFill>
+                  <a:srgbClr val="FFFFFF"/>
+                </a:solidFill>
+              </a14:hiddenFill>
+            </a:ext>
+          </a:extLst>
+        </p:spPr>
+      </p:pic>
+      <p:pic>
+        <p:nvPicPr>
+          <p:cNvPr id="2052" name="Picture 4" descr="Resultado de imagem para pera"/>
+          <p:cNvPicPr>
+            <a:picLocks noChangeAspect="1" noChangeArrowheads="1"/>
+          </p:cNvPicPr>
+          <p:nvPr/>
+        </p:nvPicPr>
+        <p:blipFill>
+          <a:blip r:embed="rId5">
+            <a:extLst>
+              <a:ext uri="{28A0092B-C50C-407E-A947-70E740481C1C}">
+                <a14:useLocalDpi xmlns:a14="http://schemas.microsoft.com/office/drawing/2010/main" val="0"/>
+              </a:ext>
+            </a:extLst>
+          </a:blip>
+          <a:srcRect/>
+          <a:stretch>
+            <a:fillRect/>
+          </a:stretch>
+        </p:blipFill>
+        <p:spPr bwMode="auto">
+          <a:xfrm>
+            <a:off x="207357" y="1708417"/>
+            <a:ext cx="2132094" cy="1247685"/>
+          </a:xfrm>
+          <a:prstGeom prst="rect">
+            <a:avLst/>
+          </a:prstGeom>
+          <a:noFill/>
+          <a:extLst>
+            <a:ext uri="{909E8E84-426E-40DD-AFC4-6F175D3DCCD1}">
+              <a14:hiddenFill xmlns:a14="http://schemas.microsoft.com/office/drawing/2010/main">
+                <a:solidFill>
+                  <a:srgbClr val="FFFFFF"/>
+                </a:solidFill>
+              </a14:hiddenFill>
+            </a:ext>
+          </a:extLst>
+        </p:spPr>
+      </p:pic>
+    </p:spTree>
+    <p:extLst>
+      <p:ext uri="{BB962C8B-B14F-4D97-AF65-F5344CB8AC3E}">
+        <p14:creationId xmlns:p14="http://schemas.microsoft.com/office/powerpoint/2010/main" val="1336428537"/>
       </p:ext>
     </p:extLst>
   </p:cSld>
@@ -23171,7 +26656,7 @@
           <p:cNvPr id="2" name="Rectangle 1">
             <a:extLst>
               <a:ext uri="{FF2B5EF4-FFF2-40B4-BE49-F238E27FC236}">
-                <a16:creationId xmlns:a16="http://schemas.microsoft.com/office/drawing/2014/main" xmlns="" id="{4F38584F-66B2-464F-9BA7-6F9A856D602F}"/>
+                <a16:creationId xmlns="" xmlns:a16="http://schemas.microsoft.com/office/drawing/2014/main" id="{4F38584F-66B2-464F-9BA7-6F9A856D602F}"/>
               </a:ext>
             </a:extLst>
           </p:cNvPr>
@@ -23231,7 +26716,7 @@
           <p:cNvPr id="15" name="Rectangle 14">
             <a:extLst>
               <a:ext uri="{FF2B5EF4-FFF2-40B4-BE49-F238E27FC236}">
-                <a16:creationId xmlns:a16="http://schemas.microsoft.com/office/drawing/2014/main" xmlns="" id="{88C45C25-BF1B-4018-8A33-8F627F02D4A4}"/>
+                <a16:creationId xmlns="" xmlns:a16="http://schemas.microsoft.com/office/drawing/2014/main" id="{88C45C25-BF1B-4018-8A33-8F627F02D4A4}"/>
               </a:ext>
             </a:extLst>
           </p:cNvPr>
@@ -23323,7 +26808,7 @@
           <p:cNvPr id="9" name="Rectangle 14">
             <a:extLst>
               <a:ext uri="{FF2B5EF4-FFF2-40B4-BE49-F238E27FC236}">
-                <a16:creationId xmlns:a16="http://schemas.microsoft.com/office/drawing/2014/main" xmlns="" id="{88C45C25-BF1B-4018-8A33-8F627F02D4A4}"/>
+                <a16:creationId xmlns="" xmlns:a16="http://schemas.microsoft.com/office/drawing/2014/main" id="{88C45C25-BF1B-4018-8A33-8F627F02D4A4}"/>
               </a:ext>
             </a:extLst>
           </p:cNvPr>
@@ -23415,7 +26900,7 @@
           <p:cNvPr id="10" name="Rectangle 14">
             <a:extLst>
               <a:ext uri="{FF2B5EF4-FFF2-40B4-BE49-F238E27FC236}">
-                <a16:creationId xmlns:a16="http://schemas.microsoft.com/office/drawing/2014/main" xmlns="" id="{88C45C25-BF1B-4018-8A33-8F627F02D4A4}"/>
+                <a16:creationId xmlns="" xmlns:a16="http://schemas.microsoft.com/office/drawing/2014/main" id="{88C45C25-BF1B-4018-8A33-8F627F02D4A4}"/>
               </a:ext>
             </a:extLst>
           </p:cNvPr>
@@ -23507,7 +26992,7 @@
           <p:cNvPr id="11" name="Rectangle 14">
             <a:extLst>
               <a:ext uri="{FF2B5EF4-FFF2-40B4-BE49-F238E27FC236}">
-                <a16:creationId xmlns:a16="http://schemas.microsoft.com/office/drawing/2014/main" xmlns="" id="{88C45C25-BF1B-4018-8A33-8F627F02D4A4}"/>
+                <a16:creationId xmlns="" xmlns:a16="http://schemas.microsoft.com/office/drawing/2014/main" id="{88C45C25-BF1B-4018-8A33-8F627F02D4A4}"/>
               </a:ext>
             </a:extLst>
           </p:cNvPr>
@@ -23667,7 +27152,7 @@
           <p:cNvPr id="2" name="Rectangle 1">
             <a:extLst>
               <a:ext uri="{FF2B5EF4-FFF2-40B4-BE49-F238E27FC236}">
-                <a16:creationId xmlns:a16="http://schemas.microsoft.com/office/drawing/2014/main" xmlns="" id="{4F38584F-66B2-464F-9BA7-6F9A856D602F}"/>
+                <a16:creationId xmlns="" xmlns:a16="http://schemas.microsoft.com/office/drawing/2014/main" id="{4F38584F-66B2-464F-9BA7-6F9A856D602F}"/>
               </a:ext>
             </a:extLst>
           </p:cNvPr>
@@ -23727,7 +27212,7 @@
           <p:cNvPr id="15" name="Rectangle 14">
             <a:extLst>
               <a:ext uri="{FF2B5EF4-FFF2-40B4-BE49-F238E27FC236}">
-                <a16:creationId xmlns:a16="http://schemas.microsoft.com/office/drawing/2014/main" xmlns="" id="{88C45C25-BF1B-4018-8A33-8F627F02D4A4}"/>
+                <a16:creationId xmlns="" xmlns:a16="http://schemas.microsoft.com/office/drawing/2014/main" id="{88C45C25-BF1B-4018-8A33-8F627F02D4A4}"/>
               </a:ext>
             </a:extLst>
           </p:cNvPr>
@@ -23819,7 +27304,7 @@
           <p:cNvPr id="9" name="Rectangle 14">
             <a:extLst>
               <a:ext uri="{FF2B5EF4-FFF2-40B4-BE49-F238E27FC236}">
-                <a16:creationId xmlns:a16="http://schemas.microsoft.com/office/drawing/2014/main" xmlns="" id="{88C45C25-BF1B-4018-8A33-8F627F02D4A4}"/>
+                <a16:creationId xmlns="" xmlns:a16="http://schemas.microsoft.com/office/drawing/2014/main" id="{88C45C25-BF1B-4018-8A33-8F627F02D4A4}"/>
               </a:ext>
             </a:extLst>
           </p:cNvPr>
@@ -23879,7 +27364,7 @@
           <p:cNvPr id="10" name="Rectangle 14">
             <a:extLst>
               <a:ext uri="{FF2B5EF4-FFF2-40B4-BE49-F238E27FC236}">
-                <a16:creationId xmlns:a16="http://schemas.microsoft.com/office/drawing/2014/main" xmlns="" id="{88C45C25-BF1B-4018-8A33-8F627F02D4A4}"/>
+                <a16:creationId xmlns="" xmlns:a16="http://schemas.microsoft.com/office/drawing/2014/main" id="{88C45C25-BF1B-4018-8A33-8F627F02D4A4}"/>
               </a:ext>
             </a:extLst>
           </p:cNvPr>
@@ -23939,7 +27424,7 @@
           <p:cNvPr id="11" name="Rectangle 14">
             <a:extLst>
               <a:ext uri="{FF2B5EF4-FFF2-40B4-BE49-F238E27FC236}">
-                <a16:creationId xmlns:a16="http://schemas.microsoft.com/office/drawing/2014/main" xmlns="" id="{88C45C25-BF1B-4018-8A33-8F627F02D4A4}"/>
+                <a16:creationId xmlns="" xmlns:a16="http://schemas.microsoft.com/office/drawing/2014/main" id="{88C45C25-BF1B-4018-8A33-8F627F02D4A4}"/>
               </a:ext>
             </a:extLst>
           </p:cNvPr>
@@ -24067,7 +27552,7 @@
           <p:cNvPr id="2" name="Rectangle 1">
             <a:extLst>
               <a:ext uri="{FF2B5EF4-FFF2-40B4-BE49-F238E27FC236}">
-                <a16:creationId xmlns:a16="http://schemas.microsoft.com/office/drawing/2014/main" xmlns="" id="{4F38584F-66B2-464F-9BA7-6F9A856D602F}"/>
+                <a16:creationId xmlns="" xmlns:a16="http://schemas.microsoft.com/office/drawing/2014/main" id="{4F38584F-66B2-464F-9BA7-6F9A856D602F}"/>
               </a:ext>
             </a:extLst>
           </p:cNvPr>
@@ -24127,7 +27612,7 @@
           <p:cNvPr id="15" name="Rectangle 14">
             <a:extLst>
               <a:ext uri="{FF2B5EF4-FFF2-40B4-BE49-F238E27FC236}">
-                <a16:creationId xmlns:a16="http://schemas.microsoft.com/office/drawing/2014/main" xmlns="" id="{88C45C25-BF1B-4018-8A33-8F627F02D4A4}"/>
+                <a16:creationId xmlns="" xmlns:a16="http://schemas.microsoft.com/office/drawing/2014/main" id="{88C45C25-BF1B-4018-8A33-8F627F02D4A4}"/>
               </a:ext>
             </a:extLst>
           </p:cNvPr>
@@ -24219,7 +27704,7 @@
           <p:cNvPr id="9" name="Rectangle 14">
             <a:extLst>
               <a:ext uri="{FF2B5EF4-FFF2-40B4-BE49-F238E27FC236}">
-                <a16:creationId xmlns:a16="http://schemas.microsoft.com/office/drawing/2014/main" xmlns="" id="{88C45C25-BF1B-4018-8A33-8F627F02D4A4}"/>
+                <a16:creationId xmlns="" xmlns:a16="http://schemas.microsoft.com/office/drawing/2014/main" id="{88C45C25-BF1B-4018-8A33-8F627F02D4A4}"/>
               </a:ext>
             </a:extLst>
           </p:cNvPr>
@@ -24311,7 +27796,7 @@
           <p:cNvPr id="10" name="Rectangle 14">
             <a:extLst>
               <a:ext uri="{FF2B5EF4-FFF2-40B4-BE49-F238E27FC236}">
-                <a16:creationId xmlns:a16="http://schemas.microsoft.com/office/drawing/2014/main" xmlns="" id="{88C45C25-BF1B-4018-8A33-8F627F02D4A4}"/>
+                <a16:creationId xmlns="" xmlns:a16="http://schemas.microsoft.com/office/drawing/2014/main" id="{88C45C25-BF1B-4018-8A33-8F627F02D4A4}"/>
               </a:ext>
             </a:extLst>
           </p:cNvPr>
@@ -24403,7 +27888,7 @@
           <p:cNvPr id="11" name="Rectangle 14">
             <a:extLst>
               <a:ext uri="{FF2B5EF4-FFF2-40B4-BE49-F238E27FC236}">
-                <a16:creationId xmlns:a16="http://schemas.microsoft.com/office/drawing/2014/main" xmlns="" id="{88C45C25-BF1B-4018-8A33-8F627F02D4A4}"/>
+                <a16:creationId xmlns="" xmlns:a16="http://schemas.microsoft.com/office/drawing/2014/main" id="{88C45C25-BF1B-4018-8A33-8F627F02D4A4}"/>
               </a:ext>
             </a:extLst>
           </p:cNvPr>
@@ -24563,7 +28048,7 @@
           <p:cNvPr id="2" name="Rectangle 1">
             <a:extLst>
               <a:ext uri="{FF2B5EF4-FFF2-40B4-BE49-F238E27FC236}">
-                <a16:creationId xmlns:a16="http://schemas.microsoft.com/office/drawing/2014/main" xmlns="" id="{4F38584F-66B2-464F-9BA7-6F9A856D602F}"/>
+                <a16:creationId xmlns="" xmlns:a16="http://schemas.microsoft.com/office/drawing/2014/main" id="{4F38584F-66B2-464F-9BA7-6F9A856D602F}"/>
               </a:ext>
             </a:extLst>
           </p:cNvPr>
@@ -24623,7 +28108,7 @@
           <p:cNvPr id="15" name="Rectangle 14">
             <a:extLst>
               <a:ext uri="{FF2B5EF4-FFF2-40B4-BE49-F238E27FC236}">
-                <a16:creationId xmlns:a16="http://schemas.microsoft.com/office/drawing/2014/main" xmlns="" id="{88C45C25-BF1B-4018-8A33-8F627F02D4A4}"/>
+                <a16:creationId xmlns="" xmlns:a16="http://schemas.microsoft.com/office/drawing/2014/main" id="{88C45C25-BF1B-4018-8A33-8F627F02D4A4}"/>
               </a:ext>
             </a:extLst>
           </p:cNvPr>
@@ -24660,23 +28145,7 @@
                   </a:outerShdw>
                 </a:effectLst>
               </a:rPr>
-              <a:t>A</a:t>
-            </a:r>
-            <a:r>
-              <a:rPr lang="pt-BR" sz="2400" b="1" dirty="0">
-                <a:ln w="0"/>
-                <a:solidFill>
-                  <a:srgbClr val="FFFF00"/>
-                </a:solidFill>
-                <a:effectLst>
-                  <a:outerShdw blurRad="38100" dist="19050" dir="2700000" algn="tl" rotWithShape="0">
-                    <a:schemeClr val="dk1">
-                      <a:alpha val="40000"/>
-                    </a:schemeClr>
-                  </a:outerShdw>
-                </a:effectLst>
-              </a:rPr>
-              <a:t>)</a:t>
+              <a:t>A)</a:t>
             </a:r>
             <a:endParaRPr lang="en-US" sz="2400" dirty="0">
               <a:ln w="0"/>
@@ -24699,7 +28168,7 @@
           <p:cNvPr id="9" name="Rectangle 14">
             <a:extLst>
               <a:ext uri="{FF2B5EF4-FFF2-40B4-BE49-F238E27FC236}">
-                <a16:creationId xmlns:a16="http://schemas.microsoft.com/office/drawing/2014/main" xmlns="" id="{88C45C25-BF1B-4018-8A33-8F627F02D4A4}"/>
+                <a16:creationId xmlns="" xmlns:a16="http://schemas.microsoft.com/office/drawing/2014/main" id="{88C45C25-BF1B-4018-8A33-8F627F02D4A4}"/>
               </a:ext>
             </a:extLst>
           </p:cNvPr>
@@ -24759,7 +28228,7 @@
           <p:cNvPr id="10" name="Rectangle 14">
             <a:extLst>
               <a:ext uri="{FF2B5EF4-FFF2-40B4-BE49-F238E27FC236}">
-                <a16:creationId xmlns:a16="http://schemas.microsoft.com/office/drawing/2014/main" xmlns="" id="{88C45C25-BF1B-4018-8A33-8F627F02D4A4}"/>
+                <a16:creationId xmlns="" xmlns:a16="http://schemas.microsoft.com/office/drawing/2014/main" id="{88C45C25-BF1B-4018-8A33-8F627F02D4A4}"/>
               </a:ext>
             </a:extLst>
           </p:cNvPr>
@@ -24819,7 +28288,7 @@
           <p:cNvPr id="11" name="Rectangle 14">
             <a:extLst>
               <a:ext uri="{FF2B5EF4-FFF2-40B4-BE49-F238E27FC236}">
-                <a16:creationId xmlns:a16="http://schemas.microsoft.com/office/drawing/2014/main" xmlns="" id="{88C45C25-BF1B-4018-8A33-8F627F02D4A4}"/>
+                <a16:creationId xmlns="" xmlns:a16="http://schemas.microsoft.com/office/drawing/2014/main" id="{88C45C25-BF1B-4018-8A33-8F627F02D4A4}"/>
               </a:ext>
             </a:extLst>
           </p:cNvPr>
@@ -24979,7 +28448,7 @@
           <p:cNvPr id="2" name="Rectangle 1">
             <a:extLst>
               <a:ext uri="{FF2B5EF4-FFF2-40B4-BE49-F238E27FC236}">
-                <a16:creationId xmlns:a16="http://schemas.microsoft.com/office/drawing/2014/main" xmlns="" id="{4F38584F-66B2-464F-9BA7-6F9A856D602F}"/>
+                <a16:creationId xmlns="" xmlns:a16="http://schemas.microsoft.com/office/drawing/2014/main" id="{4F38584F-66B2-464F-9BA7-6F9A856D602F}"/>
               </a:ext>
             </a:extLst>
           </p:cNvPr>
@@ -25039,7 +28508,7 @@
           <p:cNvPr id="15" name="Rectangle 14">
             <a:extLst>
               <a:ext uri="{FF2B5EF4-FFF2-40B4-BE49-F238E27FC236}">
-                <a16:creationId xmlns:a16="http://schemas.microsoft.com/office/drawing/2014/main" xmlns="" id="{88C45C25-BF1B-4018-8A33-8F627F02D4A4}"/>
+                <a16:creationId xmlns="" xmlns:a16="http://schemas.microsoft.com/office/drawing/2014/main" id="{88C45C25-BF1B-4018-8A33-8F627F02D4A4}"/>
               </a:ext>
             </a:extLst>
           </p:cNvPr>
@@ -25131,7 +28600,7 @@
           <p:cNvPr id="9" name="Rectangle 14">
             <a:extLst>
               <a:ext uri="{FF2B5EF4-FFF2-40B4-BE49-F238E27FC236}">
-                <a16:creationId xmlns:a16="http://schemas.microsoft.com/office/drawing/2014/main" xmlns="" id="{88C45C25-BF1B-4018-8A33-8F627F02D4A4}"/>
+                <a16:creationId xmlns="" xmlns:a16="http://schemas.microsoft.com/office/drawing/2014/main" id="{88C45C25-BF1B-4018-8A33-8F627F02D4A4}"/>
               </a:ext>
             </a:extLst>
           </p:cNvPr>
@@ -25223,7 +28692,7 @@
           <p:cNvPr id="10" name="Rectangle 14">
             <a:extLst>
               <a:ext uri="{FF2B5EF4-FFF2-40B4-BE49-F238E27FC236}">
-                <a16:creationId xmlns:a16="http://schemas.microsoft.com/office/drawing/2014/main" xmlns="" id="{88C45C25-BF1B-4018-8A33-8F627F02D4A4}"/>
+                <a16:creationId xmlns="" xmlns:a16="http://schemas.microsoft.com/office/drawing/2014/main" id="{88C45C25-BF1B-4018-8A33-8F627F02D4A4}"/>
               </a:ext>
             </a:extLst>
           </p:cNvPr>
@@ -25315,7 +28784,7 @@
           <p:cNvPr id="11" name="Rectangle 14">
             <a:extLst>
               <a:ext uri="{FF2B5EF4-FFF2-40B4-BE49-F238E27FC236}">
-                <a16:creationId xmlns:a16="http://schemas.microsoft.com/office/drawing/2014/main" xmlns="" id="{88C45C25-BF1B-4018-8A33-8F627F02D4A4}"/>
+                <a16:creationId xmlns="" xmlns:a16="http://schemas.microsoft.com/office/drawing/2014/main" id="{88C45C25-BF1B-4018-8A33-8F627F02D4A4}"/>
               </a:ext>
             </a:extLst>
           </p:cNvPr>
@@ -25475,7 +28944,7 @@
           <p:cNvPr id="2" name="Rectangle 1">
             <a:extLst>
               <a:ext uri="{FF2B5EF4-FFF2-40B4-BE49-F238E27FC236}">
-                <a16:creationId xmlns:a16="http://schemas.microsoft.com/office/drawing/2014/main" xmlns="" id="{4F38584F-66B2-464F-9BA7-6F9A856D602F}"/>
+                <a16:creationId xmlns="" xmlns:a16="http://schemas.microsoft.com/office/drawing/2014/main" id="{4F38584F-66B2-464F-9BA7-6F9A856D602F}"/>
               </a:ext>
             </a:extLst>
           </p:cNvPr>
@@ -25535,7 +29004,7 @@
           <p:cNvPr id="15" name="Rectangle 14">
             <a:extLst>
               <a:ext uri="{FF2B5EF4-FFF2-40B4-BE49-F238E27FC236}">
-                <a16:creationId xmlns:a16="http://schemas.microsoft.com/office/drawing/2014/main" xmlns="" id="{88C45C25-BF1B-4018-8A33-8F627F02D4A4}"/>
+                <a16:creationId xmlns="" xmlns:a16="http://schemas.microsoft.com/office/drawing/2014/main" id="{88C45C25-BF1B-4018-8A33-8F627F02D4A4}"/>
               </a:ext>
             </a:extLst>
           </p:cNvPr>
@@ -25572,23 +29041,7 @@
                   </a:outerShdw>
                 </a:effectLst>
               </a:rPr>
-              <a:t>A</a:t>
-            </a:r>
-            <a:r>
-              <a:rPr lang="pt-BR" sz="2400" b="1" dirty="0">
-                <a:ln w="0"/>
-                <a:solidFill>
-                  <a:srgbClr val="FFFF00"/>
-                </a:solidFill>
-                <a:effectLst>
-                  <a:outerShdw blurRad="38100" dist="19050" dir="2700000" algn="tl" rotWithShape="0">
-                    <a:schemeClr val="dk1">
-                      <a:alpha val="40000"/>
-                    </a:schemeClr>
-                  </a:outerShdw>
-                </a:effectLst>
-              </a:rPr>
-              <a:t>)</a:t>
+              <a:t>A)</a:t>
             </a:r>
             <a:endParaRPr lang="en-US" sz="2400" dirty="0">
               <a:ln w="0"/>
@@ -25611,7 +29064,7 @@
           <p:cNvPr id="9" name="Rectangle 14">
             <a:extLst>
               <a:ext uri="{FF2B5EF4-FFF2-40B4-BE49-F238E27FC236}">
-                <a16:creationId xmlns:a16="http://schemas.microsoft.com/office/drawing/2014/main" xmlns="" id="{88C45C25-BF1B-4018-8A33-8F627F02D4A4}"/>
+                <a16:creationId xmlns="" xmlns:a16="http://schemas.microsoft.com/office/drawing/2014/main" id="{88C45C25-BF1B-4018-8A33-8F627F02D4A4}"/>
               </a:ext>
             </a:extLst>
           </p:cNvPr>
@@ -25671,7 +29124,7 @@
           <p:cNvPr id="10" name="Rectangle 14">
             <a:extLst>
               <a:ext uri="{FF2B5EF4-FFF2-40B4-BE49-F238E27FC236}">
-                <a16:creationId xmlns:a16="http://schemas.microsoft.com/office/drawing/2014/main" xmlns="" id="{88C45C25-BF1B-4018-8A33-8F627F02D4A4}"/>
+                <a16:creationId xmlns="" xmlns:a16="http://schemas.microsoft.com/office/drawing/2014/main" id="{88C45C25-BF1B-4018-8A33-8F627F02D4A4}"/>
               </a:ext>
             </a:extLst>
           </p:cNvPr>
@@ -25731,7 +29184,7 @@
           <p:cNvPr id="11" name="Rectangle 14">
             <a:extLst>
               <a:ext uri="{FF2B5EF4-FFF2-40B4-BE49-F238E27FC236}">
-                <a16:creationId xmlns:a16="http://schemas.microsoft.com/office/drawing/2014/main" xmlns="" id="{88C45C25-BF1B-4018-8A33-8F627F02D4A4}"/>
+                <a16:creationId xmlns="" xmlns:a16="http://schemas.microsoft.com/office/drawing/2014/main" id="{88C45C25-BF1B-4018-8A33-8F627F02D4A4}"/>
               </a:ext>
             </a:extLst>
           </p:cNvPr>

--- a/Perguntas_e_Respostas/Matemática/Aritmetica/Adicao/lista_001_exe_adicao/lista_001_exe_adicao.pptx
+++ b/Perguntas_e_Respostas/Matemática/Aritmetica/Adicao/lista_001_exe_adicao/lista_001_exe_adicao.pptx
@@ -26864,7 +26864,7 @@
               <a:t> </a:t>
             </a:r>
             <a:r>
-              <a:rPr lang="pt-BR" sz="2400" dirty="0">
+              <a:rPr lang="pt-BR" sz="2400" dirty="0" smtClean="0">
                 <a:ln w="0"/>
                 <a:solidFill>
                   <a:schemeClr val="bg1"/>
@@ -26877,7 +26877,7 @@
                   </a:outerShdw>
                 </a:effectLst>
               </a:rPr>
-              <a:t>Soma</a:t>
+              <a:t>Total</a:t>
             </a:r>
             <a:endParaRPr lang="en-US" sz="2400" dirty="0">
               <a:ln w="0"/>
